--- a/Traffic_Analysis_and_Severity_Prediction.pptx
+++ b/Traffic_Analysis_and_Severity_Prediction.pptx
@@ -5,7 +5,7 @@
     <p:sldMasterId id="2147483705" r:id="rId1"/>
   </p:sldMasterIdLst>
   <p:notesMasterIdLst>
-    <p:notesMasterId r:id="rId41"/>
+    <p:notesMasterId r:id="rId46"/>
   </p:notesMasterIdLst>
   <p:sldIdLst>
     <p:sldId id="256" r:id="rId2"/>
@@ -21,32 +21,37 @@
     <p:sldId id="273" r:id="rId12"/>
     <p:sldId id="277" r:id="rId13"/>
     <p:sldId id="280" r:id="rId14"/>
-    <p:sldId id="279" r:id="rId15"/>
-    <p:sldId id="281" r:id="rId16"/>
-    <p:sldId id="282" r:id="rId17"/>
-    <p:sldId id="283" r:id="rId18"/>
-    <p:sldId id="284" r:id="rId19"/>
-    <p:sldId id="285" r:id="rId20"/>
-    <p:sldId id="286" r:id="rId21"/>
-    <p:sldId id="290" r:id="rId22"/>
-    <p:sldId id="289" r:id="rId23"/>
-    <p:sldId id="288" r:id="rId24"/>
-    <p:sldId id="287" r:id="rId25"/>
-    <p:sldId id="293" r:id="rId26"/>
-    <p:sldId id="291" r:id="rId27"/>
-    <p:sldId id="294" r:id="rId28"/>
-    <p:sldId id="295" r:id="rId29"/>
-    <p:sldId id="296" r:id="rId30"/>
-    <p:sldId id="299" r:id="rId31"/>
-    <p:sldId id="297" r:id="rId32"/>
-    <p:sldId id="298" r:id="rId33"/>
-    <p:sldId id="300" r:id="rId34"/>
-    <p:sldId id="301" r:id="rId35"/>
-    <p:sldId id="302" r:id="rId36"/>
-    <p:sldId id="305" r:id="rId37"/>
-    <p:sldId id="306" r:id="rId38"/>
-    <p:sldId id="303" r:id="rId39"/>
-    <p:sldId id="304" r:id="rId40"/>
+    <p:sldId id="311" r:id="rId15"/>
+    <p:sldId id="279" r:id="rId16"/>
+    <p:sldId id="281" r:id="rId17"/>
+    <p:sldId id="282" r:id="rId18"/>
+    <p:sldId id="283" r:id="rId19"/>
+    <p:sldId id="284" r:id="rId20"/>
+    <p:sldId id="285" r:id="rId21"/>
+    <p:sldId id="286" r:id="rId22"/>
+    <p:sldId id="290" r:id="rId23"/>
+    <p:sldId id="289" r:id="rId24"/>
+    <p:sldId id="288" r:id="rId25"/>
+    <p:sldId id="287" r:id="rId26"/>
+    <p:sldId id="293" r:id="rId27"/>
+    <p:sldId id="291" r:id="rId28"/>
+    <p:sldId id="314" r:id="rId29"/>
+    <p:sldId id="294" r:id="rId30"/>
+    <p:sldId id="295" r:id="rId31"/>
+    <p:sldId id="296" r:id="rId32"/>
+    <p:sldId id="299" r:id="rId33"/>
+    <p:sldId id="297" r:id="rId34"/>
+    <p:sldId id="298" r:id="rId35"/>
+    <p:sldId id="300" r:id="rId36"/>
+    <p:sldId id="301" r:id="rId37"/>
+    <p:sldId id="309" r:id="rId38"/>
+    <p:sldId id="307" r:id="rId39"/>
+    <p:sldId id="302" r:id="rId40"/>
+    <p:sldId id="305" r:id="rId41"/>
+    <p:sldId id="306" r:id="rId42"/>
+    <p:sldId id="313" r:id="rId43"/>
+    <p:sldId id="303" r:id="rId44"/>
+    <p:sldId id="304" r:id="rId45"/>
   </p:sldIdLst>
   <p:sldSz cx="12192000" cy="6858000"/>
   <p:notesSz cx="6858000" cy="9144000"/>
@@ -151,1993 +156,6 @@
     </p:ext>
   </p:extLst>
 </p:presentation>
-</file>
-
-<file path=ppt/charts/chart1.xml><?xml version="1.0" encoding="utf-8"?>
-<c:chartSpace xmlns:c="http://schemas.openxmlformats.org/drawingml/2006/chart" xmlns:a="http://schemas.openxmlformats.org/drawingml/2006/main" xmlns:r="http://schemas.openxmlformats.org/officeDocument/2006/relationships" xmlns:c16r2="http://schemas.microsoft.com/office/drawing/2015/06/chart">
-  <c:date1904 val="0"/>
-  <c:lang val="en-US"/>
-  <c:roundedCorners val="0"/>
-  <mc:AlternateContent xmlns:mc="http://schemas.openxmlformats.org/markup-compatibility/2006">
-    <mc:Choice xmlns:c14="http://schemas.microsoft.com/office/drawing/2007/8/2/chart" Requires="c14">
-      <c14:style val="102"/>
-    </mc:Choice>
-    <mc:Fallback>
-      <c:style val="2"/>
-    </mc:Fallback>
-  </mc:AlternateContent>
-  <c:chart>
-    <c:title>
-      <c:tx>
-        <c:rich>
-          <a:bodyPr rot="0" spcFirstLastPara="1" vertOverflow="ellipsis" vert="horz" wrap="square" anchor="ctr" anchorCtr="1"/>
-          <a:lstStyle/>
-          <a:p>
-            <a:pPr>
-              <a:defRPr sz="1862" b="0" i="0" u="none" strike="noStrike" kern="1200" spc="0" baseline="0">
-                <a:solidFill>
-                  <a:schemeClr val="tx1">
-                    <a:lumMod val="65000"/>
-                    <a:lumOff val="35000"/>
-                  </a:schemeClr>
-                </a:solidFill>
-                <a:latin typeface="+mn-lt"/>
-                <a:ea typeface="+mn-ea"/>
-                <a:cs typeface="+mn-cs"/>
-              </a:defRPr>
-            </a:pPr>
-            <a:r>
-              <a:rPr lang="en-US" dirty="0"/>
-              <a:t>Scores</a:t>
-            </a:r>
-          </a:p>
-        </c:rich>
-      </c:tx>
-      <c:overlay val="0"/>
-      <c:spPr>
-        <a:noFill/>
-        <a:ln>
-          <a:noFill/>
-        </a:ln>
-        <a:effectLst/>
-      </c:spPr>
-      <c:txPr>
-        <a:bodyPr rot="0" spcFirstLastPara="1" vertOverflow="ellipsis" vert="horz" wrap="square" anchor="ctr" anchorCtr="1"/>
-        <a:lstStyle/>
-        <a:p>
-          <a:pPr>
-            <a:defRPr sz="1862" b="0" i="0" u="none" strike="noStrike" kern="1200" spc="0" baseline="0">
-              <a:solidFill>
-                <a:schemeClr val="tx1">
-                  <a:lumMod val="65000"/>
-                  <a:lumOff val="35000"/>
-                </a:schemeClr>
-              </a:solidFill>
-              <a:latin typeface="+mn-lt"/>
-              <a:ea typeface="+mn-ea"/>
-              <a:cs typeface="+mn-cs"/>
-            </a:defRPr>
-          </a:pPr>
-          <a:endParaRPr lang="en-US"/>
-        </a:p>
-      </c:txPr>
-    </c:title>
-    <c:autoTitleDeleted val="0"/>
-    <c:plotArea>
-      <c:layout/>
-      <c:barChart>
-        <c:barDir val="col"/>
-        <c:grouping val="clustered"/>
-        <c:varyColors val="0"/>
-        <c:ser>
-          <c:idx val="0"/>
-          <c:order val="0"/>
-          <c:tx>
-            <c:strRef>
-              <c:f>Sheet1!$B$1</c:f>
-              <c:strCache>
-                <c:ptCount val="1"/>
-                <c:pt idx="0">
-                  <c:v>Accuracy</c:v>
-                </c:pt>
-              </c:strCache>
-            </c:strRef>
-          </c:tx>
-          <c:spPr>
-            <a:solidFill>
-              <a:schemeClr val="accent1"/>
-            </a:solidFill>
-            <a:ln>
-              <a:noFill/>
-            </a:ln>
-            <a:effectLst/>
-          </c:spPr>
-          <c:invertIfNegative val="0"/>
-          <c:cat>
-            <c:strRef>
-              <c:f>Sheet1!$A$2:$A$5</c:f>
-              <c:strCache>
-                <c:ptCount val="4"/>
-                <c:pt idx="0">
-                  <c:v>Random Forest</c:v>
-                </c:pt>
-                <c:pt idx="1">
-                  <c:v>Gradient Boost</c:v>
-                </c:pt>
-                <c:pt idx="2">
-                  <c:v>LightGBM</c:v>
-                </c:pt>
-                <c:pt idx="3">
-                  <c:v>XGBoost</c:v>
-                </c:pt>
-              </c:strCache>
-            </c:strRef>
-          </c:cat>
-          <c:val>
-            <c:numRef>
-              <c:f>Sheet1!$B$2:$B$5</c:f>
-              <c:numCache>
-                <c:formatCode>General</c:formatCode>
-                <c:ptCount val="4"/>
-                <c:pt idx="0">
-                  <c:v>67.08</c:v>
-                </c:pt>
-                <c:pt idx="1">
-                  <c:v>2.5</c:v>
-                </c:pt>
-                <c:pt idx="2">
-                  <c:v>67.930000000000007</c:v>
-                </c:pt>
-                <c:pt idx="3">
-                  <c:v>66.69</c:v>
-                </c:pt>
-              </c:numCache>
-            </c:numRef>
-          </c:val>
-          <c:extLst>
-            <c:ext xmlns:c16="http://schemas.microsoft.com/office/drawing/2014/chart" uri="{C3380CC4-5D6E-409C-BE32-E72D297353CC}">
-              <c16:uniqueId val="{00000000-6F85-4E73-97EB-91B50EAB983B}"/>
-            </c:ext>
-          </c:extLst>
-        </c:ser>
-        <c:ser>
-          <c:idx val="1"/>
-          <c:order val="1"/>
-          <c:tx>
-            <c:strRef>
-              <c:f>Sheet1!$C$1</c:f>
-              <c:strCache>
-                <c:ptCount val="1"/>
-                <c:pt idx="0">
-                  <c:v>F1</c:v>
-                </c:pt>
-              </c:strCache>
-            </c:strRef>
-          </c:tx>
-          <c:spPr>
-            <a:solidFill>
-              <a:schemeClr val="accent2"/>
-            </a:solidFill>
-            <a:ln>
-              <a:noFill/>
-            </a:ln>
-            <a:effectLst/>
-          </c:spPr>
-          <c:invertIfNegative val="0"/>
-          <c:cat>
-            <c:strRef>
-              <c:f>Sheet1!$A$2:$A$5</c:f>
-              <c:strCache>
-                <c:ptCount val="4"/>
-                <c:pt idx="0">
-                  <c:v>Random Forest</c:v>
-                </c:pt>
-                <c:pt idx="1">
-                  <c:v>Gradient Boost</c:v>
-                </c:pt>
-                <c:pt idx="2">
-                  <c:v>LightGBM</c:v>
-                </c:pt>
-                <c:pt idx="3">
-                  <c:v>XGBoost</c:v>
-                </c:pt>
-              </c:strCache>
-            </c:strRef>
-          </c:cat>
-          <c:val>
-            <c:numRef>
-              <c:f>Sheet1!$C$2:$C$5</c:f>
-              <c:numCache>
-                <c:formatCode>General</c:formatCode>
-                <c:ptCount val="4"/>
-                <c:pt idx="0">
-                  <c:v>55.98</c:v>
-                </c:pt>
-                <c:pt idx="1">
-                  <c:v>4.4000000000000004</c:v>
-                </c:pt>
-                <c:pt idx="2">
-                  <c:v>56.41</c:v>
-                </c:pt>
-                <c:pt idx="3">
-                  <c:v>55.71</c:v>
-                </c:pt>
-              </c:numCache>
-            </c:numRef>
-          </c:val>
-          <c:extLst>
-            <c:ext xmlns:c16="http://schemas.microsoft.com/office/drawing/2014/chart" uri="{C3380CC4-5D6E-409C-BE32-E72D297353CC}">
-              <c16:uniqueId val="{00000001-6F85-4E73-97EB-91B50EAB983B}"/>
-            </c:ext>
-          </c:extLst>
-        </c:ser>
-        <c:ser>
-          <c:idx val="2"/>
-          <c:order val="2"/>
-          <c:tx>
-            <c:strRef>
-              <c:f>Sheet1!$D$1</c:f>
-              <c:strCache>
-                <c:ptCount val="1"/>
-                <c:pt idx="0">
-                  <c:v>Precision</c:v>
-                </c:pt>
-              </c:strCache>
-            </c:strRef>
-          </c:tx>
-          <c:spPr>
-            <a:solidFill>
-              <a:schemeClr val="accent3"/>
-            </a:solidFill>
-            <a:ln>
-              <a:noFill/>
-            </a:ln>
-            <a:effectLst/>
-          </c:spPr>
-          <c:invertIfNegative val="0"/>
-          <c:cat>
-            <c:strRef>
-              <c:f>Sheet1!$A$2:$A$5</c:f>
-              <c:strCache>
-                <c:ptCount val="4"/>
-                <c:pt idx="0">
-                  <c:v>Random Forest</c:v>
-                </c:pt>
-                <c:pt idx="1">
-                  <c:v>Gradient Boost</c:v>
-                </c:pt>
-                <c:pt idx="2">
-                  <c:v>LightGBM</c:v>
-                </c:pt>
-                <c:pt idx="3">
-                  <c:v>XGBoost</c:v>
-                </c:pt>
-              </c:strCache>
-            </c:strRef>
-          </c:cat>
-          <c:val>
-            <c:numRef>
-              <c:f>Sheet1!$D$2:$D$5</c:f>
-              <c:numCache>
-                <c:formatCode>General</c:formatCode>
-                <c:ptCount val="4"/>
-                <c:pt idx="0">
-                  <c:v>58.25</c:v>
-                </c:pt>
-                <c:pt idx="1">
-                  <c:v>2</c:v>
-                </c:pt>
-                <c:pt idx="2">
-                  <c:v>58.29</c:v>
-                </c:pt>
-                <c:pt idx="3">
-                  <c:v>58.13</c:v>
-                </c:pt>
-              </c:numCache>
-            </c:numRef>
-          </c:val>
-          <c:extLst>
-            <c:ext xmlns:c16="http://schemas.microsoft.com/office/drawing/2014/chart" uri="{C3380CC4-5D6E-409C-BE32-E72D297353CC}">
-              <c16:uniqueId val="{00000002-6F85-4E73-97EB-91B50EAB983B}"/>
-            </c:ext>
-          </c:extLst>
-        </c:ser>
-        <c:ser>
-          <c:idx val="3"/>
-          <c:order val="3"/>
-          <c:tx>
-            <c:strRef>
-              <c:f>Sheet1!$E$1</c:f>
-              <c:strCache>
-                <c:ptCount val="1"/>
-                <c:pt idx="0">
-                  <c:v>Recall</c:v>
-                </c:pt>
-              </c:strCache>
-            </c:strRef>
-          </c:tx>
-          <c:spPr>
-            <a:solidFill>
-              <a:schemeClr val="accent4"/>
-            </a:solidFill>
-            <a:ln>
-              <a:noFill/>
-            </a:ln>
-            <a:effectLst/>
-          </c:spPr>
-          <c:invertIfNegative val="0"/>
-          <c:cat>
-            <c:strRef>
-              <c:f>Sheet1!$A$2:$A$5</c:f>
-              <c:strCache>
-                <c:ptCount val="4"/>
-                <c:pt idx="0">
-                  <c:v>Random Forest</c:v>
-                </c:pt>
-                <c:pt idx="1">
-                  <c:v>Gradient Boost</c:v>
-                </c:pt>
-                <c:pt idx="2">
-                  <c:v>LightGBM</c:v>
-                </c:pt>
-                <c:pt idx="3">
-                  <c:v>XGBoost</c:v>
-                </c:pt>
-              </c:strCache>
-            </c:strRef>
-          </c:cat>
-          <c:val>
-            <c:numRef>
-              <c:f>Sheet1!$E$2:$E$5</c:f>
-              <c:numCache>
-                <c:formatCode>General</c:formatCode>
-                <c:ptCount val="4"/>
-                <c:pt idx="0">
-                  <c:v>68.209999999999994</c:v>
-                </c:pt>
-                <c:pt idx="2">
-                  <c:v>68.06</c:v>
-                </c:pt>
-                <c:pt idx="3">
-                  <c:v>68.040000000000006</c:v>
-                </c:pt>
-              </c:numCache>
-            </c:numRef>
-          </c:val>
-          <c:extLst>
-            <c:ext xmlns:c16="http://schemas.microsoft.com/office/drawing/2014/chart" uri="{C3380CC4-5D6E-409C-BE32-E72D297353CC}">
-              <c16:uniqueId val="{00000003-6F85-4E73-97EB-91B50EAB983B}"/>
-            </c:ext>
-          </c:extLst>
-        </c:ser>
-        <c:ser>
-          <c:idx val="4"/>
-          <c:order val="4"/>
-          <c:tx>
-            <c:strRef>
-              <c:f>Sheet1!$F$1</c:f>
-              <c:strCache>
-                <c:ptCount val="1"/>
-                <c:pt idx="0">
-                  <c:v>Cross Val Avg</c:v>
-                </c:pt>
-              </c:strCache>
-            </c:strRef>
-          </c:tx>
-          <c:spPr>
-            <a:solidFill>
-              <a:schemeClr val="accent5"/>
-            </a:solidFill>
-            <a:ln>
-              <a:noFill/>
-            </a:ln>
-            <a:effectLst/>
-          </c:spPr>
-          <c:invertIfNegative val="0"/>
-          <c:cat>
-            <c:strRef>
-              <c:f>Sheet1!$A$2:$A$5</c:f>
-              <c:strCache>
-                <c:ptCount val="4"/>
-                <c:pt idx="0">
-                  <c:v>Random Forest</c:v>
-                </c:pt>
-                <c:pt idx="1">
-                  <c:v>Gradient Boost</c:v>
-                </c:pt>
-                <c:pt idx="2">
-                  <c:v>LightGBM</c:v>
-                </c:pt>
-                <c:pt idx="3">
-                  <c:v>XGBoost</c:v>
-                </c:pt>
-              </c:strCache>
-            </c:strRef>
-          </c:cat>
-          <c:val>
-            <c:numRef>
-              <c:f>Sheet1!$F$2:$F$5</c:f>
-              <c:numCache>
-                <c:formatCode>General</c:formatCode>
-                <c:ptCount val="4"/>
-                <c:pt idx="0">
-                  <c:v>69.58</c:v>
-                </c:pt>
-                <c:pt idx="2">
-                  <c:v>68.22</c:v>
-                </c:pt>
-                <c:pt idx="3">
-                  <c:v>69.27</c:v>
-                </c:pt>
-              </c:numCache>
-            </c:numRef>
-          </c:val>
-          <c:extLst>
-            <c:ext xmlns:c16="http://schemas.microsoft.com/office/drawing/2014/chart" uri="{C3380CC4-5D6E-409C-BE32-E72D297353CC}">
-              <c16:uniqueId val="{00000004-6F85-4E73-97EB-91B50EAB983B}"/>
-            </c:ext>
-          </c:extLst>
-        </c:ser>
-        <c:dLbls>
-          <c:showLegendKey val="0"/>
-          <c:showVal val="0"/>
-          <c:showCatName val="0"/>
-          <c:showSerName val="0"/>
-          <c:showPercent val="0"/>
-          <c:showBubbleSize val="0"/>
-        </c:dLbls>
-        <c:gapWidth val="219"/>
-        <c:axId val="250339344"/>
-        <c:axId val="46072064"/>
-      </c:barChart>
-      <c:catAx>
-        <c:axId val="250339344"/>
-        <c:scaling>
-          <c:orientation val="minMax"/>
-        </c:scaling>
-        <c:delete val="0"/>
-        <c:axPos val="b"/>
-        <c:numFmt formatCode="General" sourceLinked="1"/>
-        <c:majorTickMark val="none"/>
-        <c:minorTickMark val="none"/>
-        <c:tickLblPos val="nextTo"/>
-        <c:spPr>
-          <a:noFill/>
-          <a:ln w="9525" cap="flat" cmpd="sng" algn="ctr">
-            <a:solidFill>
-              <a:schemeClr val="tx1">
-                <a:lumMod val="15000"/>
-                <a:lumOff val="85000"/>
-              </a:schemeClr>
-            </a:solidFill>
-            <a:round/>
-          </a:ln>
-          <a:effectLst/>
-        </c:spPr>
-        <c:txPr>
-          <a:bodyPr rot="-60000000" spcFirstLastPara="1" vertOverflow="ellipsis" vert="horz" wrap="square" anchor="ctr" anchorCtr="1"/>
-          <a:lstStyle/>
-          <a:p>
-            <a:pPr>
-              <a:defRPr sz="1197" b="0" i="0" u="none" strike="noStrike" kern="1200" baseline="0">
-                <a:solidFill>
-                  <a:schemeClr val="tx1">
-                    <a:lumMod val="65000"/>
-                    <a:lumOff val="35000"/>
-                  </a:schemeClr>
-                </a:solidFill>
-                <a:latin typeface="+mn-lt"/>
-                <a:ea typeface="+mn-ea"/>
-                <a:cs typeface="+mn-cs"/>
-              </a:defRPr>
-            </a:pPr>
-            <a:endParaRPr lang="en-US"/>
-          </a:p>
-        </c:txPr>
-        <c:crossAx val="46072064"/>
-        <c:crosses val="autoZero"/>
-        <c:auto val="1"/>
-        <c:lblAlgn val="ctr"/>
-        <c:lblOffset val="100"/>
-        <c:noMultiLvlLbl val="0"/>
-      </c:catAx>
-      <c:valAx>
-        <c:axId val="46072064"/>
-        <c:scaling>
-          <c:orientation val="minMax"/>
-        </c:scaling>
-        <c:delete val="0"/>
-        <c:axPos val="l"/>
-        <c:majorGridlines>
-          <c:spPr>
-            <a:ln w="9525" cap="flat" cmpd="sng" algn="ctr">
-              <a:solidFill>
-                <a:schemeClr val="tx1">
-                  <a:lumMod val="15000"/>
-                  <a:lumOff val="85000"/>
-                </a:schemeClr>
-              </a:solidFill>
-              <a:round/>
-            </a:ln>
-            <a:effectLst/>
-          </c:spPr>
-        </c:majorGridlines>
-        <c:numFmt formatCode="General" sourceLinked="1"/>
-        <c:majorTickMark val="none"/>
-        <c:minorTickMark val="none"/>
-        <c:tickLblPos val="nextTo"/>
-        <c:spPr>
-          <a:noFill/>
-          <a:ln>
-            <a:noFill/>
-          </a:ln>
-          <a:effectLst/>
-        </c:spPr>
-        <c:txPr>
-          <a:bodyPr rot="-60000000" spcFirstLastPara="1" vertOverflow="ellipsis" vert="horz" wrap="square" anchor="ctr" anchorCtr="1"/>
-          <a:lstStyle/>
-          <a:p>
-            <a:pPr>
-              <a:defRPr sz="1197" b="0" i="0" u="none" strike="noStrike" kern="1200" baseline="0">
-                <a:solidFill>
-                  <a:schemeClr val="tx1">
-                    <a:lumMod val="65000"/>
-                    <a:lumOff val="35000"/>
-                  </a:schemeClr>
-                </a:solidFill>
-                <a:latin typeface="+mn-lt"/>
-                <a:ea typeface="+mn-ea"/>
-                <a:cs typeface="+mn-cs"/>
-              </a:defRPr>
-            </a:pPr>
-            <a:endParaRPr lang="en-US"/>
-          </a:p>
-        </c:txPr>
-        <c:crossAx val="250339344"/>
-        <c:crosses val="autoZero"/>
-        <c:crossBetween val="between"/>
-      </c:valAx>
-      <c:spPr>
-        <a:noFill/>
-        <a:ln>
-          <a:noFill/>
-        </a:ln>
-        <a:effectLst/>
-      </c:spPr>
-    </c:plotArea>
-    <c:legend>
-      <c:legendPos val="b"/>
-      <c:overlay val="0"/>
-      <c:spPr>
-        <a:noFill/>
-        <a:ln>
-          <a:noFill/>
-        </a:ln>
-        <a:effectLst/>
-      </c:spPr>
-      <c:txPr>
-        <a:bodyPr rot="0" spcFirstLastPara="1" vertOverflow="ellipsis" vert="horz" wrap="square" anchor="ctr" anchorCtr="1"/>
-        <a:lstStyle/>
-        <a:p>
-          <a:pPr>
-            <a:defRPr sz="1197" b="0" i="0" u="none" strike="noStrike" kern="1200" baseline="0">
-              <a:solidFill>
-                <a:schemeClr val="tx1">
-                  <a:lumMod val="65000"/>
-                  <a:lumOff val="35000"/>
-                </a:schemeClr>
-              </a:solidFill>
-              <a:latin typeface="+mn-lt"/>
-              <a:ea typeface="+mn-ea"/>
-              <a:cs typeface="+mn-cs"/>
-            </a:defRPr>
-          </a:pPr>
-          <a:endParaRPr lang="en-US"/>
-        </a:p>
-      </c:txPr>
-    </c:legend>
-    <c:plotVisOnly val="1"/>
-    <c:dispBlanksAs val="gap"/>
-    <c:extLst>
-      <c:ext xmlns:c16r3="http://schemas.microsoft.com/office/drawing/2017/03/chart" uri="{56B9EC1D-385E-4148-901F-78D8002777C0}">
-        <c16r3:dataDisplayOptions16>
-          <c16r3:dispNaAsBlank val="1"/>
-        </c16r3:dataDisplayOptions16>
-      </c:ext>
-    </c:extLst>
-    <c:showDLblsOverMax val="0"/>
-  </c:chart>
-  <c:spPr>
-    <a:noFill/>
-    <a:ln>
-      <a:noFill/>
-    </a:ln>
-    <a:effectLst/>
-  </c:spPr>
-  <c:txPr>
-    <a:bodyPr/>
-    <a:lstStyle/>
-    <a:p>
-      <a:pPr>
-        <a:defRPr/>
-      </a:pPr>
-      <a:endParaRPr lang="en-US"/>
-    </a:p>
-  </c:txPr>
-  <c:externalData r:id="rId3">
-    <c:autoUpdate val="0"/>
-  </c:externalData>
-</c:chartSpace>
-</file>
-
-<file path=ppt/charts/chart2.xml><?xml version="1.0" encoding="utf-8"?>
-<c:chartSpace xmlns:c="http://schemas.openxmlformats.org/drawingml/2006/chart" xmlns:a="http://schemas.openxmlformats.org/drawingml/2006/main" xmlns:r="http://schemas.openxmlformats.org/officeDocument/2006/relationships" xmlns:c16r2="http://schemas.microsoft.com/office/drawing/2015/06/chart">
-  <c:date1904 val="0"/>
-  <c:lang val="en-US"/>
-  <c:roundedCorners val="0"/>
-  <mc:AlternateContent xmlns:mc="http://schemas.openxmlformats.org/markup-compatibility/2006">
-    <mc:Choice xmlns:c14="http://schemas.microsoft.com/office/drawing/2007/8/2/chart" Requires="c14">
-      <c14:style val="102"/>
-    </mc:Choice>
-    <mc:Fallback>
-      <c:style val="2"/>
-    </mc:Fallback>
-  </mc:AlternateContent>
-  <c:chart>
-    <c:autoTitleDeleted val="1"/>
-    <c:plotArea>
-      <c:layout/>
-      <c:barChart>
-        <c:barDir val="col"/>
-        <c:grouping val="clustered"/>
-        <c:varyColors val="0"/>
-        <c:ser>
-          <c:idx val="0"/>
-          <c:order val="0"/>
-          <c:tx>
-            <c:strRef>
-              <c:f>Sheet1!$B$1</c:f>
-              <c:strCache>
-                <c:ptCount val="1"/>
-                <c:pt idx="0">
-                  <c:v>Time in Seconds</c:v>
-                </c:pt>
-              </c:strCache>
-            </c:strRef>
-          </c:tx>
-          <c:spPr>
-            <a:solidFill>
-              <a:schemeClr val="accent1"/>
-            </a:solidFill>
-            <a:ln>
-              <a:noFill/>
-            </a:ln>
-            <a:effectLst/>
-          </c:spPr>
-          <c:invertIfNegative val="0"/>
-          <c:cat>
-            <c:strRef>
-              <c:f>Sheet1!$A$2:$A$5</c:f>
-              <c:strCache>
-                <c:ptCount val="4"/>
-                <c:pt idx="0">
-                  <c:v>Random Forest</c:v>
-                </c:pt>
-                <c:pt idx="1">
-                  <c:v>Gradient Boost</c:v>
-                </c:pt>
-                <c:pt idx="2">
-                  <c:v>LightGBM</c:v>
-                </c:pt>
-                <c:pt idx="3">
-                  <c:v>XGBoost</c:v>
-                </c:pt>
-              </c:strCache>
-            </c:strRef>
-          </c:cat>
-          <c:val>
-            <c:numRef>
-              <c:f>Sheet1!$B$2:$B$5</c:f>
-              <c:numCache>
-                <c:formatCode>General</c:formatCode>
-                <c:ptCount val="4"/>
-                <c:pt idx="0">
-                  <c:v>1006.99</c:v>
-                </c:pt>
-                <c:pt idx="1">
-                  <c:v>0</c:v>
-                </c:pt>
-                <c:pt idx="2">
-                  <c:v>73.5</c:v>
-                </c:pt>
-                <c:pt idx="3">
-                  <c:v>7625.06</c:v>
-                </c:pt>
-              </c:numCache>
-            </c:numRef>
-          </c:val>
-          <c:extLst>
-            <c:ext xmlns:c16="http://schemas.microsoft.com/office/drawing/2014/chart" uri="{C3380CC4-5D6E-409C-BE32-E72D297353CC}">
-              <c16:uniqueId val="{00000000-6F85-4E73-97EB-91B50EAB983B}"/>
-            </c:ext>
-          </c:extLst>
-        </c:ser>
-        <c:dLbls>
-          <c:showLegendKey val="0"/>
-          <c:showVal val="0"/>
-          <c:showCatName val="0"/>
-          <c:showSerName val="0"/>
-          <c:showPercent val="0"/>
-          <c:showBubbleSize val="0"/>
-        </c:dLbls>
-        <c:gapWidth val="219"/>
-        <c:axId val="250339344"/>
-        <c:axId val="46072064"/>
-      </c:barChart>
-      <c:catAx>
-        <c:axId val="250339344"/>
-        <c:scaling>
-          <c:orientation val="minMax"/>
-        </c:scaling>
-        <c:delete val="0"/>
-        <c:axPos val="b"/>
-        <c:numFmt formatCode="General" sourceLinked="1"/>
-        <c:majorTickMark val="none"/>
-        <c:minorTickMark val="none"/>
-        <c:tickLblPos val="nextTo"/>
-        <c:spPr>
-          <a:noFill/>
-          <a:ln w="9525" cap="flat" cmpd="sng" algn="ctr">
-            <a:solidFill>
-              <a:schemeClr val="tx1">
-                <a:lumMod val="15000"/>
-                <a:lumOff val="85000"/>
-              </a:schemeClr>
-            </a:solidFill>
-            <a:round/>
-          </a:ln>
-          <a:effectLst/>
-        </c:spPr>
-        <c:txPr>
-          <a:bodyPr rot="-60000000" spcFirstLastPara="1" vertOverflow="ellipsis" vert="horz" wrap="square" anchor="ctr" anchorCtr="1"/>
-          <a:lstStyle/>
-          <a:p>
-            <a:pPr>
-              <a:defRPr sz="1197" b="0" i="0" u="none" strike="noStrike" kern="1200" baseline="0">
-                <a:solidFill>
-                  <a:schemeClr val="tx1">
-                    <a:lumMod val="65000"/>
-                    <a:lumOff val="35000"/>
-                  </a:schemeClr>
-                </a:solidFill>
-                <a:latin typeface="+mn-lt"/>
-                <a:ea typeface="+mn-ea"/>
-                <a:cs typeface="+mn-cs"/>
-              </a:defRPr>
-            </a:pPr>
-            <a:endParaRPr lang="en-US"/>
-          </a:p>
-        </c:txPr>
-        <c:crossAx val="46072064"/>
-        <c:crosses val="autoZero"/>
-        <c:auto val="1"/>
-        <c:lblAlgn val="ctr"/>
-        <c:lblOffset val="100"/>
-        <c:noMultiLvlLbl val="0"/>
-      </c:catAx>
-      <c:valAx>
-        <c:axId val="46072064"/>
-        <c:scaling>
-          <c:orientation val="minMax"/>
-        </c:scaling>
-        <c:delete val="0"/>
-        <c:axPos val="l"/>
-        <c:majorGridlines>
-          <c:spPr>
-            <a:ln w="9525" cap="flat" cmpd="sng" algn="ctr">
-              <a:solidFill>
-                <a:schemeClr val="tx1">
-                  <a:lumMod val="15000"/>
-                  <a:lumOff val="85000"/>
-                </a:schemeClr>
-              </a:solidFill>
-              <a:round/>
-            </a:ln>
-            <a:effectLst/>
-          </c:spPr>
-        </c:majorGridlines>
-        <c:numFmt formatCode="General" sourceLinked="1"/>
-        <c:majorTickMark val="none"/>
-        <c:minorTickMark val="none"/>
-        <c:tickLblPos val="nextTo"/>
-        <c:spPr>
-          <a:noFill/>
-          <a:ln>
-            <a:noFill/>
-          </a:ln>
-          <a:effectLst/>
-        </c:spPr>
-        <c:txPr>
-          <a:bodyPr rot="-60000000" spcFirstLastPara="1" vertOverflow="ellipsis" vert="horz" wrap="square" anchor="ctr" anchorCtr="1"/>
-          <a:lstStyle/>
-          <a:p>
-            <a:pPr>
-              <a:defRPr sz="1197" b="0" i="0" u="none" strike="noStrike" kern="1200" baseline="0">
-                <a:solidFill>
-                  <a:schemeClr val="tx1">
-                    <a:lumMod val="65000"/>
-                    <a:lumOff val="35000"/>
-                  </a:schemeClr>
-                </a:solidFill>
-                <a:latin typeface="+mn-lt"/>
-                <a:ea typeface="+mn-ea"/>
-                <a:cs typeface="+mn-cs"/>
-              </a:defRPr>
-            </a:pPr>
-            <a:endParaRPr lang="en-US"/>
-          </a:p>
-        </c:txPr>
-        <c:crossAx val="250339344"/>
-        <c:crosses val="autoZero"/>
-        <c:crossBetween val="between"/>
-      </c:valAx>
-      <c:spPr>
-        <a:noFill/>
-        <a:ln>
-          <a:noFill/>
-        </a:ln>
-        <a:effectLst/>
-      </c:spPr>
-    </c:plotArea>
-    <c:legend>
-      <c:legendPos val="b"/>
-      <c:overlay val="0"/>
-      <c:spPr>
-        <a:noFill/>
-        <a:ln>
-          <a:noFill/>
-        </a:ln>
-        <a:effectLst/>
-      </c:spPr>
-      <c:txPr>
-        <a:bodyPr rot="0" spcFirstLastPara="1" vertOverflow="ellipsis" vert="horz" wrap="square" anchor="ctr" anchorCtr="1"/>
-        <a:lstStyle/>
-        <a:p>
-          <a:pPr>
-            <a:defRPr sz="1197" b="0" i="0" u="none" strike="noStrike" kern="1200" baseline="0">
-              <a:solidFill>
-                <a:schemeClr val="tx1">
-                  <a:lumMod val="65000"/>
-                  <a:lumOff val="35000"/>
-                </a:schemeClr>
-              </a:solidFill>
-              <a:latin typeface="+mn-lt"/>
-              <a:ea typeface="+mn-ea"/>
-              <a:cs typeface="+mn-cs"/>
-            </a:defRPr>
-          </a:pPr>
-          <a:endParaRPr lang="en-US"/>
-        </a:p>
-      </c:txPr>
-    </c:legend>
-    <c:plotVisOnly val="1"/>
-    <c:dispBlanksAs val="gap"/>
-    <c:extLst>
-      <c:ext xmlns:c16r3="http://schemas.microsoft.com/office/drawing/2017/03/chart" uri="{56B9EC1D-385E-4148-901F-78D8002777C0}">
-        <c16r3:dataDisplayOptions16>
-          <c16r3:dispNaAsBlank val="1"/>
-        </c16r3:dataDisplayOptions16>
-      </c:ext>
-    </c:extLst>
-    <c:showDLblsOverMax val="0"/>
-  </c:chart>
-  <c:spPr>
-    <a:noFill/>
-    <a:ln>
-      <a:noFill/>
-    </a:ln>
-    <a:effectLst/>
-  </c:spPr>
-  <c:txPr>
-    <a:bodyPr/>
-    <a:lstStyle/>
-    <a:p>
-      <a:pPr>
-        <a:defRPr/>
-      </a:pPr>
-      <a:endParaRPr lang="en-US"/>
-    </a:p>
-  </c:txPr>
-  <c:externalData r:id="rId3">
-    <c:autoUpdate val="0"/>
-  </c:externalData>
-</c:chartSpace>
-</file>
-
-<file path=ppt/charts/colors1.xml><?xml version="1.0" encoding="utf-8"?>
-<cs:colorStyle xmlns:cs="http://schemas.microsoft.com/office/drawing/2012/chartStyle" xmlns:a="http://schemas.openxmlformats.org/drawingml/2006/main" meth="cycle" id="10">
-  <a:schemeClr val="accent1"/>
-  <a:schemeClr val="accent2"/>
-  <a:schemeClr val="accent3"/>
-  <a:schemeClr val="accent4"/>
-  <a:schemeClr val="accent5"/>
-  <a:schemeClr val="accent6"/>
-  <cs:variation/>
-  <cs:variation>
-    <a:lumMod val="60000"/>
-  </cs:variation>
-  <cs:variation>
-    <a:lumMod val="80000"/>
-    <a:lumOff val="20000"/>
-  </cs:variation>
-  <cs:variation>
-    <a:lumMod val="80000"/>
-  </cs:variation>
-  <cs:variation>
-    <a:lumMod val="60000"/>
-    <a:lumOff val="40000"/>
-  </cs:variation>
-  <cs:variation>
-    <a:lumMod val="50000"/>
-  </cs:variation>
-  <cs:variation>
-    <a:lumMod val="70000"/>
-    <a:lumOff val="30000"/>
-  </cs:variation>
-  <cs:variation>
-    <a:lumMod val="70000"/>
-  </cs:variation>
-  <cs:variation>
-    <a:lumMod val="50000"/>
-    <a:lumOff val="50000"/>
-  </cs:variation>
-</cs:colorStyle>
-</file>
-
-<file path=ppt/charts/colors2.xml><?xml version="1.0" encoding="utf-8"?>
-<cs:colorStyle xmlns:cs="http://schemas.microsoft.com/office/drawing/2012/chartStyle" xmlns:a="http://schemas.openxmlformats.org/drawingml/2006/main" meth="cycle" id="10">
-  <a:schemeClr val="accent1"/>
-  <a:schemeClr val="accent2"/>
-  <a:schemeClr val="accent3"/>
-  <a:schemeClr val="accent4"/>
-  <a:schemeClr val="accent5"/>
-  <a:schemeClr val="accent6"/>
-  <cs:variation/>
-  <cs:variation>
-    <a:lumMod val="60000"/>
-  </cs:variation>
-  <cs:variation>
-    <a:lumMod val="80000"/>
-    <a:lumOff val="20000"/>
-  </cs:variation>
-  <cs:variation>
-    <a:lumMod val="80000"/>
-  </cs:variation>
-  <cs:variation>
-    <a:lumMod val="60000"/>
-    <a:lumOff val="40000"/>
-  </cs:variation>
-  <cs:variation>
-    <a:lumMod val="50000"/>
-  </cs:variation>
-  <cs:variation>
-    <a:lumMod val="70000"/>
-    <a:lumOff val="30000"/>
-  </cs:variation>
-  <cs:variation>
-    <a:lumMod val="70000"/>
-  </cs:variation>
-  <cs:variation>
-    <a:lumMod val="50000"/>
-    <a:lumOff val="50000"/>
-  </cs:variation>
-</cs:colorStyle>
-</file>
-
-<file path=ppt/charts/style1.xml><?xml version="1.0" encoding="utf-8"?>
-<cs:chartStyle xmlns:cs="http://schemas.microsoft.com/office/drawing/2012/chartStyle" xmlns:a="http://schemas.openxmlformats.org/drawingml/2006/main" id="201">
-  <cs:axisTitle>
-    <cs:lnRef idx="0"/>
-    <cs:fillRef idx="0"/>
-    <cs:effectRef idx="0"/>
-    <cs:fontRef idx="minor">
-      <a:schemeClr val="tx1">
-        <a:lumMod val="65000"/>
-        <a:lumOff val="35000"/>
-      </a:schemeClr>
-    </cs:fontRef>
-    <cs:defRPr sz="1330" kern="1200"/>
-  </cs:axisTitle>
-  <cs:categoryAxis>
-    <cs:lnRef idx="0"/>
-    <cs:fillRef idx="0"/>
-    <cs:effectRef idx="0"/>
-    <cs:fontRef idx="minor">
-      <a:schemeClr val="tx1">
-        <a:lumMod val="65000"/>
-        <a:lumOff val="35000"/>
-      </a:schemeClr>
-    </cs:fontRef>
-    <cs:spPr>
-      <a:ln w="9525" cap="flat" cmpd="sng" algn="ctr">
-        <a:solidFill>
-          <a:schemeClr val="tx1">
-            <a:lumMod val="15000"/>
-            <a:lumOff val="85000"/>
-          </a:schemeClr>
-        </a:solidFill>
-        <a:round/>
-      </a:ln>
-    </cs:spPr>
-    <cs:defRPr sz="1197" kern="1200"/>
-  </cs:categoryAxis>
-  <cs:chartArea mods="allowNoFillOverride allowNoLineOverride">
-    <cs:lnRef idx="0"/>
-    <cs:fillRef idx="0"/>
-    <cs:effectRef idx="0"/>
-    <cs:fontRef idx="minor">
-      <a:schemeClr val="tx1"/>
-    </cs:fontRef>
-    <cs:spPr>
-      <a:solidFill>
-        <a:schemeClr val="bg1"/>
-      </a:solidFill>
-      <a:ln w="9525" cap="flat" cmpd="sng" algn="ctr">
-        <a:solidFill>
-          <a:schemeClr val="tx1">
-            <a:lumMod val="15000"/>
-            <a:lumOff val="85000"/>
-          </a:schemeClr>
-        </a:solidFill>
-        <a:round/>
-      </a:ln>
-    </cs:spPr>
-    <cs:defRPr sz="1330" kern="1200"/>
-  </cs:chartArea>
-  <cs:dataLabel>
-    <cs:lnRef idx="0"/>
-    <cs:fillRef idx="0"/>
-    <cs:effectRef idx="0"/>
-    <cs:fontRef idx="minor">
-      <a:schemeClr val="tx1">
-        <a:lumMod val="75000"/>
-        <a:lumOff val="25000"/>
-      </a:schemeClr>
-    </cs:fontRef>
-    <cs:defRPr sz="1197" kern="1200"/>
-  </cs:dataLabel>
-  <cs:dataLabelCallout>
-    <cs:lnRef idx="0"/>
-    <cs:fillRef idx="0"/>
-    <cs:effectRef idx="0"/>
-    <cs:fontRef idx="minor">
-      <a:schemeClr val="dk1">
-        <a:lumMod val="65000"/>
-        <a:lumOff val="35000"/>
-      </a:schemeClr>
-    </cs:fontRef>
-    <cs:spPr>
-      <a:solidFill>
-        <a:schemeClr val="lt1"/>
-      </a:solidFill>
-      <a:ln>
-        <a:solidFill>
-          <a:schemeClr val="dk1">
-            <a:lumMod val="25000"/>
-            <a:lumOff val="75000"/>
-          </a:schemeClr>
-        </a:solidFill>
-      </a:ln>
-    </cs:spPr>
-    <cs:defRPr sz="1197" kern="1200"/>
-    <cs:bodyPr rot="0" spcFirstLastPara="1" vertOverflow="clip" horzOverflow="clip" vert="horz" wrap="square" lIns="36576" tIns="18288" rIns="36576" bIns="18288" anchor="ctr" anchorCtr="1">
-      <a:spAutoFit/>
-    </cs:bodyPr>
-  </cs:dataLabelCallout>
-  <cs:dataPoint>
-    <cs:lnRef idx="0"/>
-    <cs:fillRef idx="1">
-      <cs:styleClr val="auto"/>
-    </cs:fillRef>
-    <cs:effectRef idx="0"/>
-    <cs:fontRef idx="minor">
-      <a:schemeClr val="tx1"/>
-    </cs:fontRef>
-  </cs:dataPoint>
-  <cs:dataPoint3D>
-    <cs:lnRef idx="0"/>
-    <cs:fillRef idx="1">
-      <cs:styleClr val="auto"/>
-    </cs:fillRef>
-    <cs:effectRef idx="0"/>
-    <cs:fontRef idx="minor">
-      <a:schemeClr val="tx1"/>
-    </cs:fontRef>
-  </cs:dataPoint3D>
-  <cs:dataPointLine>
-    <cs:lnRef idx="0">
-      <cs:styleClr val="auto"/>
-    </cs:lnRef>
-    <cs:fillRef idx="1"/>
-    <cs:effectRef idx="0"/>
-    <cs:fontRef idx="minor">
-      <a:schemeClr val="tx1"/>
-    </cs:fontRef>
-    <cs:spPr>
-      <a:ln w="28575" cap="rnd">
-        <a:solidFill>
-          <a:schemeClr val="phClr"/>
-        </a:solidFill>
-        <a:round/>
-      </a:ln>
-    </cs:spPr>
-  </cs:dataPointLine>
-  <cs:dataPointMarker>
-    <cs:lnRef idx="0">
-      <cs:styleClr val="auto"/>
-    </cs:lnRef>
-    <cs:fillRef idx="1">
-      <cs:styleClr val="auto"/>
-    </cs:fillRef>
-    <cs:effectRef idx="0"/>
-    <cs:fontRef idx="minor">
-      <a:schemeClr val="tx1"/>
-    </cs:fontRef>
-    <cs:spPr>
-      <a:ln w="9525">
-        <a:solidFill>
-          <a:schemeClr val="phClr"/>
-        </a:solidFill>
-      </a:ln>
-    </cs:spPr>
-  </cs:dataPointMarker>
-  <cs:dataPointMarkerLayout symbol="circle" size="5"/>
-  <cs:dataPointWireframe>
-    <cs:lnRef idx="0">
-      <cs:styleClr val="auto"/>
-    </cs:lnRef>
-    <cs:fillRef idx="1"/>
-    <cs:effectRef idx="0"/>
-    <cs:fontRef idx="minor">
-      <a:schemeClr val="tx1"/>
-    </cs:fontRef>
-    <cs:spPr>
-      <a:ln w="9525" cap="rnd">
-        <a:solidFill>
-          <a:schemeClr val="phClr"/>
-        </a:solidFill>
-        <a:round/>
-      </a:ln>
-    </cs:spPr>
-  </cs:dataPointWireframe>
-  <cs:dataTable>
-    <cs:lnRef idx="0"/>
-    <cs:fillRef idx="0"/>
-    <cs:effectRef idx="0"/>
-    <cs:fontRef idx="minor">
-      <a:schemeClr val="tx1">
-        <a:lumMod val="65000"/>
-        <a:lumOff val="35000"/>
-      </a:schemeClr>
-    </cs:fontRef>
-    <cs:spPr>
-      <a:noFill/>
-      <a:ln w="9525" cap="flat" cmpd="sng" algn="ctr">
-        <a:solidFill>
-          <a:schemeClr val="tx1">
-            <a:lumMod val="15000"/>
-            <a:lumOff val="85000"/>
-          </a:schemeClr>
-        </a:solidFill>
-        <a:round/>
-      </a:ln>
-    </cs:spPr>
-    <cs:defRPr sz="1197" kern="1200"/>
-  </cs:dataTable>
-  <cs:downBar>
-    <cs:lnRef idx="0"/>
-    <cs:fillRef idx="0"/>
-    <cs:effectRef idx="0"/>
-    <cs:fontRef idx="minor">
-      <a:schemeClr val="dk1"/>
-    </cs:fontRef>
-    <cs:spPr>
-      <a:solidFill>
-        <a:schemeClr val="dk1">
-          <a:lumMod val="65000"/>
-          <a:lumOff val="35000"/>
-        </a:schemeClr>
-      </a:solidFill>
-      <a:ln w="9525">
-        <a:solidFill>
-          <a:schemeClr val="tx1">
-            <a:lumMod val="65000"/>
-            <a:lumOff val="35000"/>
-          </a:schemeClr>
-        </a:solidFill>
-      </a:ln>
-    </cs:spPr>
-  </cs:downBar>
-  <cs:dropLine>
-    <cs:lnRef idx="0"/>
-    <cs:fillRef idx="0"/>
-    <cs:effectRef idx="0"/>
-    <cs:fontRef idx="minor">
-      <a:schemeClr val="tx1"/>
-    </cs:fontRef>
-    <cs:spPr>
-      <a:ln w="9525" cap="flat" cmpd="sng" algn="ctr">
-        <a:solidFill>
-          <a:schemeClr val="tx1">
-            <a:lumMod val="35000"/>
-            <a:lumOff val="65000"/>
-          </a:schemeClr>
-        </a:solidFill>
-        <a:round/>
-      </a:ln>
-    </cs:spPr>
-  </cs:dropLine>
-  <cs:errorBar>
-    <cs:lnRef idx="0"/>
-    <cs:fillRef idx="0"/>
-    <cs:effectRef idx="0"/>
-    <cs:fontRef idx="minor">
-      <a:schemeClr val="tx1"/>
-    </cs:fontRef>
-    <cs:spPr>
-      <a:ln w="9525" cap="flat" cmpd="sng" algn="ctr">
-        <a:solidFill>
-          <a:schemeClr val="tx1">
-            <a:lumMod val="65000"/>
-            <a:lumOff val="35000"/>
-          </a:schemeClr>
-        </a:solidFill>
-        <a:round/>
-      </a:ln>
-    </cs:spPr>
-  </cs:errorBar>
-  <cs:floor>
-    <cs:lnRef idx="0"/>
-    <cs:fillRef idx="0"/>
-    <cs:effectRef idx="0"/>
-    <cs:fontRef idx="minor">
-      <a:schemeClr val="tx1"/>
-    </cs:fontRef>
-    <cs:spPr>
-      <a:noFill/>
-      <a:ln>
-        <a:noFill/>
-      </a:ln>
-    </cs:spPr>
-  </cs:floor>
-  <cs:gridlineMajor>
-    <cs:lnRef idx="0"/>
-    <cs:fillRef idx="0"/>
-    <cs:effectRef idx="0"/>
-    <cs:fontRef idx="minor">
-      <a:schemeClr val="tx1"/>
-    </cs:fontRef>
-    <cs:spPr>
-      <a:ln w="9525" cap="flat" cmpd="sng" algn="ctr">
-        <a:solidFill>
-          <a:schemeClr val="tx1">
-            <a:lumMod val="15000"/>
-            <a:lumOff val="85000"/>
-          </a:schemeClr>
-        </a:solidFill>
-        <a:round/>
-      </a:ln>
-    </cs:spPr>
-  </cs:gridlineMajor>
-  <cs:gridlineMinor>
-    <cs:lnRef idx="0"/>
-    <cs:fillRef idx="0"/>
-    <cs:effectRef idx="0"/>
-    <cs:fontRef idx="minor">
-      <a:schemeClr val="tx1"/>
-    </cs:fontRef>
-    <cs:spPr>
-      <a:ln w="9525" cap="flat" cmpd="sng" algn="ctr">
-        <a:solidFill>
-          <a:schemeClr val="tx1">
-            <a:lumMod val="5000"/>
-            <a:lumOff val="95000"/>
-          </a:schemeClr>
-        </a:solidFill>
-        <a:round/>
-      </a:ln>
-    </cs:spPr>
-  </cs:gridlineMinor>
-  <cs:hiLoLine>
-    <cs:lnRef idx="0"/>
-    <cs:fillRef idx="0"/>
-    <cs:effectRef idx="0"/>
-    <cs:fontRef idx="minor">
-      <a:schemeClr val="tx1"/>
-    </cs:fontRef>
-    <cs:spPr>
-      <a:ln w="9525" cap="flat" cmpd="sng" algn="ctr">
-        <a:solidFill>
-          <a:schemeClr val="tx1">
-            <a:lumMod val="75000"/>
-            <a:lumOff val="25000"/>
-          </a:schemeClr>
-        </a:solidFill>
-        <a:round/>
-      </a:ln>
-    </cs:spPr>
-  </cs:hiLoLine>
-  <cs:leaderLine>
-    <cs:lnRef idx="0"/>
-    <cs:fillRef idx="0"/>
-    <cs:effectRef idx="0"/>
-    <cs:fontRef idx="minor">
-      <a:schemeClr val="tx1"/>
-    </cs:fontRef>
-    <cs:spPr>
-      <a:ln w="9525" cap="flat" cmpd="sng" algn="ctr">
-        <a:solidFill>
-          <a:schemeClr val="tx1">
-            <a:lumMod val="35000"/>
-            <a:lumOff val="65000"/>
-          </a:schemeClr>
-        </a:solidFill>
-        <a:round/>
-      </a:ln>
-    </cs:spPr>
-  </cs:leaderLine>
-  <cs:legend>
-    <cs:lnRef idx="0"/>
-    <cs:fillRef idx="0"/>
-    <cs:effectRef idx="0"/>
-    <cs:fontRef idx="minor">
-      <a:schemeClr val="tx1">
-        <a:lumMod val="65000"/>
-        <a:lumOff val="35000"/>
-      </a:schemeClr>
-    </cs:fontRef>
-    <cs:defRPr sz="1197" kern="1200"/>
-  </cs:legend>
-  <cs:plotArea mods="allowNoFillOverride allowNoLineOverride">
-    <cs:lnRef idx="0"/>
-    <cs:fillRef idx="0"/>
-    <cs:effectRef idx="0"/>
-    <cs:fontRef idx="minor">
-      <a:schemeClr val="tx1"/>
-    </cs:fontRef>
-  </cs:plotArea>
-  <cs:plotArea3D mods="allowNoFillOverride allowNoLineOverride">
-    <cs:lnRef idx="0"/>
-    <cs:fillRef idx="0"/>
-    <cs:effectRef idx="0"/>
-    <cs:fontRef idx="minor">
-      <a:schemeClr val="tx1"/>
-    </cs:fontRef>
-  </cs:plotArea3D>
-  <cs:seriesAxis>
-    <cs:lnRef idx="0"/>
-    <cs:fillRef idx="0"/>
-    <cs:effectRef idx="0"/>
-    <cs:fontRef idx="minor">
-      <a:schemeClr val="tx1">
-        <a:lumMod val="65000"/>
-        <a:lumOff val="35000"/>
-      </a:schemeClr>
-    </cs:fontRef>
-    <cs:defRPr sz="1197" kern="1200"/>
-  </cs:seriesAxis>
-  <cs:seriesLine>
-    <cs:lnRef idx="0"/>
-    <cs:fillRef idx="0"/>
-    <cs:effectRef idx="0"/>
-    <cs:fontRef idx="minor">
-      <a:schemeClr val="tx1"/>
-    </cs:fontRef>
-    <cs:spPr>
-      <a:ln w="9525" cap="flat" cmpd="sng" algn="ctr">
-        <a:solidFill>
-          <a:schemeClr val="tx1">
-            <a:lumMod val="35000"/>
-            <a:lumOff val="65000"/>
-          </a:schemeClr>
-        </a:solidFill>
-        <a:round/>
-      </a:ln>
-    </cs:spPr>
-  </cs:seriesLine>
-  <cs:title>
-    <cs:lnRef idx="0"/>
-    <cs:fillRef idx="0"/>
-    <cs:effectRef idx="0"/>
-    <cs:fontRef idx="minor">
-      <a:schemeClr val="tx1">
-        <a:lumMod val="65000"/>
-        <a:lumOff val="35000"/>
-      </a:schemeClr>
-    </cs:fontRef>
-    <cs:defRPr sz="1862" b="0" kern="1200" spc="0" baseline="0"/>
-  </cs:title>
-  <cs:trendline>
-    <cs:lnRef idx="0">
-      <cs:styleClr val="auto"/>
-    </cs:lnRef>
-    <cs:fillRef idx="0"/>
-    <cs:effectRef idx="0"/>
-    <cs:fontRef idx="minor">
-      <a:schemeClr val="tx1"/>
-    </cs:fontRef>
-    <cs:spPr>
-      <a:ln w="19050" cap="rnd">
-        <a:solidFill>
-          <a:schemeClr val="phClr"/>
-        </a:solidFill>
-        <a:prstDash val="sysDot"/>
-      </a:ln>
-    </cs:spPr>
-  </cs:trendline>
-  <cs:trendlineLabel>
-    <cs:lnRef idx="0"/>
-    <cs:fillRef idx="0"/>
-    <cs:effectRef idx="0"/>
-    <cs:fontRef idx="minor">
-      <a:schemeClr val="tx1">
-        <a:lumMod val="65000"/>
-        <a:lumOff val="35000"/>
-      </a:schemeClr>
-    </cs:fontRef>
-    <cs:defRPr sz="1197" kern="1200"/>
-  </cs:trendlineLabel>
-  <cs:upBar>
-    <cs:lnRef idx="0"/>
-    <cs:fillRef idx="0"/>
-    <cs:effectRef idx="0"/>
-    <cs:fontRef idx="minor">
-      <a:schemeClr val="dk1"/>
-    </cs:fontRef>
-    <cs:spPr>
-      <a:solidFill>
-        <a:schemeClr val="lt1"/>
-      </a:solidFill>
-      <a:ln w="9525">
-        <a:solidFill>
-          <a:schemeClr val="tx1">
-            <a:lumMod val="15000"/>
-            <a:lumOff val="85000"/>
-          </a:schemeClr>
-        </a:solidFill>
-      </a:ln>
-    </cs:spPr>
-  </cs:upBar>
-  <cs:valueAxis>
-    <cs:lnRef idx="0"/>
-    <cs:fillRef idx="0"/>
-    <cs:effectRef idx="0"/>
-    <cs:fontRef idx="minor">
-      <a:schemeClr val="tx1">
-        <a:lumMod val="65000"/>
-        <a:lumOff val="35000"/>
-      </a:schemeClr>
-    </cs:fontRef>
-    <cs:defRPr sz="1197" kern="1200"/>
-  </cs:valueAxis>
-  <cs:wall>
-    <cs:lnRef idx="0"/>
-    <cs:fillRef idx="0"/>
-    <cs:effectRef idx="0"/>
-    <cs:fontRef idx="minor">
-      <a:schemeClr val="tx1"/>
-    </cs:fontRef>
-    <cs:spPr>
-      <a:noFill/>
-      <a:ln>
-        <a:noFill/>
-      </a:ln>
-    </cs:spPr>
-  </cs:wall>
-</cs:chartStyle>
-</file>
-
-<file path=ppt/charts/style2.xml><?xml version="1.0" encoding="utf-8"?>
-<cs:chartStyle xmlns:cs="http://schemas.microsoft.com/office/drawing/2012/chartStyle" xmlns:a="http://schemas.openxmlformats.org/drawingml/2006/main" id="201">
-  <cs:axisTitle>
-    <cs:lnRef idx="0"/>
-    <cs:fillRef idx="0"/>
-    <cs:effectRef idx="0"/>
-    <cs:fontRef idx="minor">
-      <a:schemeClr val="tx1">
-        <a:lumMod val="65000"/>
-        <a:lumOff val="35000"/>
-      </a:schemeClr>
-    </cs:fontRef>
-    <cs:defRPr sz="1330" kern="1200"/>
-  </cs:axisTitle>
-  <cs:categoryAxis>
-    <cs:lnRef idx="0"/>
-    <cs:fillRef idx="0"/>
-    <cs:effectRef idx="0"/>
-    <cs:fontRef idx="minor">
-      <a:schemeClr val="tx1">
-        <a:lumMod val="65000"/>
-        <a:lumOff val="35000"/>
-      </a:schemeClr>
-    </cs:fontRef>
-    <cs:spPr>
-      <a:ln w="9525" cap="flat" cmpd="sng" algn="ctr">
-        <a:solidFill>
-          <a:schemeClr val="tx1">
-            <a:lumMod val="15000"/>
-            <a:lumOff val="85000"/>
-          </a:schemeClr>
-        </a:solidFill>
-        <a:round/>
-      </a:ln>
-    </cs:spPr>
-    <cs:defRPr sz="1197" kern="1200"/>
-  </cs:categoryAxis>
-  <cs:chartArea mods="allowNoFillOverride allowNoLineOverride">
-    <cs:lnRef idx="0"/>
-    <cs:fillRef idx="0"/>
-    <cs:effectRef idx="0"/>
-    <cs:fontRef idx="minor">
-      <a:schemeClr val="tx1"/>
-    </cs:fontRef>
-    <cs:spPr>
-      <a:solidFill>
-        <a:schemeClr val="bg1"/>
-      </a:solidFill>
-      <a:ln w="9525" cap="flat" cmpd="sng" algn="ctr">
-        <a:solidFill>
-          <a:schemeClr val="tx1">
-            <a:lumMod val="15000"/>
-            <a:lumOff val="85000"/>
-          </a:schemeClr>
-        </a:solidFill>
-        <a:round/>
-      </a:ln>
-    </cs:spPr>
-    <cs:defRPr sz="1330" kern="1200"/>
-  </cs:chartArea>
-  <cs:dataLabel>
-    <cs:lnRef idx="0"/>
-    <cs:fillRef idx="0"/>
-    <cs:effectRef idx="0"/>
-    <cs:fontRef idx="minor">
-      <a:schemeClr val="tx1">
-        <a:lumMod val="75000"/>
-        <a:lumOff val="25000"/>
-      </a:schemeClr>
-    </cs:fontRef>
-    <cs:defRPr sz="1197" kern="1200"/>
-  </cs:dataLabel>
-  <cs:dataLabelCallout>
-    <cs:lnRef idx="0"/>
-    <cs:fillRef idx="0"/>
-    <cs:effectRef idx="0"/>
-    <cs:fontRef idx="minor">
-      <a:schemeClr val="dk1">
-        <a:lumMod val="65000"/>
-        <a:lumOff val="35000"/>
-      </a:schemeClr>
-    </cs:fontRef>
-    <cs:spPr>
-      <a:solidFill>
-        <a:schemeClr val="lt1"/>
-      </a:solidFill>
-      <a:ln>
-        <a:solidFill>
-          <a:schemeClr val="dk1">
-            <a:lumMod val="25000"/>
-            <a:lumOff val="75000"/>
-          </a:schemeClr>
-        </a:solidFill>
-      </a:ln>
-    </cs:spPr>
-    <cs:defRPr sz="1197" kern="1200"/>
-    <cs:bodyPr rot="0" spcFirstLastPara="1" vertOverflow="clip" horzOverflow="clip" vert="horz" wrap="square" lIns="36576" tIns="18288" rIns="36576" bIns="18288" anchor="ctr" anchorCtr="1">
-      <a:spAutoFit/>
-    </cs:bodyPr>
-  </cs:dataLabelCallout>
-  <cs:dataPoint>
-    <cs:lnRef idx="0"/>
-    <cs:fillRef idx="1">
-      <cs:styleClr val="auto"/>
-    </cs:fillRef>
-    <cs:effectRef idx="0"/>
-    <cs:fontRef idx="minor">
-      <a:schemeClr val="tx1"/>
-    </cs:fontRef>
-  </cs:dataPoint>
-  <cs:dataPoint3D>
-    <cs:lnRef idx="0"/>
-    <cs:fillRef idx="1">
-      <cs:styleClr val="auto"/>
-    </cs:fillRef>
-    <cs:effectRef idx="0"/>
-    <cs:fontRef idx="minor">
-      <a:schemeClr val="tx1"/>
-    </cs:fontRef>
-  </cs:dataPoint3D>
-  <cs:dataPointLine>
-    <cs:lnRef idx="0">
-      <cs:styleClr val="auto"/>
-    </cs:lnRef>
-    <cs:fillRef idx="1"/>
-    <cs:effectRef idx="0"/>
-    <cs:fontRef idx="minor">
-      <a:schemeClr val="tx1"/>
-    </cs:fontRef>
-    <cs:spPr>
-      <a:ln w="28575" cap="rnd">
-        <a:solidFill>
-          <a:schemeClr val="phClr"/>
-        </a:solidFill>
-        <a:round/>
-      </a:ln>
-    </cs:spPr>
-  </cs:dataPointLine>
-  <cs:dataPointMarker>
-    <cs:lnRef idx="0">
-      <cs:styleClr val="auto"/>
-    </cs:lnRef>
-    <cs:fillRef idx="1">
-      <cs:styleClr val="auto"/>
-    </cs:fillRef>
-    <cs:effectRef idx="0"/>
-    <cs:fontRef idx="minor">
-      <a:schemeClr val="tx1"/>
-    </cs:fontRef>
-    <cs:spPr>
-      <a:ln w="9525">
-        <a:solidFill>
-          <a:schemeClr val="phClr"/>
-        </a:solidFill>
-      </a:ln>
-    </cs:spPr>
-  </cs:dataPointMarker>
-  <cs:dataPointMarkerLayout symbol="circle" size="5"/>
-  <cs:dataPointWireframe>
-    <cs:lnRef idx="0">
-      <cs:styleClr val="auto"/>
-    </cs:lnRef>
-    <cs:fillRef idx="1"/>
-    <cs:effectRef idx="0"/>
-    <cs:fontRef idx="minor">
-      <a:schemeClr val="tx1"/>
-    </cs:fontRef>
-    <cs:spPr>
-      <a:ln w="9525" cap="rnd">
-        <a:solidFill>
-          <a:schemeClr val="phClr"/>
-        </a:solidFill>
-        <a:round/>
-      </a:ln>
-    </cs:spPr>
-  </cs:dataPointWireframe>
-  <cs:dataTable>
-    <cs:lnRef idx="0"/>
-    <cs:fillRef idx="0"/>
-    <cs:effectRef idx="0"/>
-    <cs:fontRef idx="minor">
-      <a:schemeClr val="tx1">
-        <a:lumMod val="65000"/>
-        <a:lumOff val="35000"/>
-      </a:schemeClr>
-    </cs:fontRef>
-    <cs:spPr>
-      <a:noFill/>
-      <a:ln w="9525" cap="flat" cmpd="sng" algn="ctr">
-        <a:solidFill>
-          <a:schemeClr val="tx1">
-            <a:lumMod val="15000"/>
-            <a:lumOff val="85000"/>
-          </a:schemeClr>
-        </a:solidFill>
-        <a:round/>
-      </a:ln>
-    </cs:spPr>
-    <cs:defRPr sz="1197" kern="1200"/>
-  </cs:dataTable>
-  <cs:downBar>
-    <cs:lnRef idx="0"/>
-    <cs:fillRef idx="0"/>
-    <cs:effectRef idx="0"/>
-    <cs:fontRef idx="minor">
-      <a:schemeClr val="dk1"/>
-    </cs:fontRef>
-    <cs:spPr>
-      <a:solidFill>
-        <a:schemeClr val="dk1">
-          <a:lumMod val="65000"/>
-          <a:lumOff val="35000"/>
-        </a:schemeClr>
-      </a:solidFill>
-      <a:ln w="9525">
-        <a:solidFill>
-          <a:schemeClr val="tx1">
-            <a:lumMod val="65000"/>
-            <a:lumOff val="35000"/>
-          </a:schemeClr>
-        </a:solidFill>
-      </a:ln>
-    </cs:spPr>
-  </cs:downBar>
-  <cs:dropLine>
-    <cs:lnRef idx="0"/>
-    <cs:fillRef idx="0"/>
-    <cs:effectRef idx="0"/>
-    <cs:fontRef idx="minor">
-      <a:schemeClr val="tx1"/>
-    </cs:fontRef>
-    <cs:spPr>
-      <a:ln w="9525" cap="flat" cmpd="sng" algn="ctr">
-        <a:solidFill>
-          <a:schemeClr val="tx1">
-            <a:lumMod val="35000"/>
-            <a:lumOff val="65000"/>
-          </a:schemeClr>
-        </a:solidFill>
-        <a:round/>
-      </a:ln>
-    </cs:spPr>
-  </cs:dropLine>
-  <cs:errorBar>
-    <cs:lnRef idx="0"/>
-    <cs:fillRef idx="0"/>
-    <cs:effectRef idx="0"/>
-    <cs:fontRef idx="minor">
-      <a:schemeClr val="tx1"/>
-    </cs:fontRef>
-    <cs:spPr>
-      <a:ln w="9525" cap="flat" cmpd="sng" algn="ctr">
-        <a:solidFill>
-          <a:schemeClr val="tx1">
-            <a:lumMod val="65000"/>
-            <a:lumOff val="35000"/>
-          </a:schemeClr>
-        </a:solidFill>
-        <a:round/>
-      </a:ln>
-    </cs:spPr>
-  </cs:errorBar>
-  <cs:floor>
-    <cs:lnRef idx="0"/>
-    <cs:fillRef idx="0"/>
-    <cs:effectRef idx="0"/>
-    <cs:fontRef idx="minor">
-      <a:schemeClr val="tx1"/>
-    </cs:fontRef>
-    <cs:spPr>
-      <a:noFill/>
-      <a:ln>
-        <a:noFill/>
-      </a:ln>
-    </cs:spPr>
-  </cs:floor>
-  <cs:gridlineMajor>
-    <cs:lnRef idx="0"/>
-    <cs:fillRef idx="0"/>
-    <cs:effectRef idx="0"/>
-    <cs:fontRef idx="minor">
-      <a:schemeClr val="tx1"/>
-    </cs:fontRef>
-    <cs:spPr>
-      <a:ln w="9525" cap="flat" cmpd="sng" algn="ctr">
-        <a:solidFill>
-          <a:schemeClr val="tx1">
-            <a:lumMod val="15000"/>
-            <a:lumOff val="85000"/>
-          </a:schemeClr>
-        </a:solidFill>
-        <a:round/>
-      </a:ln>
-    </cs:spPr>
-  </cs:gridlineMajor>
-  <cs:gridlineMinor>
-    <cs:lnRef idx="0"/>
-    <cs:fillRef idx="0"/>
-    <cs:effectRef idx="0"/>
-    <cs:fontRef idx="minor">
-      <a:schemeClr val="tx1"/>
-    </cs:fontRef>
-    <cs:spPr>
-      <a:ln w="9525" cap="flat" cmpd="sng" algn="ctr">
-        <a:solidFill>
-          <a:schemeClr val="tx1">
-            <a:lumMod val="5000"/>
-            <a:lumOff val="95000"/>
-          </a:schemeClr>
-        </a:solidFill>
-        <a:round/>
-      </a:ln>
-    </cs:spPr>
-  </cs:gridlineMinor>
-  <cs:hiLoLine>
-    <cs:lnRef idx="0"/>
-    <cs:fillRef idx="0"/>
-    <cs:effectRef idx="0"/>
-    <cs:fontRef idx="minor">
-      <a:schemeClr val="tx1"/>
-    </cs:fontRef>
-    <cs:spPr>
-      <a:ln w="9525" cap="flat" cmpd="sng" algn="ctr">
-        <a:solidFill>
-          <a:schemeClr val="tx1">
-            <a:lumMod val="75000"/>
-            <a:lumOff val="25000"/>
-          </a:schemeClr>
-        </a:solidFill>
-        <a:round/>
-      </a:ln>
-    </cs:spPr>
-  </cs:hiLoLine>
-  <cs:leaderLine>
-    <cs:lnRef idx="0"/>
-    <cs:fillRef idx="0"/>
-    <cs:effectRef idx="0"/>
-    <cs:fontRef idx="minor">
-      <a:schemeClr val="tx1"/>
-    </cs:fontRef>
-    <cs:spPr>
-      <a:ln w="9525" cap="flat" cmpd="sng" algn="ctr">
-        <a:solidFill>
-          <a:schemeClr val="tx1">
-            <a:lumMod val="35000"/>
-            <a:lumOff val="65000"/>
-          </a:schemeClr>
-        </a:solidFill>
-        <a:round/>
-      </a:ln>
-    </cs:spPr>
-  </cs:leaderLine>
-  <cs:legend>
-    <cs:lnRef idx="0"/>
-    <cs:fillRef idx="0"/>
-    <cs:effectRef idx="0"/>
-    <cs:fontRef idx="minor">
-      <a:schemeClr val="tx1">
-        <a:lumMod val="65000"/>
-        <a:lumOff val="35000"/>
-      </a:schemeClr>
-    </cs:fontRef>
-    <cs:defRPr sz="1197" kern="1200"/>
-  </cs:legend>
-  <cs:plotArea mods="allowNoFillOverride allowNoLineOverride">
-    <cs:lnRef idx="0"/>
-    <cs:fillRef idx="0"/>
-    <cs:effectRef idx="0"/>
-    <cs:fontRef idx="minor">
-      <a:schemeClr val="tx1"/>
-    </cs:fontRef>
-  </cs:plotArea>
-  <cs:plotArea3D mods="allowNoFillOverride allowNoLineOverride">
-    <cs:lnRef idx="0"/>
-    <cs:fillRef idx="0"/>
-    <cs:effectRef idx="0"/>
-    <cs:fontRef idx="minor">
-      <a:schemeClr val="tx1"/>
-    </cs:fontRef>
-  </cs:plotArea3D>
-  <cs:seriesAxis>
-    <cs:lnRef idx="0"/>
-    <cs:fillRef idx="0"/>
-    <cs:effectRef idx="0"/>
-    <cs:fontRef idx="minor">
-      <a:schemeClr val="tx1">
-        <a:lumMod val="65000"/>
-        <a:lumOff val="35000"/>
-      </a:schemeClr>
-    </cs:fontRef>
-    <cs:defRPr sz="1197" kern="1200"/>
-  </cs:seriesAxis>
-  <cs:seriesLine>
-    <cs:lnRef idx="0"/>
-    <cs:fillRef idx="0"/>
-    <cs:effectRef idx="0"/>
-    <cs:fontRef idx="minor">
-      <a:schemeClr val="tx1"/>
-    </cs:fontRef>
-    <cs:spPr>
-      <a:ln w="9525" cap="flat" cmpd="sng" algn="ctr">
-        <a:solidFill>
-          <a:schemeClr val="tx1">
-            <a:lumMod val="35000"/>
-            <a:lumOff val="65000"/>
-          </a:schemeClr>
-        </a:solidFill>
-        <a:round/>
-      </a:ln>
-    </cs:spPr>
-  </cs:seriesLine>
-  <cs:title>
-    <cs:lnRef idx="0"/>
-    <cs:fillRef idx="0"/>
-    <cs:effectRef idx="0"/>
-    <cs:fontRef idx="minor">
-      <a:schemeClr val="tx1">
-        <a:lumMod val="65000"/>
-        <a:lumOff val="35000"/>
-      </a:schemeClr>
-    </cs:fontRef>
-    <cs:defRPr sz="1862" b="0" kern="1200" spc="0" baseline="0"/>
-  </cs:title>
-  <cs:trendline>
-    <cs:lnRef idx="0">
-      <cs:styleClr val="auto"/>
-    </cs:lnRef>
-    <cs:fillRef idx="0"/>
-    <cs:effectRef idx="0"/>
-    <cs:fontRef idx="minor">
-      <a:schemeClr val="tx1"/>
-    </cs:fontRef>
-    <cs:spPr>
-      <a:ln w="19050" cap="rnd">
-        <a:solidFill>
-          <a:schemeClr val="phClr"/>
-        </a:solidFill>
-        <a:prstDash val="sysDot"/>
-      </a:ln>
-    </cs:spPr>
-  </cs:trendline>
-  <cs:trendlineLabel>
-    <cs:lnRef idx="0"/>
-    <cs:fillRef idx="0"/>
-    <cs:effectRef idx="0"/>
-    <cs:fontRef idx="minor">
-      <a:schemeClr val="tx1">
-        <a:lumMod val="65000"/>
-        <a:lumOff val="35000"/>
-      </a:schemeClr>
-    </cs:fontRef>
-    <cs:defRPr sz="1197" kern="1200"/>
-  </cs:trendlineLabel>
-  <cs:upBar>
-    <cs:lnRef idx="0"/>
-    <cs:fillRef idx="0"/>
-    <cs:effectRef idx="0"/>
-    <cs:fontRef idx="minor">
-      <a:schemeClr val="dk1"/>
-    </cs:fontRef>
-    <cs:spPr>
-      <a:solidFill>
-        <a:schemeClr val="lt1"/>
-      </a:solidFill>
-      <a:ln w="9525">
-        <a:solidFill>
-          <a:schemeClr val="tx1">
-            <a:lumMod val="15000"/>
-            <a:lumOff val="85000"/>
-          </a:schemeClr>
-        </a:solidFill>
-      </a:ln>
-    </cs:spPr>
-  </cs:upBar>
-  <cs:valueAxis>
-    <cs:lnRef idx="0"/>
-    <cs:fillRef idx="0"/>
-    <cs:effectRef idx="0"/>
-    <cs:fontRef idx="minor">
-      <a:schemeClr val="tx1">
-        <a:lumMod val="65000"/>
-        <a:lumOff val="35000"/>
-      </a:schemeClr>
-    </cs:fontRef>
-    <cs:defRPr sz="1197" kern="1200"/>
-  </cs:valueAxis>
-  <cs:wall>
-    <cs:lnRef idx="0"/>
-    <cs:fillRef idx="0"/>
-    <cs:effectRef idx="0"/>
-    <cs:fontRef idx="minor">
-      <a:schemeClr val="tx1"/>
-    </cs:fontRef>
-    <cs:spPr>
-      <a:noFill/>
-      <a:ln>
-        <a:noFill/>
-      </a:ln>
-    </cs:spPr>
-  </cs:wall>
-</cs:chartStyle>
 </file>
 
 <file path=ppt/diagrams/colors1.xml><?xml version="1.0" encoding="utf-8"?>
@@ -28266,7 +26284,7 @@
           <a:p>
             <a:fld id="{6E777CD1-961A-4E12-BBE0-00C5286F4421}" type="datetimeFigureOut">
               <a:rPr lang="en-US" smtClean="0"/>
-              <a:t>10/14/2019</a:t>
+              <a:t>10/27/2019</a:t>
             </a:fld>
             <a:endParaRPr lang="en-US" dirty="0"/>
           </a:p>
@@ -28598,7 +26616,7 @@
           <a:p>
             <a:fld id="{6874C383-2CFF-4571-B1B8-92E5A5AA27CE}" type="slidenum">
               <a:rPr lang="en-US" smtClean="0"/>
-              <a:t>14</a:t>
+              <a:t>15</a:t>
             </a:fld>
             <a:endParaRPr lang="en-US" dirty="0"/>
           </a:p>
@@ -28682,7 +26700,7 @@
           <a:p>
             <a:fld id="{6874C383-2CFF-4571-B1B8-92E5A5AA27CE}" type="slidenum">
               <a:rPr lang="en-US" smtClean="0"/>
-              <a:t>36</a:t>
+              <a:t>37</a:t>
             </a:fld>
             <a:endParaRPr lang="en-US" dirty="0"/>
           </a:p>
@@ -28691,7 +26709,7 @@
     </p:spTree>
     <p:extLst>
       <p:ext uri="{BB962C8B-B14F-4D97-AF65-F5344CB8AC3E}">
-        <p14:creationId xmlns:p14="http://schemas.microsoft.com/office/powerpoint/2010/main" val="840712686"/>
+        <p14:creationId xmlns:p14="http://schemas.microsoft.com/office/powerpoint/2010/main" val="3187955545"/>
       </p:ext>
     </p:extLst>
   </p:cSld>
@@ -28766,7 +26784,91 @@
           <a:p>
             <a:fld id="{6874C383-2CFF-4571-B1B8-92E5A5AA27CE}" type="slidenum">
               <a:rPr lang="en-US" smtClean="0"/>
-              <a:t>37</a:t>
+              <a:t>40</a:t>
+            </a:fld>
+            <a:endParaRPr lang="en-US" dirty="0"/>
+          </a:p>
+        </p:txBody>
+      </p:sp>
+    </p:spTree>
+    <p:extLst>
+      <p:ext uri="{BB962C8B-B14F-4D97-AF65-F5344CB8AC3E}">
+        <p14:creationId xmlns:p14="http://schemas.microsoft.com/office/powerpoint/2010/main" val="840712686"/>
+      </p:ext>
+    </p:extLst>
+  </p:cSld>
+  <p:clrMapOvr>
+    <a:masterClrMapping/>
+  </p:clrMapOvr>
+</p:notes>
+</file>
+
+<file path=ppt/notesSlides/notesSlide4.xml><?xml version="1.0" encoding="utf-8"?>
+<p:notes xmlns:a="http://schemas.openxmlformats.org/drawingml/2006/main" xmlns:r="http://schemas.openxmlformats.org/officeDocument/2006/relationships" xmlns:p="http://schemas.openxmlformats.org/presentationml/2006/main">
+  <p:cSld>
+    <p:spTree>
+      <p:nvGrpSpPr>
+        <p:cNvPr id="1" name=""/>
+        <p:cNvGrpSpPr/>
+        <p:nvPr/>
+      </p:nvGrpSpPr>
+      <p:grpSpPr>
+        <a:xfrm>
+          <a:off x="0" y="0"/>
+          <a:ext cx="0" cy="0"/>
+          <a:chOff x="0" y="0"/>
+          <a:chExt cx="0" cy="0"/>
+        </a:xfrm>
+      </p:grpSpPr>
+      <p:sp>
+        <p:nvSpPr>
+          <p:cNvPr id="2" name="Slide Image Placeholder 1"/>
+          <p:cNvSpPr>
+            <a:spLocks noGrp="1" noRot="1" noChangeAspect="1"/>
+          </p:cNvSpPr>
+          <p:nvPr>
+            <p:ph type="sldImg"/>
+          </p:nvPr>
+        </p:nvSpPr>
+        <p:spPr/>
+      </p:sp>
+      <p:sp>
+        <p:nvSpPr>
+          <p:cNvPr id="3" name="Notes Placeholder 2"/>
+          <p:cNvSpPr>
+            <a:spLocks noGrp="1"/>
+          </p:cNvSpPr>
+          <p:nvPr>
+            <p:ph type="body" idx="1"/>
+          </p:nvPr>
+        </p:nvSpPr>
+        <p:spPr/>
+        <p:txBody>
+          <a:bodyPr/>
+          <a:lstStyle/>
+          <a:p>
+            <a:endParaRPr lang="en-US" dirty="0"/>
+          </a:p>
+        </p:txBody>
+      </p:sp>
+      <p:sp>
+        <p:nvSpPr>
+          <p:cNvPr id="4" name="Slide Number Placeholder 3"/>
+          <p:cNvSpPr>
+            <a:spLocks noGrp="1"/>
+          </p:cNvSpPr>
+          <p:nvPr>
+            <p:ph type="sldNum" sz="quarter" idx="5"/>
+          </p:nvPr>
+        </p:nvSpPr>
+        <p:spPr/>
+        <p:txBody>
+          <a:bodyPr/>
+          <a:lstStyle/>
+          <a:p>
+            <a:fld id="{6874C383-2CFF-4571-B1B8-92E5A5AA27CE}" type="slidenum">
+              <a:rPr lang="en-US" smtClean="0"/>
+              <a:t>41</a:t>
             </a:fld>
             <a:endParaRPr lang="en-US" dirty="0"/>
           </a:p>
@@ -28776,6 +26878,90 @@
     <p:extLst>
       <p:ext uri="{BB962C8B-B14F-4D97-AF65-F5344CB8AC3E}">
         <p14:creationId xmlns:p14="http://schemas.microsoft.com/office/powerpoint/2010/main" val="1193850848"/>
+      </p:ext>
+    </p:extLst>
+  </p:cSld>
+  <p:clrMapOvr>
+    <a:masterClrMapping/>
+  </p:clrMapOvr>
+</p:notes>
+</file>
+
+<file path=ppt/notesSlides/notesSlide5.xml><?xml version="1.0" encoding="utf-8"?>
+<p:notes xmlns:a="http://schemas.openxmlformats.org/drawingml/2006/main" xmlns:r="http://schemas.openxmlformats.org/officeDocument/2006/relationships" xmlns:p="http://schemas.openxmlformats.org/presentationml/2006/main">
+  <p:cSld>
+    <p:spTree>
+      <p:nvGrpSpPr>
+        <p:cNvPr id="1" name=""/>
+        <p:cNvGrpSpPr/>
+        <p:nvPr/>
+      </p:nvGrpSpPr>
+      <p:grpSpPr>
+        <a:xfrm>
+          <a:off x="0" y="0"/>
+          <a:ext cx="0" cy="0"/>
+          <a:chOff x="0" y="0"/>
+          <a:chExt cx="0" cy="0"/>
+        </a:xfrm>
+      </p:grpSpPr>
+      <p:sp>
+        <p:nvSpPr>
+          <p:cNvPr id="2" name="Slide Image Placeholder 1"/>
+          <p:cNvSpPr>
+            <a:spLocks noGrp="1" noRot="1" noChangeAspect="1"/>
+          </p:cNvSpPr>
+          <p:nvPr>
+            <p:ph type="sldImg"/>
+          </p:nvPr>
+        </p:nvSpPr>
+        <p:spPr/>
+      </p:sp>
+      <p:sp>
+        <p:nvSpPr>
+          <p:cNvPr id="3" name="Notes Placeholder 2"/>
+          <p:cNvSpPr>
+            <a:spLocks noGrp="1"/>
+          </p:cNvSpPr>
+          <p:nvPr>
+            <p:ph type="body" idx="1"/>
+          </p:nvPr>
+        </p:nvSpPr>
+        <p:spPr/>
+        <p:txBody>
+          <a:bodyPr/>
+          <a:lstStyle/>
+          <a:p>
+            <a:endParaRPr lang="en-US" dirty="0"/>
+          </a:p>
+        </p:txBody>
+      </p:sp>
+      <p:sp>
+        <p:nvSpPr>
+          <p:cNvPr id="4" name="Slide Number Placeholder 3"/>
+          <p:cNvSpPr>
+            <a:spLocks noGrp="1"/>
+          </p:cNvSpPr>
+          <p:nvPr>
+            <p:ph type="sldNum" sz="quarter" idx="5"/>
+          </p:nvPr>
+        </p:nvSpPr>
+        <p:spPr/>
+        <p:txBody>
+          <a:bodyPr/>
+          <a:lstStyle/>
+          <a:p>
+            <a:fld id="{6874C383-2CFF-4571-B1B8-92E5A5AA27CE}" type="slidenum">
+              <a:rPr lang="en-US" smtClean="0"/>
+              <a:t>42</a:t>
+            </a:fld>
+            <a:endParaRPr lang="en-US" dirty="0"/>
+          </a:p>
+        </p:txBody>
+      </p:sp>
+    </p:spTree>
+    <p:extLst>
+      <p:ext uri="{BB962C8B-B14F-4D97-AF65-F5344CB8AC3E}">
+        <p14:creationId xmlns:p14="http://schemas.microsoft.com/office/powerpoint/2010/main" val="888000708"/>
       </p:ext>
     </p:extLst>
   </p:cSld>
@@ -29254,7 +27440,7 @@
           <a:p>
             <a:fld id="{EA0C0817-A112-4847-8014-A94B7D2A4EA3}" type="datetime1">
               <a:rPr lang="en-US" smtClean="0"/>
-              <a:t>10/14/2019</a:t>
+              <a:t>10/27/2019</a:t>
             </a:fld>
             <a:endParaRPr lang="en-US" dirty="0"/>
           </a:p>
@@ -29456,7 +27642,7 @@
           <a:p>
             <a:fld id="{134F40B7-36AB-4376-BE14-EF7004D79BB9}" type="datetime1">
               <a:rPr lang="en-US" smtClean="0"/>
-              <a:t>10/14/2019</a:t>
+              <a:t>10/27/2019</a:t>
             </a:fld>
             <a:endParaRPr lang="en-US" dirty="0"/>
           </a:p>
@@ -29636,7 +27822,7 @@
           <a:p>
             <a:fld id="{FF87CAB8-DCAE-46A5-AADA-B3FAD11A54E0}" type="datetime1">
               <a:rPr lang="en-US" smtClean="0"/>
-              <a:t>10/14/2019</a:t>
+              <a:t>10/27/2019</a:t>
             </a:fld>
             <a:endParaRPr lang="en-US" dirty="0"/>
           </a:p>
@@ -29806,7 +27992,7 @@
           <a:p>
             <a:fld id="{7332B432-ACDA-4023-A761-2BAB76577B62}" type="datetime1">
               <a:rPr lang="en-US" smtClean="0"/>
-              <a:t>10/14/2019</a:t>
+              <a:t>10/27/2019</a:t>
             </a:fld>
             <a:endParaRPr lang="en-US" dirty="0"/>
           </a:p>
@@ -30405,7 +28591,7 @@
           <a:p>
             <a:fld id="{D9C646AA-F36E-4540-911D-FFFC0A0EF24A}" type="datetime1">
               <a:rPr lang="en-US" smtClean="0"/>
-              <a:t>10/14/2019</a:t>
+              <a:t>10/27/2019</a:t>
             </a:fld>
             <a:endParaRPr lang="en-US" dirty="0"/>
           </a:p>
@@ -30725,7 +28911,7 @@
           <a:p>
             <a:fld id="{69186D26-FA5F-4637-B602-B7C2DC34CFD4}" type="datetime1">
               <a:rPr lang="en-US" smtClean="0"/>
-              <a:t>10/14/2019</a:t>
+              <a:t>10/27/2019</a:t>
             </a:fld>
             <a:endParaRPr lang="en-US" dirty="0"/>
           </a:p>
@@ -31160,7 +29346,7 @@
           <a:p>
             <a:fld id="{8A7F15D8-96D1-4781-BC50-CA8A088B2FE4}" type="datetime1">
               <a:rPr lang="en-US" smtClean="0"/>
-              <a:t>10/14/2019</a:t>
+              <a:t>10/27/2019</a:t>
             </a:fld>
             <a:endParaRPr lang="en-US" dirty="0"/>
           </a:p>
@@ -31278,7 +29464,7 @@
           <a:p>
             <a:fld id="{F9A96C99-B8F8-4528-BD05-0E16E943DC09}" type="datetime1">
               <a:rPr lang="en-US" smtClean="0"/>
-              <a:t>10/14/2019</a:t>
+              <a:t>10/27/2019</a:t>
             </a:fld>
             <a:endParaRPr lang="en-US" dirty="0"/>
           </a:p>
@@ -31373,7 +29559,7 @@
           <a:p>
             <a:fld id="{03636942-C211-4B28-8DBD-C953E00AF71B}" type="datetime1">
               <a:rPr lang="en-US" smtClean="0"/>
-              <a:t>10/14/2019</a:t>
+              <a:t>10/27/2019</a:t>
             </a:fld>
             <a:endParaRPr lang="en-US" dirty="0"/>
           </a:p>
@@ -31790,7 +29976,7 @@
           <a:p>
             <a:fld id="{7E8D12A6-918A-48BD-8CB9-CA713993B0EA}" type="datetime1">
               <a:rPr lang="en-US" smtClean="0"/>
-              <a:t>10/14/2019</a:t>
+              <a:t>10/27/2019</a:t>
             </a:fld>
             <a:endParaRPr lang="en-US" dirty="0"/>
           </a:p>
@@ -32051,7 +30237,7 @@
             <a:fld id="{E778CE86-875F-4587-BCF6-FA054AFC0D53}" type="datetime1">
               <a:rPr lang="en-US" smtClean="0"/>
               <a:pPr/>
-              <a:t>10/14/2019</a:t>
+              <a:t>10/27/2019</a:t>
             </a:fld>
             <a:endParaRPr lang="en-US" dirty="0"/>
           </a:p>
@@ -32570,7 +30756,7 @@
           <a:p>
             <a:fld id="{F6FA2B21-3FCD-4721-B95C-427943F61125}" type="datetime1">
               <a:rPr lang="en-US" smtClean="0"/>
-              <a:t>10/14/2019</a:t>
+              <a:t>10/27/2019</a:t>
             </a:fld>
             <a:endParaRPr lang="en-US" dirty="0"/>
           </a:p>
@@ -33231,7 +31417,7 @@
         <p:spPr>
           <a:xfrm>
             <a:off x="1769532" y="4623127"/>
-            <a:ext cx="8655200" cy="457201"/>
+            <a:ext cx="8655200" cy="678789"/>
           </a:xfrm>
         </p:spPr>
         <p:txBody>
@@ -33840,12 +32026,12 @@
         <p:spPr>
           <a:xfrm>
             <a:off x="1066800" y="642594"/>
-            <a:ext cx="10058400" cy="1371600"/>
+            <a:ext cx="10058400" cy="849322"/>
           </a:xfrm>
         </p:spPr>
         <p:txBody>
           <a:bodyPr>
-            <a:normAutofit/>
+            <a:normAutofit fontScale="90000"/>
           </a:bodyPr>
           <a:lstStyle/>
           <a:p>
@@ -33873,13 +32059,13 @@
           <p:nvPr>
             <p:extLst>
               <p:ext uri="{D42A27DB-BD31-4B8C-83A1-F6EECF244321}">
-                <p14:modId xmlns:p14="http://schemas.microsoft.com/office/powerpoint/2010/main" val="3402574653"/>
+                <p14:modId xmlns:p14="http://schemas.microsoft.com/office/powerpoint/2010/main" val="3592272746"/>
               </p:ext>
             </p:extLst>
           </p:nvPr>
         </p:nvGraphicFramePr>
         <p:xfrm>
-          <a:off x="1066800" y="1634197"/>
+          <a:off x="978568" y="1337418"/>
           <a:ext cx="10058400" cy="3849624"/>
         </p:xfrm>
         <a:graphic>
@@ -33888,6 +32074,160 @@
           </a:graphicData>
         </a:graphic>
       </p:graphicFrame>
+      <p:sp>
+        <p:nvSpPr>
+          <p:cNvPr id="3" name="TextBox 2">
+            <a:extLst>
+              <a:ext uri="{FF2B5EF4-FFF2-40B4-BE49-F238E27FC236}">
+                <a16:creationId xmlns:a16="http://schemas.microsoft.com/office/drawing/2014/main" id="{487A4D8F-E9B2-4E17-9323-3074219E65E6}"/>
+              </a:ext>
+            </a:extLst>
+          </p:cNvPr>
+          <p:cNvSpPr txBox="1"/>
+          <p:nvPr/>
+        </p:nvSpPr>
+        <p:spPr>
+          <a:xfrm>
+            <a:off x="817418" y="5343075"/>
+            <a:ext cx="10557164" cy="1077218"/>
+          </a:xfrm>
+          <a:prstGeom prst="rect">
+            <a:avLst/>
+          </a:prstGeom>
+          <a:noFill/>
+        </p:spPr>
+        <p:txBody>
+          <a:bodyPr wrap="square" rtlCol="0">
+            <a:spAutoFit/>
+          </a:bodyPr>
+          <a:lstStyle/>
+          <a:p>
+            <a:r>
+              <a:rPr lang="en-US" sz="1600" dirty="0"/>
+              <a:t>These features were found to have the highest relation to accident seriousness. While they may all have an impact, not every feature will be discussed in the following slides. The features discussed will be based on the findings from their visualization. For visual reasons, two separate dataframes were created, for not serious and serious accidents. I wanted to better scale the data and for me, this was the simplest way of doing so.</a:t>
+            </a:r>
+          </a:p>
+        </p:txBody>
+      </p:sp>
+    </p:spTree>
+    <p:extLst>
+      <p:ext uri="{BB962C8B-B14F-4D97-AF65-F5344CB8AC3E}">
+        <p14:creationId xmlns:p14="http://schemas.microsoft.com/office/powerpoint/2010/main" val="2484998199"/>
+      </p:ext>
+    </p:extLst>
+  </p:cSld>
+  <p:clrMapOvr>
+    <a:overrideClrMapping bg1="dk1" tx1="lt1" bg2="dk2" tx2="lt2" accent1="accent1" accent2="accent2" accent3="accent3" accent4="accent4" accent5="accent5" accent6="accent6" hlink="hlink" folHlink="folHlink"/>
+  </p:clrMapOvr>
+</p:sld>
+</file>
+
+<file path=ppt/slides/slide14.xml><?xml version="1.0" encoding="utf-8"?>
+<p:sld xmlns:a="http://schemas.openxmlformats.org/drawingml/2006/main" xmlns:r="http://schemas.openxmlformats.org/officeDocument/2006/relationships" xmlns:p="http://schemas.openxmlformats.org/presentationml/2006/main">
+  <p:cSld>
+    <p:bg>
+      <p:bgPr>
+        <a:solidFill>
+          <a:schemeClr val="bg1"/>
+        </a:solidFill>
+        <a:effectLst/>
+      </p:bgPr>
+    </p:bg>
+    <p:spTree>
+      <p:nvGrpSpPr>
+        <p:cNvPr id="1" name=""/>
+        <p:cNvGrpSpPr/>
+        <p:nvPr/>
+      </p:nvGrpSpPr>
+      <p:grpSpPr>
+        <a:xfrm>
+          <a:off x="0" y="0"/>
+          <a:ext cx="0" cy="0"/>
+          <a:chOff x="0" y="0"/>
+          <a:chExt cx="0" cy="0"/>
+        </a:xfrm>
+      </p:grpSpPr>
+      <p:sp>
+        <p:nvSpPr>
+          <p:cNvPr id="15" name="Rectangle 8">
+            <a:extLst>
+              <a:ext uri="{FF2B5EF4-FFF2-40B4-BE49-F238E27FC236}">
+                <a16:creationId xmlns:a16="http://schemas.microsoft.com/office/drawing/2014/main" id="{78A66977-9B4F-4B2C-AE86-901641B90D53}"/>
+              </a:ext>
+              <a:ext uri="{C183D7F6-B498-43B3-948B-1728B52AA6E4}">
+                <adec:decorative xmlns:adec="http://schemas.microsoft.com/office/drawing/2017/decorative" val="1"/>
+              </a:ext>
+            </a:extLst>
+          </p:cNvPr>
+          <p:cNvSpPr>
+            <a:spLocks noGrp="1" noRot="1" noChangeAspect="1" noMove="1" noResize="1" noEditPoints="1" noAdjustHandles="1" noChangeArrowheads="1" noChangeShapeType="1" noTextEdit="1"/>
+          </p:cNvSpPr>
+          <p:nvPr>
+            <p:extLst>
+              <p:ext uri="{386F3935-93C4-4BCD-93E2-E3B085C9AB24}">
+                <p16:designElem xmlns:p16="http://schemas.microsoft.com/office/powerpoint/2015/main" val="1"/>
+              </p:ext>
+            </p:extLst>
+          </p:nvPr>
+        </p:nvSpPr>
+        <p:spPr>
+          <a:xfrm>
+            <a:off x="234696" y="237744"/>
+            <a:ext cx="11722608" cy="6382512"/>
+          </a:xfrm>
+          <a:prstGeom prst="rect">
+            <a:avLst/>
+          </a:prstGeom>
+          <a:solidFill>
+            <a:schemeClr val="bg1">
+              <a:lumMod val="75000"/>
+              <a:alpha val="60000"/>
+            </a:schemeClr>
+          </a:solidFill>
+          <a:ln w="6350" cap="flat" cmpd="sng" algn="ctr">
+            <a:noFill/>
+            <a:prstDash val="solid"/>
+          </a:ln>
+          <a:effectLst>
+            <a:softEdge rad="0"/>
+          </a:effectLst>
+        </p:spPr>
+      </p:sp>
+      <p:sp>
+        <p:nvSpPr>
+          <p:cNvPr id="2" name="Title 1">
+            <a:extLst>
+              <a:ext uri="{FF2B5EF4-FFF2-40B4-BE49-F238E27FC236}">
+                <a16:creationId xmlns:a16="http://schemas.microsoft.com/office/drawing/2014/main" id="{9CCCAB64-D3DC-4A11-AC78-14716C0F642F}"/>
+              </a:ext>
+            </a:extLst>
+          </p:cNvPr>
+          <p:cNvSpPr>
+            <a:spLocks noGrp="1"/>
+          </p:cNvSpPr>
+          <p:nvPr>
+            <p:ph type="title"/>
+          </p:nvPr>
+        </p:nvSpPr>
+        <p:spPr>
+          <a:xfrm>
+            <a:off x="1066800" y="642594"/>
+            <a:ext cx="10058400" cy="1371600"/>
+          </a:xfrm>
+        </p:spPr>
+        <p:txBody>
+          <a:bodyPr>
+            <a:normAutofit/>
+          </a:bodyPr>
+          <a:lstStyle/>
+          <a:p>
+            <a:r>
+              <a:rPr lang="en-US" sz="3000" dirty="0"/>
+              <a:t>How do the available factors contribute to accident seriousness?</a:t>
+            </a:r>
+          </a:p>
+        </p:txBody>
+      </p:sp>
       <p:sp>
         <p:nvSpPr>
           <p:cNvPr id="3" name="TextBox 2">
@@ -33918,15 +32258,135 @@
           <a:p>
             <a:r>
               <a:rPr lang="en-US" dirty="0"/>
-              <a:t>These features were found to have the highest relation to accident seriousness. While they may all have an impact, not every feature will be discussed in the following slides. The features discussed will be based on the findings from their visualization. </a:t>
+              <a:t>After getting these correlations, I ran them through a Chi-Squared test to check for relevancy. Above are screenshots of the coding, and the results. With a requirement of p being  &lt; 0.05, all features were deemed important enough for prediction, so I continued with my visualization comparisons.</a:t>
             </a:r>
           </a:p>
         </p:txBody>
       </p:sp>
+      <p:pic>
+        <p:nvPicPr>
+          <p:cNvPr id="17" name="Picture 16" descr="A screenshot of a cell phone&#10;&#10;Description automatically generated">
+            <a:extLst>
+              <a:ext uri="{FF2B5EF4-FFF2-40B4-BE49-F238E27FC236}">
+                <a16:creationId xmlns:a16="http://schemas.microsoft.com/office/drawing/2014/main" id="{8CE167A7-6FC1-4EE0-B905-0AF59B1CD095}"/>
+              </a:ext>
+            </a:extLst>
+          </p:cNvPr>
+          <p:cNvPicPr>
+            <a:picLocks noChangeAspect="1"/>
+          </p:cNvPicPr>
+          <p:nvPr/>
+        </p:nvPicPr>
+        <p:blipFill>
+          <a:blip r:embed="rId2"/>
+          <a:stretch>
+            <a:fillRect/>
+          </a:stretch>
+        </p:blipFill>
+        <p:spPr>
+          <a:xfrm>
+            <a:off x="433138" y="1812510"/>
+            <a:ext cx="2927683" cy="3031297"/>
+          </a:xfrm>
+          <a:prstGeom prst="rect">
+            <a:avLst/>
+          </a:prstGeom>
+        </p:spPr>
+      </p:pic>
+      <p:pic>
+        <p:nvPicPr>
+          <p:cNvPr id="19" name="Picture 18" descr="A screenshot of a cell phone&#10;&#10;Description automatically generated">
+            <a:extLst>
+              <a:ext uri="{FF2B5EF4-FFF2-40B4-BE49-F238E27FC236}">
+                <a16:creationId xmlns:a16="http://schemas.microsoft.com/office/drawing/2014/main" id="{9C375ABB-4F6A-43B8-B8ED-3A05477A8133}"/>
+              </a:ext>
+            </a:extLst>
+          </p:cNvPr>
+          <p:cNvPicPr>
+            <a:picLocks noChangeAspect="1"/>
+          </p:cNvPicPr>
+          <p:nvPr/>
+        </p:nvPicPr>
+        <p:blipFill>
+          <a:blip r:embed="rId3"/>
+          <a:stretch>
+            <a:fillRect/>
+          </a:stretch>
+        </p:blipFill>
+        <p:spPr>
+          <a:xfrm>
+            <a:off x="3360821" y="1812510"/>
+            <a:ext cx="2735179" cy="3031297"/>
+          </a:xfrm>
+          <a:prstGeom prst="rect">
+            <a:avLst/>
+          </a:prstGeom>
+        </p:spPr>
+      </p:pic>
+      <p:pic>
+        <p:nvPicPr>
+          <p:cNvPr id="21" name="Picture 20" descr="A screenshot of a cell phone&#10;&#10;Description automatically generated">
+            <a:extLst>
+              <a:ext uri="{FF2B5EF4-FFF2-40B4-BE49-F238E27FC236}">
+                <a16:creationId xmlns:a16="http://schemas.microsoft.com/office/drawing/2014/main" id="{0B4D7755-420A-42BD-A51E-8304AC824B77}"/>
+              </a:ext>
+            </a:extLst>
+          </p:cNvPr>
+          <p:cNvPicPr>
+            <a:picLocks noChangeAspect="1"/>
+          </p:cNvPicPr>
+          <p:nvPr/>
+        </p:nvPicPr>
+        <p:blipFill>
+          <a:blip r:embed="rId4"/>
+          <a:stretch>
+            <a:fillRect/>
+          </a:stretch>
+        </p:blipFill>
+        <p:spPr>
+          <a:xfrm>
+            <a:off x="6096000" y="1812510"/>
+            <a:ext cx="2735179" cy="3031297"/>
+          </a:xfrm>
+          <a:prstGeom prst="rect">
+            <a:avLst/>
+          </a:prstGeom>
+        </p:spPr>
+      </p:pic>
+      <p:pic>
+        <p:nvPicPr>
+          <p:cNvPr id="23" name="Picture 22" descr="A screenshot of a cell phone&#10;&#10;Description automatically generated">
+            <a:extLst>
+              <a:ext uri="{FF2B5EF4-FFF2-40B4-BE49-F238E27FC236}">
+                <a16:creationId xmlns:a16="http://schemas.microsoft.com/office/drawing/2014/main" id="{93E6AC33-697A-40C6-B5E6-EDC489799603}"/>
+              </a:ext>
+            </a:extLst>
+          </p:cNvPr>
+          <p:cNvPicPr>
+            <a:picLocks noChangeAspect="1"/>
+          </p:cNvPicPr>
+          <p:nvPr/>
+        </p:nvPicPr>
+        <p:blipFill>
+          <a:blip r:embed="rId5"/>
+          <a:stretch>
+            <a:fillRect/>
+          </a:stretch>
+        </p:blipFill>
+        <p:spPr>
+          <a:xfrm>
+            <a:off x="8831179" y="1812510"/>
+            <a:ext cx="2927683" cy="3031297"/>
+          </a:xfrm>
+          <a:prstGeom prst="rect">
+            <a:avLst/>
+          </a:prstGeom>
+        </p:spPr>
+      </p:pic>
     </p:spTree>
     <p:extLst>
       <p:ext uri="{BB962C8B-B14F-4D97-AF65-F5344CB8AC3E}">
-        <p14:creationId xmlns:p14="http://schemas.microsoft.com/office/powerpoint/2010/main" val="2484998199"/>
+        <p14:creationId xmlns:p14="http://schemas.microsoft.com/office/powerpoint/2010/main" val="3133853678"/>
       </p:ext>
     </p:extLst>
   </p:cSld>
@@ -33936,7 +32396,7 @@
 </p:sld>
 </file>
 
-<file path=ppt/slides/slide14.xml><?xml version="1.0" encoding="utf-8"?>
+<file path=ppt/slides/slide15.xml><?xml version="1.0" encoding="utf-8"?>
 <p:sld xmlns:a="http://schemas.openxmlformats.org/drawingml/2006/main" xmlns:r="http://schemas.openxmlformats.org/officeDocument/2006/relationships" xmlns:p="http://schemas.openxmlformats.org/presentationml/2006/main">
   <p:cSld>
     <p:bg>
@@ -34246,7 +32706,7 @@
 </p:sld>
 </file>
 
-<file path=ppt/slides/slide15.xml><?xml version="1.0" encoding="utf-8"?>
+<file path=ppt/slides/slide16.xml><?xml version="1.0" encoding="utf-8"?>
 <p:sld xmlns:a="http://schemas.openxmlformats.org/drawingml/2006/main" xmlns:r="http://schemas.openxmlformats.org/officeDocument/2006/relationships" xmlns:p="http://schemas.openxmlformats.org/presentationml/2006/main">
   <p:cSld>
     <p:bg>
@@ -34409,7 +32869,7 @@
 </p:sld>
 </file>
 
-<file path=ppt/slides/slide16.xml><?xml version="1.0" encoding="utf-8"?>
+<file path=ppt/slides/slide17.xml><?xml version="1.0" encoding="utf-8"?>
 <p:sld xmlns:a="http://schemas.openxmlformats.org/drawingml/2006/main" xmlns:r="http://schemas.openxmlformats.org/officeDocument/2006/relationships" xmlns:p="http://schemas.openxmlformats.org/presentationml/2006/main">
   <p:cSld>
     <p:bg>
@@ -34575,7 +33035,7 @@
 </p:sld>
 </file>
 
-<file path=ppt/slides/slide17.xml><?xml version="1.0" encoding="utf-8"?>
+<file path=ppt/slides/slide18.xml><?xml version="1.0" encoding="utf-8"?>
 <p:sld xmlns:a="http://schemas.openxmlformats.org/drawingml/2006/main" xmlns:r="http://schemas.openxmlformats.org/officeDocument/2006/relationships" xmlns:p="http://schemas.openxmlformats.org/presentationml/2006/main">
   <p:cSld>
     <p:bg>
@@ -34740,7 +33200,7 @@
 </p:sld>
 </file>
 
-<file path=ppt/slides/slide18.xml><?xml version="1.0" encoding="utf-8"?>
+<file path=ppt/slides/slide19.xml><?xml version="1.0" encoding="utf-8"?>
 <p:sld xmlns:a="http://schemas.openxmlformats.org/drawingml/2006/main" xmlns:r="http://schemas.openxmlformats.org/officeDocument/2006/relationships" xmlns:p="http://schemas.openxmlformats.org/presentationml/2006/main">
   <p:cSld>
     <p:bg>
@@ -34899,172 +33359,6 @@
     <p:extLst>
       <p:ext uri="{BB962C8B-B14F-4D97-AF65-F5344CB8AC3E}">
         <p14:creationId xmlns:p14="http://schemas.microsoft.com/office/powerpoint/2010/main" val="3096790196"/>
-      </p:ext>
-    </p:extLst>
-  </p:cSld>
-  <p:clrMapOvr>
-    <a:overrideClrMapping bg1="dk1" tx1="lt1" bg2="dk2" tx2="lt2" accent1="accent1" accent2="accent2" accent3="accent3" accent4="accent4" accent5="accent5" accent6="accent6" hlink="hlink" folHlink="folHlink"/>
-  </p:clrMapOvr>
-</p:sld>
-</file>
-
-<file path=ppt/slides/slide19.xml><?xml version="1.0" encoding="utf-8"?>
-<p:sld xmlns:a="http://schemas.openxmlformats.org/drawingml/2006/main" xmlns:r="http://schemas.openxmlformats.org/officeDocument/2006/relationships" xmlns:p="http://schemas.openxmlformats.org/presentationml/2006/main">
-  <p:cSld>
-    <p:bg>
-      <p:bgPr>
-        <a:solidFill>
-          <a:srgbClr val="17232A"/>
-        </a:solidFill>
-        <a:effectLst/>
-      </p:bgPr>
-    </p:bg>
-    <p:spTree>
-      <p:nvGrpSpPr>
-        <p:cNvPr id="1" name=""/>
-        <p:cNvGrpSpPr/>
-        <p:nvPr/>
-      </p:nvGrpSpPr>
-      <p:grpSpPr>
-        <a:xfrm>
-          <a:off x="0" y="0"/>
-          <a:ext cx="0" cy="0"/>
-          <a:chOff x="0" y="0"/>
-          <a:chExt cx="0" cy="0"/>
-        </a:xfrm>
-      </p:grpSpPr>
-      <p:sp>
-        <p:nvSpPr>
-          <p:cNvPr id="8" name="Title 7">
-            <a:extLst>
-              <a:ext uri="{FF2B5EF4-FFF2-40B4-BE49-F238E27FC236}">
-                <a16:creationId xmlns:a16="http://schemas.microsoft.com/office/drawing/2014/main" id="{9103713F-A27B-45DF-B2B2-49F1D76467CB}"/>
-              </a:ext>
-            </a:extLst>
-          </p:cNvPr>
-          <p:cNvSpPr>
-            <a:spLocks noGrp="1"/>
-          </p:cNvSpPr>
-          <p:nvPr>
-            <p:ph type="title"/>
-          </p:nvPr>
-        </p:nvSpPr>
-        <p:spPr>
-          <a:xfrm>
-            <a:off x="1066800" y="642594"/>
-            <a:ext cx="10058400" cy="1371600"/>
-          </a:xfrm>
-        </p:spPr>
-        <p:txBody>
-          <a:bodyPr/>
-          <a:lstStyle/>
-          <a:p>
-            <a:pPr algn="ctr"/>
-            <a:r>
-              <a:rPr lang="en-US" dirty="0"/>
-              <a:t>Vehicle Leaving Carriageway</a:t>
-            </a:r>
-          </a:p>
-        </p:txBody>
-      </p:sp>
-      <p:sp>
-        <p:nvSpPr>
-          <p:cNvPr id="16" name="TextBox 15">
-            <a:extLst>
-              <a:ext uri="{FF2B5EF4-FFF2-40B4-BE49-F238E27FC236}">
-                <a16:creationId xmlns:a16="http://schemas.microsoft.com/office/drawing/2014/main" id="{35336BC7-FAD2-4F87-BB47-094AD0CEBD1C}"/>
-              </a:ext>
-            </a:extLst>
-          </p:cNvPr>
-          <p:cNvSpPr txBox="1"/>
-          <p:nvPr/>
-        </p:nvSpPr>
-        <p:spPr>
-          <a:xfrm>
-            <a:off x="1558923" y="5569075"/>
-            <a:ext cx="8972550" cy="646331"/>
-          </a:xfrm>
-          <a:prstGeom prst="rect">
-            <a:avLst/>
-          </a:prstGeom>
-          <a:noFill/>
-        </p:spPr>
-        <p:txBody>
-          <a:bodyPr wrap="square" rtlCol="0">
-            <a:spAutoFit/>
-          </a:bodyPr>
-          <a:lstStyle/>
-          <a:p>
-            <a:pPr lvl="0"/>
-            <a:r>
-              <a:rPr lang="en-US" dirty="0"/>
-              <a:t>Most vehicles did not leave the carriageway in either type of accident, however serious accidents had higher percentages of those that did leave the carriageway.</a:t>
-            </a:r>
-          </a:p>
-        </p:txBody>
-      </p:sp>
-      <p:pic>
-        <p:nvPicPr>
-          <p:cNvPr id="7" name="Content Placeholder 6" descr="A screenshot of a cell phone&#10;&#10;Description automatically generated">
-            <a:extLst>
-              <a:ext uri="{FF2B5EF4-FFF2-40B4-BE49-F238E27FC236}">
-                <a16:creationId xmlns:a16="http://schemas.microsoft.com/office/drawing/2014/main" id="{42187E0B-D0E0-42D7-892B-166C6DE74C65}"/>
-              </a:ext>
-            </a:extLst>
-          </p:cNvPr>
-          <p:cNvPicPr>
-            <a:picLocks noGrp="1" noChangeAspect="1"/>
-          </p:cNvPicPr>
-          <p:nvPr>
-            <p:ph sz="half" idx="1"/>
-          </p:nvPr>
-        </p:nvPicPr>
-        <p:blipFill>
-          <a:blip r:embed="rId2"/>
-          <a:stretch>
-            <a:fillRect/>
-          </a:stretch>
-        </p:blipFill>
-        <p:spPr>
-          <a:xfrm>
-            <a:off x="1066800" y="2051096"/>
-            <a:ext cx="4664075" cy="3481077"/>
-          </a:xfrm>
-        </p:spPr>
-      </p:pic>
-      <p:pic>
-        <p:nvPicPr>
-          <p:cNvPr id="10" name="Content Placeholder 9" descr="A screenshot of a cell phone&#10;&#10;Description automatically generated">
-            <a:extLst>
-              <a:ext uri="{FF2B5EF4-FFF2-40B4-BE49-F238E27FC236}">
-                <a16:creationId xmlns:a16="http://schemas.microsoft.com/office/drawing/2014/main" id="{7B00B141-0131-49F5-A087-E2B36718E8B8}"/>
-              </a:ext>
-            </a:extLst>
-          </p:cNvPr>
-          <p:cNvPicPr>
-            <a:picLocks noGrp="1" noChangeAspect="1"/>
-          </p:cNvPicPr>
-          <p:nvPr>
-            <p:ph sz="half" idx="2"/>
-          </p:nvPr>
-        </p:nvPicPr>
-        <p:blipFill>
-          <a:blip r:embed="rId3"/>
-          <a:stretch>
-            <a:fillRect/>
-          </a:stretch>
-        </p:blipFill>
-        <p:spPr>
-          <a:xfrm>
-            <a:off x="6461125" y="2051096"/>
-            <a:ext cx="4664075" cy="3481077"/>
-          </a:xfrm>
-        </p:spPr>
-      </p:pic>
-    </p:spTree>
-    <p:extLst>
-      <p:ext uri="{BB962C8B-B14F-4D97-AF65-F5344CB8AC3E}">
-        <p14:creationId xmlns:p14="http://schemas.microsoft.com/office/powerpoint/2010/main" val="716244719"/>
       </p:ext>
     </p:extLst>
   </p:cSld>
@@ -35446,6 +33740,172 @@
             <a:pPr algn="ctr"/>
             <a:r>
               <a:rPr lang="en-US" dirty="0"/>
+              <a:t>Vehicle Leaving Carriageway</a:t>
+            </a:r>
+          </a:p>
+        </p:txBody>
+      </p:sp>
+      <p:sp>
+        <p:nvSpPr>
+          <p:cNvPr id="16" name="TextBox 15">
+            <a:extLst>
+              <a:ext uri="{FF2B5EF4-FFF2-40B4-BE49-F238E27FC236}">
+                <a16:creationId xmlns:a16="http://schemas.microsoft.com/office/drawing/2014/main" id="{35336BC7-FAD2-4F87-BB47-094AD0CEBD1C}"/>
+              </a:ext>
+            </a:extLst>
+          </p:cNvPr>
+          <p:cNvSpPr txBox="1"/>
+          <p:nvPr/>
+        </p:nvSpPr>
+        <p:spPr>
+          <a:xfrm>
+            <a:off x="1558923" y="5569075"/>
+            <a:ext cx="8972550" cy="646331"/>
+          </a:xfrm>
+          <a:prstGeom prst="rect">
+            <a:avLst/>
+          </a:prstGeom>
+          <a:noFill/>
+        </p:spPr>
+        <p:txBody>
+          <a:bodyPr wrap="square" rtlCol="0">
+            <a:spAutoFit/>
+          </a:bodyPr>
+          <a:lstStyle/>
+          <a:p>
+            <a:pPr lvl="0"/>
+            <a:r>
+              <a:rPr lang="en-US" dirty="0"/>
+              <a:t>Most vehicles did not leave the carriageway in either type of accident, however serious accidents had higher percentages of those that did leave the carriageway.</a:t>
+            </a:r>
+          </a:p>
+        </p:txBody>
+      </p:sp>
+      <p:pic>
+        <p:nvPicPr>
+          <p:cNvPr id="7" name="Content Placeholder 6" descr="A screenshot of a cell phone&#10;&#10;Description automatically generated">
+            <a:extLst>
+              <a:ext uri="{FF2B5EF4-FFF2-40B4-BE49-F238E27FC236}">
+                <a16:creationId xmlns:a16="http://schemas.microsoft.com/office/drawing/2014/main" id="{42187E0B-D0E0-42D7-892B-166C6DE74C65}"/>
+              </a:ext>
+            </a:extLst>
+          </p:cNvPr>
+          <p:cNvPicPr>
+            <a:picLocks noGrp="1" noChangeAspect="1"/>
+          </p:cNvPicPr>
+          <p:nvPr>
+            <p:ph sz="half" idx="1"/>
+          </p:nvPr>
+        </p:nvPicPr>
+        <p:blipFill>
+          <a:blip r:embed="rId2"/>
+          <a:stretch>
+            <a:fillRect/>
+          </a:stretch>
+        </p:blipFill>
+        <p:spPr>
+          <a:xfrm>
+            <a:off x="1066800" y="2051096"/>
+            <a:ext cx="4664075" cy="3481077"/>
+          </a:xfrm>
+        </p:spPr>
+      </p:pic>
+      <p:pic>
+        <p:nvPicPr>
+          <p:cNvPr id="10" name="Content Placeholder 9" descr="A screenshot of a cell phone&#10;&#10;Description automatically generated">
+            <a:extLst>
+              <a:ext uri="{FF2B5EF4-FFF2-40B4-BE49-F238E27FC236}">
+                <a16:creationId xmlns:a16="http://schemas.microsoft.com/office/drawing/2014/main" id="{7B00B141-0131-49F5-A087-E2B36718E8B8}"/>
+              </a:ext>
+            </a:extLst>
+          </p:cNvPr>
+          <p:cNvPicPr>
+            <a:picLocks noGrp="1" noChangeAspect="1"/>
+          </p:cNvPicPr>
+          <p:nvPr>
+            <p:ph sz="half" idx="2"/>
+          </p:nvPr>
+        </p:nvPicPr>
+        <p:blipFill>
+          <a:blip r:embed="rId3"/>
+          <a:stretch>
+            <a:fillRect/>
+          </a:stretch>
+        </p:blipFill>
+        <p:spPr>
+          <a:xfrm>
+            <a:off x="6461125" y="2051096"/>
+            <a:ext cx="4664075" cy="3481077"/>
+          </a:xfrm>
+        </p:spPr>
+      </p:pic>
+    </p:spTree>
+    <p:extLst>
+      <p:ext uri="{BB962C8B-B14F-4D97-AF65-F5344CB8AC3E}">
+        <p14:creationId xmlns:p14="http://schemas.microsoft.com/office/powerpoint/2010/main" val="716244719"/>
+      </p:ext>
+    </p:extLst>
+  </p:cSld>
+  <p:clrMapOvr>
+    <a:overrideClrMapping bg1="dk1" tx1="lt1" bg2="dk2" tx2="lt2" accent1="accent1" accent2="accent2" accent3="accent3" accent4="accent4" accent5="accent5" accent6="accent6" hlink="hlink" folHlink="folHlink"/>
+  </p:clrMapOvr>
+</p:sld>
+</file>
+
+<file path=ppt/slides/slide21.xml><?xml version="1.0" encoding="utf-8"?>
+<p:sld xmlns:a="http://schemas.openxmlformats.org/drawingml/2006/main" xmlns:r="http://schemas.openxmlformats.org/officeDocument/2006/relationships" xmlns:p="http://schemas.openxmlformats.org/presentationml/2006/main">
+  <p:cSld>
+    <p:bg>
+      <p:bgPr>
+        <a:solidFill>
+          <a:srgbClr val="17232A"/>
+        </a:solidFill>
+        <a:effectLst/>
+      </p:bgPr>
+    </p:bg>
+    <p:spTree>
+      <p:nvGrpSpPr>
+        <p:cNvPr id="1" name=""/>
+        <p:cNvGrpSpPr/>
+        <p:nvPr/>
+      </p:nvGrpSpPr>
+      <p:grpSpPr>
+        <a:xfrm>
+          <a:off x="0" y="0"/>
+          <a:ext cx="0" cy="0"/>
+          <a:chOff x="0" y="0"/>
+          <a:chExt cx="0" cy="0"/>
+        </a:xfrm>
+      </p:grpSpPr>
+      <p:sp>
+        <p:nvSpPr>
+          <p:cNvPr id="8" name="Title 7">
+            <a:extLst>
+              <a:ext uri="{FF2B5EF4-FFF2-40B4-BE49-F238E27FC236}">
+                <a16:creationId xmlns:a16="http://schemas.microsoft.com/office/drawing/2014/main" id="{9103713F-A27B-45DF-B2B2-49F1D76467CB}"/>
+              </a:ext>
+            </a:extLst>
+          </p:cNvPr>
+          <p:cNvSpPr>
+            <a:spLocks noGrp="1"/>
+          </p:cNvSpPr>
+          <p:nvPr>
+            <p:ph type="title"/>
+          </p:nvPr>
+        </p:nvSpPr>
+        <p:spPr>
+          <a:xfrm>
+            <a:off x="1066800" y="642594"/>
+            <a:ext cx="10058400" cy="1371600"/>
+          </a:xfrm>
+        </p:spPr>
+        <p:txBody>
+          <a:bodyPr/>
+          <a:lstStyle/>
+          <a:p>
+            <a:pPr algn="ctr"/>
+            <a:r>
+              <a:rPr lang="en-US" dirty="0"/>
               <a:t>Vehicle Type</a:t>
             </a:r>
           </a:p>
@@ -35558,7 +34018,7 @@
 </p:sld>
 </file>
 
-<file path=ppt/slides/slide21.xml><?xml version="1.0" encoding="utf-8"?>
+<file path=ppt/slides/slide22.xml><?xml version="1.0" encoding="utf-8"?>
 <p:sld xmlns:a="http://schemas.openxmlformats.org/drawingml/2006/main" xmlns:r="http://schemas.openxmlformats.org/officeDocument/2006/relationships" xmlns:p="http://schemas.openxmlformats.org/presentationml/2006/main">
   <p:cSld>
     <p:bg>
@@ -35724,7 +34184,7 @@
 </p:sld>
 </file>
 
-<file path=ppt/slides/slide22.xml><?xml version="1.0" encoding="utf-8"?>
+<file path=ppt/slides/slide23.xml><?xml version="1.0" encoding="utf-8"?>
 <p:sld xmlns:a="http://schemas.openxmlformats.org/drawingml/2006/main" xmlns:r="http://schemas.openxmlformats.org/officeDocument/2006/relationships" xmlns:p="http://schemas.openxmlformats.org/presentationml/2006/main">
   <p:cSld>
     <p:bg>
@@ -35890,7 +34350,7 @@
 </p:sld>
 </file>
 
-<file path=ppt/slides/slide23.xml><?xml version="1.0" encoding="utf-8"?>
+<file path=ppt/slides/slide24.xml><?xml version="1.0" encoding="utf-8"?>
 <p:sld xmlns:a="http://schemas.openxmlformats.org/drawingml/2006/main" xmlns:r="http://schemas.openxmlformats.org/officeDocument/2006/relationships" xmlns:p="http://schemas.openxmlformats.org/presentationml/2006/main">
   <p:cSld>
     <p:bg>
@@ -36056,7 +34516,7 @@
 </p:sld>
 </file>
 
-<file path=ppt/slides/slide24.xml><?xml version="1.0" encoding="utf-8"?>
+<file path=ppt/slides/slide25.xml><?xml version="1.0" encoding="utf-8"?>
 <p:sld xmlns:a="http://schemas.openxmlformats.org/drawingml/2006/main" xmlns:r="http://schemas.openxmlformats.org/officeDocument/2006/relationships" xmlns:p="http://schemas.openxmlformats.org/presentationml/2006/main">
   <p:cSld>
     <p:bg>
@@ -36222,7 +34682,7 @@
 </p:sld>
 </file>
 
-<file path=ppt/slides/slide25.xml><?xml version="1.0" encoding="utf-8"?>
+<file path=ppt/slides/slide26.xml><?xml version="1.0" encoding="utf-8"?>
 <p:sld xmlns:a="http://schemas.openxmlformats.org/drawingml/2006/main" xmlns:r="http://schemas.openxmlformats.org/officeDocument/2006/relationships" xmlns:p="http://schemas.openxmlformats.org/presentationml/2006/main">
   <p:cSld>
     <p:bg>
@@ -36388,7 +34848,7 @@
 </p:sld>
 </file>
 
-<file path=ppt/slides/slide26.xml><?xml version="1.0" encoding="utf-8"?>
+<file path=ppt/slides/slide27.xml><?xml version="1.0" encoding="utf-8"?>
 <p:sld xmlns:a="http://schemas.openxmlformats.org/drawingml/2006/main" xmlns:r="http://schemas.openxmlformats.org/officeDocument/2006/relationships" xmlns:p="http://schemas.openxmlformats.org/presentationml/2006/main">
   <p:cSld>
     <p:bg>
@@ -36554,7 +35014,233 @@
 </p:sld>
 </file>
 
-<file path=ppt/slides/slide27.xml><?xml version="1.0" encoding="utf-8"?>
+<file path=ppt/slides/slide28.xml><?xml version="1.0" encoding="utf-8"?>
+<p:sld xmlns:a="http://schemas.openxmlformats.org/drawingml/2006/main" xmlns:r="http://schemas.openxmlformats.org/officeDocument/2006/relationships" xmlns:p="http://schemas.openxmlformats.org/presentationml/2006/main">
+  <p:cSld>
+    <p:bg>
+      <p:bgPr>
+        <a:solidFill>
+          <a:srgbClr val="17232A"/>
+        </a:solidFill>
+        <a:effectLst/>
+      </p:bgPr>
+    </p:bg>
+    <p:spTree>
+      <p:nvGrpSpPr>
+        <p:cNvPr id="1" name=""/>
+        <p:cNvGrpSpPr/>
+        <p:nvPr/>
+      </p:nvGrpSpPr>
+      <p:grpSpPr>
+        <a:xfrm>
+          <a:off x="0" y="0"/>
+          <a:ext cx="0" cy="0"/>
+          <a:chOff x="0" y="0"/>
+          <a:chExt cx="0" cy="0"/>
+        </a:xfrm>
+      </p:grpSpPr>
+      <p:sp>
+        <p:nvSpPr>
+          <p:cNvPr id="8" name="Title 7">
+            <a:extLst>
+              <a:ext uri="{FF2B5EF4-FFF2-40B4-BE49-F238E27FC236}">
+                <a16:creationId xmlns:a16="http://schemas.microsoft.com/office/drawing/2014/main" id="{9103713F-A27B-45DF-B2B2-49F1D76467CB}"/>
+              </a:ext>
+            </a:extLst>
+          </p:cNvPr>
+          <p:cNvSpPr>
+            <a:spLocks noGrp="1"/>
+          </p:cNvSpPr>
+          <p:nvPr>
+            <p:ph type="title"/>
+          </p:nvPr>
+        </p:nvSpPr>
+        <p:spPr>
+          <a:xfrm>
+            <a:off x="1066800" y="642594"/>
+            <a:ext cx="10058400" cy="646331"/>
+          </a:xfrm>
+        </p:spPr>
+        <p:txBody>
+          <a:bodyPr>
+            <a:normAutofit fontScale="90000"/>
+          </a:bodyPr>
+          <a:lstStyle/>
+          <a:p>
+            <a:pPr algn="ctr"/>
+            <a:r>
+              <a:rPr lang="en-US" dirty="0"/>
+              <a:t>Visualizations Summary</a:t>
+            </a:r>
+          </a:p>
+        </p:txBody>
+      </p:sp>
+      <p:sp>
+        <p:nvSpPr>
+          <p:cNvPr id="2" name="Content Placeholder 1">
+            <a:extLst>
+              <a:ext uri="{FF2B5EF4-FFF2-40B4-BE49-F238E27FC236}">
+                <a16:creationId xmlns:a16="http://schemas.microsoft.com/office/drawing/2014/main" id="{C9A50AB1-219F-4F34-BBC0-08681D9EE03F}"/>
+              </a:ext>
+            </a:extLst>
+          </p:cNvPr>
+          <p:cNvSpPr>
+            <a:spLocks noGrp="1"/>
+          </p:cNvSpPr>
+          <p:nvPr>
+            <p:ph sz="half" idx="1"/>
+          </p:nvPr>
+        </p:nvSpPr>
+        <p:spPr>
+          <a:xfrm>
+            <a:off x="590551" y="1288926"/>
+            <a:ext cx="10639424" cy="5102350"/>
+          </a:xfrm>
+        </p:spPr>
+        <p:txBody>
+          <a:bodyPr>
+            <a:normAutofit fontScale="47500" lnSpcReduction="20000"/>
+          </a:bodyPr>
+          <a:lstStyle/>
+          <a:p>
+            <a:r>
+              <a:rPr lang="en-US" dirty="0"/>
+              <a:t>did_police_officer_attend_scene_of_accident: Police attended most accidents but were less likely to NOT be called in serious accidents.</a:t>
+            </a:r>
+          </a:p>
+          <a:p>
+            <a:r>
+              <a:rPr lang="en-US" dirty="0"/>
+              <a:t>x1st_point_of_impact: Majority of accidents were front impacted as the first point of impact. Not serious accidents had a higher percentage of Back impact accidents than serious accidents. Serious accidents had higher percentages of Offside and Nearside accidents. </a:t>
+            </a:r>
+          </a:p>
+          <a:p>
+            <a:r>
+              <a:rPr lang="en-US" dirty="0"/>
+              <a:t> number_of_vehicles:  Nothing significant.</a:t>
+            </a:r>
+          </a:p>
+          <a:p>
+            <a:r>
+              <a:rPr lang="en-US" dirty="0"/>
+              <a:t> speed_limit: Majority of accidents occurred in 30 speed limit zones. It would have been beneficial to have actual data on the speeds of the vehicles involved or at least if they were speeding.</a:t>
+            </a:r>
+          </a:p>
+          <a:p>
+            <a:r>
+              <a:rPr lang="en-US" dirty="0"/>
+              <a:t> urban_or_rural_area: Rural areas had a higher percentage of serious accidents. This may relate to hospital locations or emergency vehicle arrival data which was not available.</a:t>
+            </a:r>
+          </a:p>
+          <a:p>
+            <a:r>
+              <a:rPr lang="en-US" dirty="0"/>
+              <a:t> skidding_and_overturning: Higher percentages of serious accidents involved skidding, jackknifing or overturning.</a:t>
+            </a:r>
+          </a:p>
+          <a:p>
+            <a:r>
+              <a:rPr lang="en-US" dirty="0"/>
+              <a:t> vehicle_leaving_carriageway: Most vehicles did not leave the carriageway in either type of accident, however serious accidents had higher percentages of those that did leave the carriageway.</a:t>
+            </a:r>
+          </a:p>
+          <a:p>
+            <a:r>
+              <a:rPr lang="en-US" dirty="0"/>
+              <a:t> sex_of_driver: Men were more involved in both serious and not serious accidents, however according to racfoundation.org, there are only 355 of female privately registered cars on UK roads.</a:t>
+            </a:r>
+          </a:p>
+          <a:p>
+            <a:r>
+              <a:rPr lang="en-US" dirty="0"/>
+              <a:t> vehicle_type:  Motorcycles were involved in a significantly higher percentage of serious accidents than not serious accidents</a:t>
+            </a:r>
+          </a:p>
+          <a:p>
+            <a:r>
+              <a:rPr lang="en-US" dirty="0"/>
+              <a:t> vehicle_manoeuvre: Nothing significant.                      </a:t>
+            </a:r>
+          </a:p>
+          <a:p>
+            <a:r>
+              <a:rPr lang="en-US" dirty="0"/>
+              <a:t> driver_home_area_type: Rural and Small Towns has higher percentages of serious accidents. This may relate to hospital locations or emergency vehicle arrival data which was not available.</a:t>
+            </a:r>
+          </a:p>
+          <a:p>
+            <a:r>
+              <a:rPr lang="en-US" dirty="0"/>
+              <a:t> age_band_of_driver: The age bands over the age of 25 had a higher percentage of serious accidents than not serious.</a:t>
+            </a:r>
+          </a:p>
+          <a:p>
+            <a:r>
+              <a:rPr lang="en-US" dirty="0"/>
+              <a:t> junction_control:  Most areas with accidents were uncontrolled. </a:t>
+            </a:r>
+          </a:p>
+          <a:p>
+            <a:r>
+              <a:rPr lang="en-US" dirty="0"/>
+              <a:t> hit_object_off_carriageway: The majority of accidents did not involve objects being hit off the carriageway, however serious accidents had higher percentages of accidents that did involve hitting an object off the carriageway.</a:t>
+            </a:r>
+          </a:p>
+          <a:p>
+            <a:r>
+              <a:rPr lang="en-US" dirty="0"/>
+              <a:t> hit_object_in_carriageway: Most accidents did not involve objects being hit in the carriageway; however serious accidents had higher percentages of accidents that did involve hitting an object off the carriageway.</a:t>
+            </a:r>
+          </a:p>
+          <a:p>
+            <a:r>
+              <a:rPr lang="en-US" dirty="0"/>
+              <a:t> driver_imd_decile: Nothing significant. Most accidents occurred in areas that were Less deprived 20-30%</a:t>
+            </a:r>
+          </a:p>
+          <a:p>
+            <a:r>
+              <a:rPr lang="en-US" dirty="0"/>
+              <a:t> junction_detail: T or staggered junctions were where most of the accidents occurred.</a:t>
+            </a:r>
+          </a:p>
+          <a:p>
+            <a:r>
+              <a:rPr lang="en-US" dirty="0"/>
+              <a:t> junction_location: Nothing that separates the two serious types. However, most accidents seem to have occurred in Mid Junction - on roundabout or on main road or situations where the driver was approaching junction or waiting/parked at junction approach.</a:t>
+            </a:r>
+          </a:p>
+          <a:p>
+            <a:r>
+              <a:rPr lang="en-US" dirty="0"/>
+              <a:t> propulsion_code: Diesel, Fuel cells, New fuel technology, vehicles were not recorded as a part of serious accidents.</a:t>
+            </a:r>
+          </a:p>
+          <a:p>
+            <a:r>
+              <a:rPr lang="en-US" dirty="0"/>
+              <a:t> year: There has been a spike in percentage of serious accidents over the years. However, the percentage of not serious accidents has remained somewhat consistent</a:t>
+            </a:r>
+          </a:p>
+          <a:p>
+            <a:endParaRPr lang="en-US" dirty="0"/>
+          </a:p>
+        </p:txBody>
+      </p:sp>
+    </p:spTree>
+    <p:extLst>
+      <p:ext uri="{BB962C8B-B14F-4D97-AF65-F5344CB8AC3E}">
+        <p14:creationId xmlns:p14="http://schemas.microsoft.com/office/powerpoint/2010/main" val="640124139"/>
+      </p:ext>
+    </p:extLst>
+  </p:cSld>
+  <p:clrMapOvr>
+    <a:overrideClrMapping bg1="dk1" tx1="lt1" bg2="dk2" tx2="lt2" accent1="accent1" accent2="accent2" accent3="accent3" accent4="accent4" accent5="accent5" accent6="accent6" hlink="hlink" folHlink="folHlink"/>
+  </p:clrMapOvr>
+</p:sld>
+</file>
+
+<file path=ppt/slides/slide29.xml><?xml version="1.0" encoding="utf-8"?>
 <p:sld xmlns:a="http://schemas.openxmlformats.org/drawingml/2006/main" xmlns:r="http://schemas.openxmlformats.org/officeDocument/2006/relationships" xmlns:p="http://schemas.openxmlformats.org/presentationml/2006/main">
   <p:cSld>
     <p:bg>
@@ -36693,140 +35379,6 @@
 </p:sld>
 </file>
 
-<file path=ppt/slides/slide28.xml><?xml version="1.0" encoding="utf-8"?>
-<p:sld xmlns:a="http://schemas.openxmlformats.org/drawingml/2006/main" xmlns:r="http://schemas.openxmlformats.org/officeDocument/2006/relationships" xmlns:p="http://schemas.openxmlformats.org/presentationml/2006/main">
-  <p:cSld>
-    <p:bg>
-      <p:bgPr>
-        <a:solidFill>
-          <a:srgbClr val="17232A"/>
-        </a:solidFill>
-        <a:effectLst/>
-      </p:bgPr>
-    </p:bg>
-    <p:spTree>
-      <p:nvGrpSpPr>
-        <p:cNvPr id="1" name=""/>
-        <p:cNvGrpSpPr/>
-        <p:nvPr/>
-      </p:nvGrpSpPr>
-      <p:grpSpPr>
-        <a:xfrm>
-          <a:off x="0" y="0"/>
-          <a:ext cx="0" cy="0"/>
-          <a:chOff x="0" y="0"/>
-          <a:chExt cx="0" cy="0"/>
-        </a:xfrm>
-      </p:grpSpPr>
-      <p:pic>
-        <p:nvPicPr>
-          <p:cNvPr id="9" name="Content Placeholder 8" descr="A screenshot of a cell phone&#10;&#10;Description automatically generated">
-            <a:extLst>
-              <a:ext uri="{FF2B5EF4-FFF2-40B4-BE49-F238E27FC236}">
-                <a16:creationId xmlns:a16="http://schemas.microsoft.com/office/drawing/2014/main" id="{E908C2F6-7DC7-4AFF-99E8-F20DBBAECF96}"/>
-              </a:ext>
-            </a:extLst>
-          </p:cNvPr>
-          <p:cNvPicPr>
-            <a:picLocks noGrp="1" noChangeAspect="1"/>
-          </p:cNvPicPr>
-          <p:nvPr>
-            <p:ph sz="half" idx="1"/>
-          </p:nvPr>
-        </p:nvPicPr>
-        <p:blipFill>
-          <a:blip r:embed="rId2"/>
-          <a:stretch>
-            <a:fillRect/>
-          </a:stretch>
-        </p:blipFill>
-        <p:spPr>
-          <a:xfrm>
-            <a:off x="436728" y="450376"/>
-            <a:ext cx="11368585" cy="5991367"/>
-          </a:xfrm>
-        </p:spPr>
-      </p:pic>
-    </p:spTree>
-    <p:extLst>
-      <p:ext uri="{BB962C8B-B14F-4D97-AF65-F5344CB8AC3E}">
-        <p14:creationId xmlns:p14="http://schemas.microsoft.com/office/powerpoint/2010/main" val="3803403563"/>
-      </p:ext>
-    </p:extLst>
-  </p:cSld>
-  <p:clrMapOvr>
-    <a:overrideClrMapping bg1="dk1" tx1="lt1" bg2="dk2" tx2="lt2" accent1="accent1" accent2="accent2" accent3="accent3" accent4="accent4" accent5="accent5" accent6="accent6" hlink="hlink" folHlink="folHlink"/>
-  </p:clrMapOvr>
-</p:sld>
-</file>
-
-<file path=ppt/slides/slide29.xml><?xml version="1.0" encoding="utf-8"?>
-<p:sld xmlns:a="http://schemas.openxmlformats.org/drawingml/2006/main" xmlns:r="http://schemas.openxmlformats.org/officeDocument/2006/relationships" xmlns:p="http://schemas.openxmlformats.org/presentationml/2006/main">
-  <p:cSld>
-    <p:bg>
-      <p:bgPr>
-        <a:solidFill>
-          <a:srgbClr val="17232A"/>
-        </a:solidFill>
-        <a:effectLst/>
-      </p:bgPr>
-    </p:bg>
-    <p:spTree>
-      <p:nvGrpSpPr>
-        <p:cNvPr id="1" name=""/>
-        <p:cNvGrpSpPr/>
-        <p:nvPr/>
-      </p:nvGrpSpPr>
-      <p:grpSpPr>
-        <a:xfrm>
-          <a:off x="0" y="0"/>
-          <a:ext cx="0" cy="0"/>
-          <a:chOff x="0" y="0"/>
-          <a:chExt cx="0" cy="0"/>
-        </a:xfrm>
-      </p:grpSpPr>
-      <p:pic>
-        <p:nvPicPr>
-          <p:cNvPr id="5" name="Content Placeholder 4" descr="A screenshot of a cell phone&#10;&#10;Description automatically generated">
-            <a:extLst>
-              <a:ext uri="{FF2B5EF4-FFF2-40B4-BE49-F238E27FC236}">
-                <a16:creationId xmlns:a16="http://schemas.microsoft.com/office/drawing/2014/main" id="{ACB6B921-BA39-4484-9646-2F886E26AAEE}"/>
-              </a:ext>
-            </a:extLst>
-          </p:cNvPr>
-          <p:cNvPicPr>
-            <a:picLocks noGrp="1" noChangeAspect="1"/>
-          </p:cNvPicPr>
-          <p:nvPr>
-            <p:ph sz="half" idx="1"/>
-          </p:nvPr>
-        </p:nvPicPr>
-        <p:blipFill>
-          <a:blip r:embed="rId2"/>
-          <a:stretch>
-            <a:fillRect/>
-          </a:stretch>
-        </p:blipFill>
-        <p:spPr>
-          <a:xfrm>
-            <a:off x="464024" y="497710"/>
-            <a:ext cx="11245755" cy="5930385"/>
-          </a:xfrm>
-        </p:spPr>
-      </p:pic>
-    </p:spTree>
-    <p:extLst>
-      <p:ext uri="{BB962C8B-B14F-4D97-AF65-F5344CB8AC3E}">
-        <p14:creationId xmlns:p14="http://schemas.microsoft.com/office/powerpoint/2010/main" val="2645767347"/>
-      </p:ext>
-    </p:extLst>
-  </p:cSld>
-  <p:clrMapOvr>
-    <a:overrideClrMapping bg1="dk1" tx1="lt1" bg2="dk2" tx2="lt2" accent1="accent1" accent2="accent2" accent3="accent3" accent4="accent4" accent5="accent5" accent6="accent6" hlink="hlink" folHlink="folHlink"/>
-  </p:clrMapOvr>
-</p:sld>
-</file>
-
 <file path=ppt/slides/slide3.xml><?xml version="1.0" encoding="utf-8"?>
 <p:sld xmlns:a="http://schemas.openxmlformats.org/drawingml/2006/main" xmlns:r="http://schemas.openxmlformats.org/officeDocument/2006/relationships" xmlns:p="http://schemas.openxmlformats.org/presentationml/2006/main">
   <p:cSld>
@@ -36956,6 +35508,140 @@
       </p:grpSpPr>
       <p:pic>
         <p:nvPicPr>
+          <p:cNvPr id="9" name="Content Placeholder 8" descr="A screenshot of a cell phone&#10;&#10;Description automatically generated">
+            <a:extLst>
+              <a:ext uri="{FF2B5EF4-FFF2-40B4-BE49-F238E27FC236}">
+                <a16:creationId xmlns:a16="http://schemas.microsoft.com/office/drawing/2014/main" id="{E908C2F6-7DC7-4AFF-99E8-F20DBBAECF96}"/>
+              </a:ext>
+            </a:extLst>
+          </p:cNvPr>
+          <p:cNvPicPr>
+            <a:picLocks noGrp="1" noChangeAspect="1"/>
+          </p:cNvPicPr>
+          <p:nvPr>
+            <p:ph sz="half" idx="1"/>
+          </p:nvPr>
+        </p:nvPicPr>
+        <p:blipFill>
+          <a:blip r:embed="rId2"/>
+          <a:stretch>
+            <a:fillRect/>
+          </a:stretch>
+        </p:blipFill>
+        <p:spPr>
+          <a:xfrm>
+            <a:off x="436728" y="450376"/>
+            <a:ext cx="11368585" cy="5991367"/>
+          </a:xfrm>
+        </p:spPr>
+      </p:pic>
+    </p:spTree>
+    <p:extLst>
+      <p:ext uri="{BB962C8B-B14F-4D97-AF65-F5344CB8AC3E}">
+        <p14:creationId xmlns:p14="http://schemas.microsoft.com/office/powerpoint/2010/main" val="3803403563"/>
+      </p:ext>
+    </p:extLst>
+  </p:cSld>
+  <p:clrMapOvr>
+    <a:overrideClrMapping bg1="dk1" tx1="lt1" bg2="dk2" tx2="lt2" accent1="accent1" accent2="accent2" accent3="accent3" accent4="accent4" accent5="accent5" accent6="accent6" hlink="hlink" folHlink="folHlink"/>
+  </p:clrMapOvr>
+</p:sld>
+</file>
+
+<file path=ppt/slides/slide31.xml><?xml version="1.0" encoding="utf-8"?>
+<p:sld xmlns:a="http://schemas.openxmlformats.org/drawingml/2006/main" xmlns:r="http://schemas.openxmlformats.org/officeDocument/2006/relationships" xmlns:p="http://schemas.openxmlformats.org/presentationml/2006/main">
+  <p:cSld>
+    <p:bg>
+      <p:bgPr>
+        <a:solidFill>
+          <a:srgbClr val="17232A"/>
+        </a:solidFill>
+        <a:effectLst/>
+      </p:bgPr>
+    </p:bg>
+    <p:spTree>
+      <p:nvGrpSpPr>
+        <p:cNvPr id="1" name=""/>
+        <p:cNvGrpSpPr/>
+        <p:nvPr/>
+      </p:nvGrpSpPr>
+      <p:grpSpPr>
+        <a:xfrm>
+          <a:off x="0" y="0"/>
+          <a:ext cx="0" cy="0"/>
+          <a:chOff x="0" y="0"/>
+          <a:chExt cx="0" cy="0"/>
+        </a:xfrm>
+      </p:grpSpPr>
+      <p:pic>
+        <p:nvPicPr>
+          <p:cNvPr id="5" name="Content Placeholder 4" descr="A screenshot of a cell phone&#10;&#10;Description automatically generated">
+            <a:extLst>
+              <a:ext uri="{FF2B5EF4-FFF2-40B4-BE49-F238E27FC236}">
+                <a16:creationId xmlns:a16="http://schemas.microsoft.com/office/drawing/2014/main" id="{ACB6B921-BA39-4484-9646-2F886E26AAEE}"/>
+              </a:ext>
+            </a:extLst>
+          </p:cNvPr>
+          <p:cNvPicPr>
+            <a:picLocks noGrp="1" noChangeAspect="1"/>
+          </p:cNvPicPr>
+          <p:nvPr>
+            <p:ph sz="half" idx="1"/>
+          </p:nvPr>
+        </p:nvPicPr>
+        <p:blipFill>
+          <a:blip r:embed="rId2"/>
+          <a:stretch>
+            <a:fillRect/>
+          </a:stretch>
+        </p:blipFill>
+        <p:spPr>
+          <a:xfrm>
+            <a:off x="464024" y="497710"/>
+            <a:ext cx="11245755" cy="5930385"/>
+          </a:xfrm>
+        </p:spPr>
+      </p:pic>
+    </p:spTree>
+    <p:extLst>
+      <p:ext uri="{BB962C8B-B14F-4D97-AF65-F5344CB8AC3E}">
+        <p14:creationId xmlns:p14="http://schemas.microsoft.com/office/powerpoint/2010/main" val="2645767347"/>
+      </p:ext>
+    </p:extLst>
+  </p:cSld>
+  <p:clrMapOvr>
+    <a:overrideClrMapping bg1="dk1" tx1="lt1" bg2="dk2" tx2="lt2" accent1="accent1" accent2="accent2" accent3="accent3" accent4="accent4" accent5="accent5" accent6="accent6" hlink="hlink" folHlink="folHlink"/>
+  </p:clrMapOvr>
+</p:sld>
+</file>
+
+<file path=ppt/slides/slide32.xml><?xml version="1.0" encoding="utf-8"?>
+<p:sld xmlns:a="http://schemas.openxmlformats.org/drawingml/2006/main" xmlns:r="http://schemas.openxmlformats.org/officeDocument/2006/relationships" xmlns:p="http://schemas.openxmlformats.org/presentationml/2006/main">
+  <p:cSld>
+    <p:bg>
+      <p:bgPr>
+        <a:solidFill>
+          <a:srgbClr val="17232A"/>
+        </a:solidFill>
+        <a:effectLst/>
+      </p:bgPr>
+    </p:bg>
+    <p:spTree>
+      <p:nvGrpSpPr>
+        <p:cNvPr id="1" name=""/>
+        <p:cNvGrpSpPr/>
+        <p:nvPr/>
+      </p:nvGrpSpPr>
+      <p:grpSpPr>
+        <a:xfrm>
+          <a:off x="0" y="0"/>
+          <a:ext cx="0" cy="0"/>
+          <a:chOff x="0" y="0"/>
+          <a:chExt cx="0" cy="0"/>
+        </a:xfrm>
+      </p:grpSpPr>
+      <p:pic>
+        <p:nvPicPr>
           <p:cNvPr id="4" name="Content Placeholder 3" descr="A picture containing clock&#10;&#10;Description automatically generated">
             <a:extLst>
               <a:ext uri="{FF2B5EF4-FFF2-40B4-BE49-F238E27FC236}">
@@ -36996,7 +35682,7 @@
 </p:sld>
 </file>
 
-<file path=ppt/slides/slide31.xml><?xml version="1.0" encoding="utf-8"?>
+<file path=ppt/slides/slide33.xml><?xml version="1.0" encoding="utf-8"?>
 <p:sld xmlns:a="http://schemas.openxmlformats.org/drawingml/2006/main" xmlns:r="http://schemas.openxmlformats.org/officeDocument/2006/relationships" xmlns:p="http://schemas.openxmlformats.org/presentationml/2006/main">
   <p:cSld>
     <p:bg>
@@ -37063,7 +35749,7 @@
 </p:sld>
 </file>
 
-<file path=ppt/slides/slide32.xml><?xml version="1.0" encoding="utf-8"?>
+<file path=ppt/slides/slide34.xml><?xml version="1.0" encoding="utf-8"?>
 <p:sld xmlns:a="http://schemas.openxmlformats.org/drawingml/2006/main" xmlns:r="http://schemas.openxmlformats.org/officeDocument/2006/relationships" xmlns:p="http://schemas.openxmlformats.org/presentationml/2006/main">
   <p:cSld>
     <p:bg>
@@ -37130,7 +35816,7 @@
 </p:sld>
 </file>
 
-<file path=ppt/slides/slide33.xml><?xml version="1.0" encoding="utf-8"?>
+<file path=ppt/slides/slide35.xml><?xml version="1.0" encoding="utf-8"?>
 <p:sld xmlns:a="http://schemas.openxmlformats.org/drawingml/2006/main" xmlns:r="http://schemas.openxmlformats.org/officeDocument/2006/relationships" xmlns:p="http://schemas.openxmlformats.org/presentationml/2006/main">
   <p:cSld>
     <p:bg>
@@ -37235,7 +35921,7 @@
 </p:sld>
 </file>
 
-<file path=ppt/slides/slide34.xml><?xml version="1.0" encoding="utf-8"?>
+<file path=ppt/slides/slide36.xml><?xml version="1.0" encoding="utf-8"?>
 <p:sld xmlns:a="http://schemas.openxmlformats.org/drawingml/2006/main" xmlns:r="http://schemas.openxmlformats.org/officeDocument/2006/relationships" xmlns:p="http://schemas.openxmlformats.org/presentationml/2006/main">
   <p:cSld>
     <p:bg>
@@ -37407,7 +36093,324 @@
 </p:sld>
 </file>
 
-<file path=ppt/slides/slide35.xml><?xml version="1.0" encoding="utf-8"?>
+<file path=ppt/slides/slide37.xml><?xml version="1.0" encoding="utf-8"?>
+<p:sld xmlns:a="http://schemas.openxmlformats.org/drawingml/2006/main" xmlns:r="http://schemas.openxmlformats.org/officeDocument/2006/relationships" xmlns:p="http://schemas.openxmlformats.org/presentationml/2006/main">
+  <p:cSld>
+    <p:bg>
+      <p:bgPr>
+        <a:solidFill>
+          <a:schemeClr val="bg1"/>
+        </a:solidFill>
+        <a:effectLst/>
+      </p:bgPr>
+    </p:bg>
+    <p:spTree>
+      <p:nvGrpSpPr>
+        <p:cNvPr id="1" name=""/>
+        <p:cNvGrpSpPr/>
+        <p:nvPr/>
+      </p:nvGrpSpPr>
+      <p:grpSpPr>
+        <a:xfrm>
+          <a:off x="0" y="0"/>
+          <a:ext cx="0" cy="0"/>
+          <a:chOff x="0" y="0"/>
+          <a:chExt cx="0" cy="0"/>
+        </a:xfrm>
+      </p:grpSpPr>
+      <p:sp>
+        <p:nvSpPr>
+          <p:cNvPr id="5" name="Title 4">
+            <a:extLst>
+              <a:ext uri="{FF2B5EF4-FFF2-40B4-BE49-F238E27FC236}">
+                <a16:creationId xmlns:a16="http://schemas.microsoft.com/office/drawing/2014/main" id="{AA08A0B3-953E-44F5-8D4A-A3F2E75EDD6C}"/>
+              </a:ext>
+            </a:extLst>
+          </p:cNvPr>
+          <p:cNvSpPr>
+            <a:spLocks noGrp="1"/>
+          </p:cNvSpPr>
+          <p:nvPr>
+            <p:ph type="title"/>
+          </p:nvPr>
+        </p:nvSpPr>
+        <p:spPr>
+          <a:xfrm>
+            <a:off x="1181100" y="367969"/>
+            <a:ext cx="10058400" cy="817836"/>
+          </a:xfrm>
+        </p:spPr>
+        <p:txBody>
+          <a:bodyPr>
+            <a:normAutofit/>
+          </a:bodyPr>
+          <a:lstStyle/>
+          <a:p>
+            <a:pPr algn="ctr"/>
+            <a:r>
+              <a:rPr lang="en-US" dirty="0"/>
+              <a:t>Signage Options</a:t>
+            </a:r>
+          </a:p>
+        </p:txBody>
+      </p:sp>
+      <p:sp>
+        <p:nvSpPr>
+          <p:cNvPr id="2" name="Content Placeholder 1">
+            <a:extLst>
+              <a:ext uri="{FF2B5EF4-FFF2-40B4-BE49-F238E27FC236}">
+                <a16:creationId xmlns:a16="http://schemas.microsoft.com/office/drawing/2014/main" id="{79E447AD-F5C2-4130-9DC0-DE470DC63F89}"/>
+              </a:ext>
+            </a:extLst>
+          </p:cNvPr>
+          <p:cNvSpPr>
+            <a:spLocks noGrp="1"/>
+          </p:cNvSpPr>
+          <p:nvPr>
+            <p:ph idx="1"/>
+          </p:nvPr>
+        </p:nvSpPr>
+        <p:spPr>
+          <a:xfrm>
+            <a:off x="1181100" y="1185805"/>
+            <a:ext cx="10058400" cy="3148829"/>
+          </a:xfrm>
+        </p:spPr>
+        <p:txBody>
+          <a:bodyPr/>
+          <a:lstStyle/>
+          <a:p>
+            <a:pPr marL="0" indent="0">
+              <a:buNone/>
+            </a:pPr>
+            <a:r>
+              <a:rPr lang="en-US" sz="1400" dirty="0"/>
+              <a:t>The following images were obtained through web scraping of the website </a:t>
+            </a:r>
+            <a:r>
+              <a:rPr lang="en-US" sz="1400" dirty="0">
+                <a:hlinkClick r:id="rId3"/>
+              </a:rPr>
+              <a:t>Learner Driving Centres</a:t>
+            </a:r>
+            <a:r>
+              <a:rPr lang="en-US" sz="1400" dirty="0"/>
+              <a:t> which contains information  on road signs in the UK.</a:t>
+            </a:r>
+          </a:p>
+          <a:p>
+            <a:endParaRPr lang="en-US" dirty="0"/>
+          </a:p>
+        </p:txBody>
+      </p:sp>
+      <p:pic>
+        <p:nvPicPr>
+          <p:cNvPr id="13" name="Picture 12" descr="A screenshot of a cell phone&#10;&#10;Description automatically generated">
+            <a:extLst>
+              <a:ext uri="{FF2B5EF4-FFF2-40B4-BE49-F238E27FC236}">
+                <a16:creationId xmlns:a16="http://schemas.microsoft.com/office/drawing/2014/main" id="{FE0A41BD-3275-4273-B19A-CA2D5B1A82CA}"/>
+              </a:ext>
+            </a:extLst>
+          </p:cNvPr>
+          <p:cNvPicPr>
+            <a:picLocks noChangeAspect="1"/>
+          </p:cNvPicPr>
+          <p:nvPr/>
+        </p:nvPicPr>
+        <p:blipFill>
+          <a:blip r:embed="rId4"/>
+          <a:stretch>
+            <a:fillRect/>
+          </a:stretch>
+        </p:blipFill>
+        <p:spPr>
+          <a:xfrm>
+            <a:off x="6331852" y="4704270"/>
+            <a:ext cx="3964674" cy="1433049"/>
+          </a:xfrm>
+          <a:prstGeom prst="rect">
+            <a:avLst/>
+          </a:prstGeom>
+        </p:spPr>
+      </p:pic>
+      <p:pic>
+        <p:nvPicPr>
+          <p:cNvPr id="15" name="Picture 14" descr="A screenshot of a cell phone&#10;&#10;Description automatically generated">
+            <a:extLst>
+              <a:ext uri="{FF2B5EF4-FFF2-40B4-BE49-F238E27FC236}">
+                <a16:creationId xmlns:a16="http://schemas.microsoft.com/office/drawing/2014/main" id="{116CC2AB-F4CA-4AE1-8773-67B64D436DB9}"/>
+              </a:ext>
+            </a:extLst>
+          </p:cNvPr>
+          <p:cNvPicPr>
+            <a:picLocks noChangeAspect="1"/>
+          </p:cNvPicPr>
+          <p:nvPr/>
+        </p:nvPicPr>
+        <p:blipFill>
+          <a:blip r:embed="rId5"/>
+          <a:stretch>
+            <a:fillRect/>
+          </a:stretch>
+        </p:blipFill>
+        <p:spPr>
+          <a:xfrm>
+            <a:off x="1663444" y="2246870"/>
+            <a:ext cx="4196706" cy="3965062"/>
+          </a:xfrm>
+          <a:prstGeom prst="rect">
+            <a:avLst/>
+          </a:prstGeom>
+        </p:spPr>
+      </p:pic>
+      <p:pic>
+        <p:nvPicPr>
+          <p:cNvPr id="4" name="Picture 3" descr="A screenshot of a cell phone&#10;&#10;Description automatically generated">
+            <a:extLst>
+              <a:ext uri="{FF2B5EF4-FFF2-40B4-BE49-F238E27FC236}">
+                <a16:creationId xmlns:a16="http://schemas.microsoft.com/office/drawing/2014/main" id="{444E6C59-C605-4338-840D-E78001F724CE}"/>
+              </a:ext>
+            </a:extLst>
+          </p:cNvPr>
+          <p:cNvPicPr>
+            <a:picLocks noChangeAspect="1"/>
+          </p:cNvPicPr>
+          <p:nvPr/>
+        </p:nvPicPr>
+        <p:blipFill>
+          <a:blip r:embed="rId6"/>
+          <a:stretch>
+            <a:fillRect/>
+          </a:stretch>
+        </p:blipFill>
+        <p:spPr>
+          <a:xfrm>
+            <a:off x="6429547" y="2295999"/>
+            <a:ext cx="3686689" cy="2038635"/>
+          </a:xfrm>
+          <a:prstGeom prst="rect">
+            <a:avLst/>
+          </a:prstGeom>
+        </p:spPr>
+      </p:pic>
+    </p:spTree>
+    <p:extLst>
+      <p:ext uri="{BB962C8B-B14F-4D97-AF65-F5344CB8AC3E}">
+        <p14:creationId xmlns:p14="http://schemas.microsoft.com/office/powerpoint/2010/main" val="3205107672"/>
+      </p:ext>
+    </p:extLst>
+  </p:cSld>
+  <p:clrMapOvr>
+    <a:overrideClrMapping bg1="dk1" tx1="lt1" bg2="dk2" tx2="lt2" accent1="accent1" accent2="accent2" accent3="accent3" accent4="accent4" accent5="accent5" accent6="accent6" hlink="hlink" folHlink="folHlink"/>
+  </p:clrMapOvr>
+</p:sld>
+</file>
+
+<file path=ppt/slides/slide38.xml><?xml version="1.0" encoding="utf-8"?>
+<p:sld xmlns:a="http://schemas.openxmlformats.org/drawingml/2006/main" xmlns:r="http://schemas.openxmlformats.org/officeDocument/2006/relationships" xmlns:p="http://schemas.openxmlformats.org/presentationml/2006/main">
+  <p:cSld>
+    <p:bg>
+      <p:bgPr>
+        <a:solidFill>
+          <a:schemeClr val="bg1"/>
+        </a:solidFill>
+        <a:effectLst/>
+      </p:bgPr>
+    </p:bg>
+    <p:spTree>
+      <p:nvGrpSpPr>
+        <p:cNvPr id="1" name=""/>
+        <p:cNvGrpSpPr/>
+        <p:nvPr/>
+      </p:nvGrpSpPr>
+      <p:grpSpPr>
+        <a:xfrm>
+          <a:off x="0" y="0"/>
+          <a:ext cx="0" cy="0"/>
+          <a:chOff x="0" y="0"/>
+          <a:chExt cx="0" cy="0"/>
+        </a:xfrm>
+      </p:grpSpPr>
+      <mc:AlternateContent xmlns:mc="http://schemas.openxmlformats.org/markup-compatibility/2006">
+        <mc:Choice xmlns:we="http://schemas.microsoft.com/office/webextensions/webextension/2010/11" xmlns:pca="http://schemas.microsoft.com/office/powerpoint/2013/contentapp" Requires="we pca">
+          <p:graphicFrame>
+            <p:nvGraphicFramePr>
+              <p:cNvPr id="2" name="Add-in 1" title="Web Viewer">
+                <a:extLst>
+                  <a:ext uri="{FF2B5EF4-FFF2-40B4-BE49-F238E27FC236}">
+                    <a16:creationId xmlns:a16="http://schemas.microsoft.com/office/drawing/2014/main" id="{A8146083-70DF-47DB-84AC-B6D0786E99D6}"/>
+                  </a:ext>
+                </a:extLst>
+              </p:cNvPr>
+              <p:cNvGraphicFramePr>
+                <a:graphicFrameLocks noGrp="1"/>
+              </p:cNvGraphicFramePr>
+              <p:nvPr>
+                <p:extLst>
+                  <p:ext uri="{D42A27DB-BD31-4B8C-83A1-F6EECF244321}">
+                    <p14:modId xmlns:p14="http://schemas.microsoft.com/office/powerpoint/2010/main" val="3800854710"/>
+                  </p:ext>
+                </p:extLst>
+              </p:nvPr>
+            </p:nvGraphicFramePr>
+            <p:xfrm>
+              <a:off x="409074" y="425116"/>
+              <a:ext cx="11373852" cy="6063916"/>
+            </p:xfrm>
+            <a:graphic>
+              <a:graphicData uri="http://schemas.microsoft.com/office/webextensions/webextension/2010/11">
+                <we:webextensionref xmlns:we="http://schemas.microsoft.com/office/webextensions/webextension/2010/11" xmlns:r="http://schemas.openxmlformats.org/officeDocument/2006/relationships" r:id="rId2"/>
+              </a:graphicData>
+            </a:graphic>
+          </p:graphicFrame>
+        </mc:Choice>
+        <mc:Fallback>
+          <p:pic>
+            <p:nvPicPr>
+              <p:cNvPr id="2" name="Add-in 1" title="Web Viewer">
+                <a:extLst>
+                  <a:ext uri="{FF2B5EF4-FFF2-40B4-BE49-F238E27FC236}">
+                    <a16:creationId xmlns:a16="http://schemas.microsoft.com/office/drawing/2014/main" id="{A8146083-70DF-47DB-84AC-B6D0786E99D6}"/>
+                  </a:ext>
+                </a:extLst>
+              </p:cNvPr>
+              <p:cNvPicPr>
+                <a:picLocks noGrp="1" noRot="1" noChangeAspect="1" noMove="1" noResize="1" noEditPoints="1" noAdjustHandles="1" noChangeArrowheads="1" noChangeShapeType="1"/>
+              </p:cNvPicPr>
+              <p:nvPr/>
+            </p:nvPicPr>
+            <p:blipFill>
+              <a:blip r:embed="rId3"/>
+              <a:stretch>
+                <a:fillRect/>
+              </a:stretch>
+            </p:blipFill>
+            <p:spPr>
+              <a:xfrm>
+                <a:off x="409074" y="425116"/>
+                <a:ext cx="11373852" cy="6063916"/>
+              </a:xfrm>
+              <a:prstGeom prst="rect">
+                <a:avLst/>
+              </a:prstGeom>
+            </p:spPr>
+          </p:pic>
+        </mc:Fallback>
+      </mc:AlternateContent>
+    </p:spTree>
+    <p:extLst>
+      <p:ext uri="{BB962C8B-B14F-4D97-AF65-F5344CB8AC3E}">
+        <p14:creationId xmlns:p14="http://schemas.microsoft.com/office/powerpoint/2010/main" val="309615019"/>
+      </p:ext>
+    </p:extLst>
+  </p:cSld>
+  <p:clrMapOvr>
+    <a:overrideClrMapping bg1="dk1" tx1="lt1" bg2="dk2" tx2="lt2" accent1="accent1" accent2="accent2" accent3="accent3" accent4="accent4" accent5="accent5" accent6="accent6" hlink="hlink" folHlink="folHlink"/>
+  </p:clrMapOvr>
+</p:sld>
+</file>
+
+<file path=ppt/slides/slide39.xml><?xml version="1.0" encoding="utf-8"?>
 <p:sld xmlns:a="http://schemas.openxmlformats.org/drawingml/2006/main" xmlns:r="http://schemas.openxmlformats.org/officeDocument/2006/relationships" xmlns:p="http://schemas.openxmlformats.org/presentationml/2006/main">
   <p:cSld>
     <p:bg>
@@ -37498,76 +36501,77 @@
           <a:p>
             <a:r>
               <a:rPr lang="en-US" dirty="0"/>
-              <a:t>For machine learning, decision tree and ensemble methods through sklearn, and other modules, will be used, and from them, the best performing method will be implemented. </a:t>
+              <a:t>The data in this dataset is extremely imbalanced for what we are trying to predict. We resampled the data as undersampling, where we reduce the number of majority (Not Serious Accidents) samples</a:t>
             </a:r>
+          </a:p>
+          <a:p>
+            <a:endParaRPr lang="en-US" dirty="0"/>
           </a:p>
           <a:p>
             <a:r>
               <a:rPr lang="en-US" dirty="0"/>
-              <a:t>The methods tested were:</a:t>
+              <a:t>The machine learning classifier algorithms that we are going to use are as follows:  </a:t>
             </a:r>
           </a:p>
           <a:p>
             <a:pPr lvl="1"/>
             <a:r>
               <a:rPr lang="en-US" dirty="0"/>
-              <a:t>Decision Tree</a:t>
+              <a:t>Bagging Classifier (sklearn)  </a:t>
             </a:r>
           </a:p>
           <a:p>
             <a:pPr lvl="1"/>
             <a:r>
               <a:rPr lang="en-US" dirty="0"/>
-              <a:t>Extra Trees</a:t>
+              <a:t>AdaBoost Classifier (sklearn)  </a:t>
             </a:r>
           </a:p>
           <a:p>
             <a:pPr lvl="1"/>
             <a:r>
               <a:rPr lang="en-US" dirty="0"/>
-              <a:t>Random Forest</a:t>
+              <a:t>Random Forest Classifier (sklearn)  </a:t>
             </a:r>
           </a:p>
           <a:p>
             <a:pPr lvl="1"/>
             <a:r>
               <a:rPr lang="en-US" dirty="0"/>
-              <a:t>Bagging</a:t>
+              <a:t>LightGBM Classifier (LightGBM)  </a:t>
             </a:r>
           </a:p>
           <a:p>
             <a:pPr lvl="1"/>
             <a:r>
               <a:rPr lang="en-US" dirty="0"/>
-              <a:t>AdaBoost</a:t>
+              <a:t>XGBoost Classifier (xgboost)  </a:t>
             </a:r>
           </a:p>
           <a:p>
             <a:pPr lvl="1"/>
             <a:r>
               <a:rPr lang="en-US" dirty="0"/>
-              <a:t>Gradient Boost</a:t>
+              <a:t>Balanced Bagging Classifier(imblearn)  </a:t>
             </a:r>
           </a:p>
           <a:p>
             <a:pPr lvl="1"/>
             <a:r>
               <a:rPr lang="en-US" dirty="0"/>
-              <a:t>XGBoost</a:t>
+              <a:t>Easy Ensemble Classifier (imblearn) </a:t>
             </a:r>
           </a:p>
           <a:p>
             <a:pPr lvl="1"/>
             <a:r>
               <a:rPr lang="en-US" dirty="0"/>
-              <a:t>Light GBM</a:t>
+              <a:t>Balanced Random Forest Classifier (imblearn)</a:t>
             </a:r>
           </a:p>
           <a:p>
-            <a:r>
-              <a:rPr lang="en-US" dirty="0"/>
-              <a:t>The attributes to be considered in order to determine the best learning method include accuracy, F1, Precision, Recall, and Cross Validation Scores, Over/Underfitting, and training time.</a:t>
-            </a:r>
+            <a:pPr lvl="1"/>
+            <a:endParaRPr lang="en-US" dirty="0"/>
           </a:p>
         </p:txBody>
       </p:sp>
@@ -37584,7 +36588,418 @@
 </p:sld>
 </file>
 
-<file path=ppt/slides/slide36.xml><?xml version="1.0" encoding="utf-8"?>
+<file path=ppt/slides/slide4.xml><?xml version="1.0" encoding="utf-8"?>
+<p:sld xmlns:a="http://schemas.openxmlformats.org/drawingml/2006/main" xmlns:r="http://schemas.openxmlformats.org/officeDocument/2006/relationships" xmlns:p="http://schemas.openxmlformats.org/presentationml/2006/main">
+  <p:cSld>
+    <p:bg>
+      <p:bgPr>
+        <a:solidFill>
+          <a:schemeClr val="bg1"/>
+        </a:solidFill>
+        <a:effectLst/>
+      </p:bgPr>
+    </p:bg>
+    <p:spTree>
+      <p:nvGrpSpPr>
+        <p:cNvPr id="1" name=""/>
+        <p:cNvGrpSpPr/>
+        <p:nvPr/>
+      </p:nvGrpSpPr>
+      <p:grpSpPr>
+        <a:xfrm>
+          <a:off x="0" y="0"/>
+          <a:ext cx="0" cy="0"/>
+          <a:chOff x="0" y="0"/>
+          <a:chExt cx="0" cy="0"/>
+        </a:xfrm>
+      </p:grpSpPr>
+      <p:sp>
+        <p:nvSpPr>
+          <p:cNvPr id="2" name="Title 1">
+            <a:extLst>
+              <a:ext uri="{FF2B5EF4-FFF2-40B4-BE49-F238E27FC236}">
+                <a16:creationId xmlns:a16="http://schemas.microsoft.com/office/drawing/2014/main" id="{143EAAB9-59B6-4659-A247-60A1FEF92E7C}"/>
+              </a:ext>
+            </a:extLst>
+          </p:cNvPr>
+          <p:cNvSpPr>
+            <a:spLocks noGrp="1"/>
+          </p:cNvSpPr>
+          <p:nvPr>
+            <p:ph type="title"/>
+          </p:nvPr>
+        </p:nvSpPr>
+        <p:spPr>
+          <a:xfrm>
+            <a:off x="1066800" y="642594"/>
+            <a:ext cx="10058400" cy="1371600"/>
+          </a:xfrm>
+        </p:spPr>
+        <p:txBody>
+          <a:bodyPr>
+            <a:normAutofit/>
+          </a:bodyPr>
+          <a:lstStyle/>
+          <a:p>
+            <a:pPr algn="ctr"/>
+            <a:r>
+              <a:rPr lang="en-US" dirty="0"/>
+              <a:t>Agenda</a:t>
+            </a:r>
+          </a:p>
+        </p:txBody>
+      </p:sp>
+      <p:graphicFrame>
+        <p:nvGraphicFramePr>
+          <p:cNvPr id="12" name="Content Placeholder 2">
+            <a:extLst>
+              <a:ext uri="{FF2B5EF4-FFF2-40B4-BE49-F238E27FC236}">
+                <a16:creationId xmlns:a16="http://schemas.microsoft.com/office/drawing/2014/main" id="{1083753C-4043-475E-BE81-A2A85F1F3FA2}"/>
+              </a:ext>
+            </a:extLst>
+          </p:cNvPr>
+          <p:cNvGraphicFramePr>
+            <a:graphicFrameLocks noGrp="1"/>
+          </p:cNvGraphicFramePr>
+          <p:nvPr>
+            <p:ph idx="1"/>
+            <p:extLst>
+              <p:ext uri="{D42A27DB-BD31-4B8C-83A1-F6EECF244321}">
+                <p14:modId xmlns:p14="http://schemas.microsoft.com/office/powerpoint/2010/main" val="2303361362"/>
+              </p:ext>
+            </p:extLst>
+          </p:nvPr>
+        </p:nvGraphicFramePr>
+        <p:xfrm>
+          <a:off x="1066800" y="2310063"/>
+          <a:ext cx="10058400" cy="3725612"/>
+        </p:xfrm>
+        <a:graphic>
+          <a:graphicData uri="http://schemas.openxmlformats.org/drawingml/2006/diagram">
+            <dgm:relIds xmlns:dgm="http://schemas.openxmlformats.org/drawingml/2006/diagram" xmlns:r="http://schemas.openxmlformats.org/officeDocument/2006/relationships" r:dm="rId2" r:lo="rId3" r:qs="rId4" r:cs="rId5"/>
+          </a:graphicData>
+        </a:graphic>
+      </p:graphicFrame>
+    </p:spTree>
+    <p:extLst>
+      <p:ext uri="{BB962C8B-B14F-4D97-AF65-F5344CB8AC3E}">
+        <p14:creationId xmlns:p14="http://schemas.microsoft.com/office/powerpoint/2010/main" val="197820216"/>
+      </p:ext>
+    </p:extLst>
+  </p:cSld>
+  <p:clrMapOvr>
+    <a:overrideClrMapping bg1="dk1" tx1="lt1" bg2="dk2" tx2="lt2" accent1="accent1" accent2="accent2" accent3="accent3" accent4="accent4" accent5="accent5" accent6="accent6" hlink="hlink" folHlink="folHlink"/>
+  </p:clrMapOvr>
+</p:sld>
+</file>
+
+<file path=ppt/slides/slide40.xml><?xml version="1.0" encoding="utf-8"?>
+<p:sld xmlns:a="http://schemas.openxmlformats.org/drawingml/2006/main" xmlns:r="http://schemas.openxmlformats.org/officeDocument/2006/relationships" xmlns:p="http://schemas.openxmlformats.org/presentationml/2006/main">
+  <p:cSld>
+    <p:bg>
+      <p:bgPr>
+        <a:solidFill>
+          <a:schemeClr val="bg1"/>
+        </a:solidFill>
+        <a:effectLst/>
+      </p:bgPr>
+    </p:bg>
+    <p:spTree>
+      <p:nvGrpSpPr>
+        <p:cNvPr id="1" name=""/>
+        <p:cNvGrpSpPr/>
+        <p:nvPr/>
+      </p:nvGrpSpPr>
+      <p:grpSpPr>
+        <a:xfrm>
+          <a:off x="0" y="0"/>
+          <a:ext cx="0" cy="0"/>
+          <a:chOff x="0" y="0"/>
+          <a:chExt cx="0" cy="0"/>
+        </a:xfrm>
+      </p:grpSpPr>
+      <mc:AlternateContent xmlns:mc="http://schemas.openxmlformats.org/markup-compatibility/2006">
+        <mc:Choice xmlns:we="http://schemas.microsoft.com/office/webextensions/webextension/2010/11" xmlns:pca="http://schemas.microsoft.com/office/powerpoint/2013/contentapp" Requires="we pca">
+          <p:graphicFrame>
+            <p:nvGraphicFramePr>
+              <p:cNvPr id="3" name="Add-in 2" title="Web Viewer">
+                <a:extLst>
+                  <a:ext uri="{FF2B5EF4-FFF2-40B4-BE49-F238E27FC236}">
+                    <a16:creationId xmlns:a16="http://schemas.microsoft.com/office/drawing/2014/main" id="{A0CAB476-4AEF-4BC0-A1AF-5EF0B8C38FCD}"/>
+                  </a:ext>
+                </a:extLst>
+              </p:cNvPr>
+              <p:cNvGraphicFramePr>
+                <a:graphicFrameLocks noGrp="1"/>
+              </p:cNvGraphicFramePr>
+              <p:nvPr>
+                <p:extLst>
+                  <p:ext uri="{D42A27DB-BD31-4B8C-83A1-F6EECF244321}">
+                    <p14:modId xmlns:p14="http://schemas.microsoft.com/office/powerpoint/2010/main" val="1497880243"/>
+                  </p:ext>
+                </p:extLst>
+              </p:nvPr>
+            </p:nvGraphicFramePr>
+            <p:xfrm>
+              <a:off x="457200" y="521369"/>
+              <a:ext cx="11093116" cy="5823284"/>
+            </p:xfrm>
+            <a:graphic>
+              <a:graphicData uri="http://schemas.microsoft.com/office/webextensions/webextension/2010/11">
+                <we:webextensionref xmlns:we="http://schemas.microsoft.com/office/webextensions/webextension/2010/11" xmlns:r="http://schemas.openxmlformats.org/officeDocument/2006/relationships" r:id="rId3"/>
+              </a:graphicData>
+            </a:graphic>
+          </p:graphicFrame>
+        </mc:Choice>
+        <mc:Fallback>
+          <p:pic>
+            <p:nvPicPr>
+              <p:cNvPr id="3" name="Add-in 2" title="Web Viewer">
+                <a:extLst>
+                  <a:ext uri="{FF2B5EF4-FFF2-40B4-BE49-F238E27FC236}">
+                    <a16:creationId xmlns:a16="http://schemas.microsoft.com/office/drawing/2014/main" id="{A0CAB476-4AEF-4BC0-A1AF-5EF0B8C38FCD}"/>
+                  </a:ext>
+                </a:extLst>
+              </p:cNvPr>
+              <p:cNvPicPr>
+                <a:picLocks noGrp="1" noRot="1" noChangeAspect="1" noMove="1" noResize="1" noEditPoints="1" noAdjustHandles="1" noChangeArrowheads="1" noChangeShapeType="1"/>
+              </p:cNvPicPr>
+              <p:nvPr/>
+            </p:nvPicPr>
+            <p:blipFill>
+              <a:blip r:embed="rId4"/>
+              <a:stretch>
+                <a:fillRect/>
+              </a:stretch>
+            </p:blipFill>
+            <p:spPr>
+              <a:xfrm>
+                <a:off x="457200" y="521369"/>
+                <a:ext cx="11093116" cy="5823284"/>
+              </a:xfrm>
+              <a:prstGeom prst="rect">
+                <a:avLst/>
+              </a:prstGeom>
+            </p:spPr>
+          </p:pic>
+        </mc:Fallback>
+      </mc:AlternateContent>
+    </p:spTree>
+    <p:extLst>
+      <p:ext uri="{BB962C8B-B14F-4D97-AF65-F5344CB8AC3E}">
+        <p14:creationId xmlns:p14="http://schemas.microsoft.com/office/powerpoint/2010/main" val="3421202065"/>
+      </p:ext>
+    </p:extLst>
+  </p:cSld>
+  <p:clrMapOvr>
+    <a:overrideClrMapping bg1="dk1" tx1="lt1" bg2="dk2" tx2="lt2" accent1="accent1" accent2="accent2" accent3="accent3" accent4="accent4" accent5="accent5" accent6="accent6" hlink="hlink" folHlink="folHlink"/>
+  </p:clrMapOvr>
+</p:sld>
+</file>
+
+<file path=ppt/slides/slide41.xml><?xml version="1.0" encoding="utf-8"?>
+<p:sld xmlns:a="http://schemas.openxmlformats.org/drawingml/2006/main" xmlns:r="http://schemas.openxmlformats.org/officeDocument/2006/relationships" xmlns:p="http://schemas.openxmlformats.org/presentationml/2006/main">
+  <p:cSld>
+    <p:bg>
+      <p:bgPr>
+        <a:solidFill>
+          <a:schemeClr val="bg1"/>
+        </a:solidFill>
+        <a:effectLst/>
+      </p:bgPr>
+    </p:bg>
+    <p:spTree>
+      <p:nvGrpSpPr>
+        <p:cNvPr id="1" name=""/>
+        <p:cNvGrpSpPr/>
+        <p:nvPr/>
+      </p:nvGrpSpPr>
+      <p:grpSpPr>
+        <a:xfrm>
+          <a:off x="0" y="0"/>
+          <a:ext cx="0" cy="0"/>
+          <a:chOff x="0" y="0"/>
+          <a:chExt cx="0" cy="0"/>
+        </a:xfrm>
+      </p:grpSpPr>
+      <mc:AlternateContent xmlns:mc="http://schemas.openxmlformats.org/markup-compatibility/2006">
+        <mc:Choice xmlns:we="http://schemas.microsoft.com/office/webextensions/webextension/2010/11" xmlns:pca="http://schemas.microsoft.com/office/powerpoint/2013/contentapp" Requires="we pca">
+          <p:graphicFrame>
+            <p:nvGraphicFramePr>
+              <p:cNvPr id="6" name="Add-in 5" title="Web Viewer">
+                <a:extLst>
+                  <a:ext uri="{FF2B5EF4-FFF2-40B4-BE49-F238E27FC236}">
+                    <a16:creationId xmlns:a16="http://schemas.microsoft.com/office/drawing/2014/main" id="{E0F8C87F-DC03-44B2-B1E7-909A26C331A7}"/>
+                  </a:ext>
+                </a:extLst>
+              </p:cNvPr>
+              <p:cNvGraphicFramePr>
+                <a:graphicFrameLocks noGrp="1"/>
+              </p:cNvGraphicFramePr>
+              <p:nvPr>
+                <p:extLst>
+                  <p:ext uri="{D42A27DB-BD31-4B8C-83A1-F6EECF244321}">
+                    <p14:modId xmlns:p14="http://schemas.microsoft.com/office/powerpoint/2010/main" val="4106037418"/>
+                  </p:ext>
+                </p:extLst>
+              </p:nvPr>
+            </p:nvGraphicFramePr>
+            <p:xfrm>
+              <a:off x="521369" y="481262"/>
+              <a:ext cx="11205410" cy="5935579"/>
+            </p:xfrm>
+            <a:graphic>
+              <a:graphicData uri="http://schemas.microsoft.com/office/webextensions/webextension/2010/11">
+                <we:webextensionref xmlns:we="http://schemas.microsoft.com/office/webextensions/webextension/2010/11" xmlns:r="http://schemas.openxmlformats.org/officeDocument/2006/relationships" r:id="rId3"/>
+              </a:graphicData>
+            </a:graphic>
+          </p:graphicFrame>
+        </mc:Choice>
+        <mc:Fallback>
+          <p:pic>
+            <p:nvPicPr>
+              <p:cNvPr id="6" name="Add-in 5" title="Web Viewer">
+                <a:extLst>
+                  <a:ext uri="{FF2B5EF4-FFF2-40B4-BE49-F238E27FC236}">
+                    <a16:creationId xmlns:a16="http://schemas.microsoft.com/office/drawing/2014/main" id="{E0F8C87F-DC03-44B2-B1E7-909A26C331A7}"/>
+                  </a:ext>
+                </a:extLst>
+              </p:cNvPr>
+              <p:cNvPicPr>
+                <a:picLocks noGrp="1" noRot="1" noChangeAspect="1" noMove="1" noResize="1" noEditPoints="1" noAdjustHandles="1" noChangeArrowheads="1" noChangeShapeType="1"/>
+              </p:cNvPicPr>
+              <p:nvPr/>
+            </p:nvPicPr>
+            <p:blipFill>
+              <a:blip r:embed="rId4"/>
+              <a:stretch>
+                <a:fillRect/>
+              </a:stretch>
+            </p:blipFill>
+            <p:spPr>
+              <a:xfrm>
+                <a:off x="521369" y="481262"/>
+                <a:ext cx="11205410" cy="5935579"/>
+              </a:xfrm>
+              <a:prstGeom prst="rect">
+                <a:avLst/>
+              </a:prstGeom>
+            </p:spPr>
+          </p:pic>
+        </mc:Fallback>
+      </mc:AlternateContent>
+    </p:spTree>
+    <p:extLst>
+      <p:ext uri="{BB962C8B-B14F-4D97-AF65-F5344CB8AC3E}">
+        <p14:creationId xmlns:p14="http://schemas.microsoft.com/office/powerpoint/2010/main" val="491268935"/>
+      </p:ext>
+    </p:extLst>
+  </p:cSld>
+  <p:clrMapOvr>
+    <a:overrideClrMapping bg1="dk1" tx1="lt1" bg2="dk2" tx2="lt2" accent1="accent1" accent2="accent2" accent3="accent3" accent4="accent4" accent5="accent5" accent6="accent6" hlink="hlink" folHlink="folHlink"/>
+  </p:clrMapOvr>
+</p:sld>
+</file>
+
+<file path=ppt/slides/slide42.xml><?xml version="1.0" encoding="utf-8"?>
+<p:sld xmlns:a="http://schemas.openxmlformats.org/drawingml/2006/main" xmlns:r="http://schemas.openxmlformats.org/officeDocument/2006/relationships" xmlns:p="http://schemas.openxmlformats.org/presentationml/2006/main">
+  <p:cSld>
+    <p:bg>
+      <p:bgPr>
+        <a:solidFill>
+          <a:schemeClr val="bg1"/>
+        </a:solidFill>
+        <a:effectLst/>
+      </p:bgPr>
+    </p:bg>
+    <p:spTree>
+      <p:nvGrpSpPr>
+        <p:cNvPr id="1" name=""/>
+        <p:cNvGrpSpPr/>
+        <p:nvPr/>
+      </p:nvGrpSpPr>
+      <p:grpSpPr>
+        <a:xfrm>
+          <a:off x="0" y="0"/>
+          <a:ext cx="0" cy="0"/>
+          <a:chOff x="0" y="0"/>
+          <a:chExt cx="0" cy="0"/>
+        </a:xfrm>
+      </p:grpSpPr>
+      <mc:AlternateContent xmlns:mc="http://schemas.openxmlformats.org/markup-compatibility/2006">
+        <mc:Choice xmlns:we="http://schemas.microsoft.com/office/webextensions/webextension/2010/11" xmlns:pca="http://schemas.microsoft.com/office/powerpoint/2013/contentapp" Requires="we pca">
+          <p:graphicFrame>
+            <p:nvGraphicFramePr>
+              <p:cNvPr id="6" name="Add-in 5" title="Web Viewer">
+                <a:extLst>
+                  <a:ext uri="{FF2B5EF4-FFF2-40B4-BE49-F238E27FC236}">
+                    <a16:creationId xmlns:a16="http://schemas.microsoft.com/office/drawing/2014/main" id="{E0F8C87F-DC03-44B2-B1E7-909A26C331A7}"/>
+                  </a:ext>
+                </a:extLst>
+              </p:cNvPr>
+              <p:cNvGraphicFramePr>
+                <a:graphicFrameLocks noGrp="1"/>
+              </p:cNvGraphicFramePr>
+              <p:nvPr/>
+            </p:nvGraphicFramePr>
+            <p:xfrm>
+              <a:off x="521369" y="481262"/>
+              <a:ext cx="11205410" cy="5935579"/>
+            </p:xfrm>
+            <a:graphic>
+              <a:graphicData uri="http://schemas.microsoft.com/office/webextensions/webextension/2010/11">
+                <we:webextensionref xmlns:we="http://schemas.microsoft.com/office/webextensions/webextension/2010/11" xmlns:r="http://schemas.openxmlformats.org/officeDocument/2006/relationships" r:id="rId3"/>
+              </a:graphicData>
+            </a:graphic>
+          </p:graphicFrame>
+        </mc:Choice>
+        <mc:Fallback>
+          <p:pic>
+            <p:nvPicPr>
+              <p:cNvPr id="6" name="Add-in 5" title="Web Viewer">
+                <a:extLst>
+                  <a:ext uri="{FF2B5EF4-FFF2-40B4-BE49-F238E27FC236}">
+                    <a16:creationId xmlns:a16="http://schemas.microsoft.com/office/drawing/2014/main" id="{E0F8C87F-DC03-44B2-B1E7-909A26C331A7}"/>
+                  </a:ext>
+                </a:extLst>
+              </p:cNvPr>
+              <p:cNvPicPr>
+                <a:picLocks noGrp="1" noRot="1" noChangeAspect="1" noMove="1" noResize="1" noEditPoints="1" noAdjustHandles="1" noChangeArrowheads="1" noChangeShapeType="1"/>
+              </p:cNvPicPr>
+              <p:nvPr/>
+            </p:nvPicPr>
+            <p:blipFill>
+              <a:blip r:embed="rId4"/>
+              <a:stretch>
+                <a:fillRect/>
+              </a:stretch>
+            </p:blipFill>
+            <p:spPr>
+              <a:xfrm>
+                <a:off x="521369" y="481262"/>
+                <a:ext cx="11205410" cy="5935579"/>
+              </a:xfrm>
+              <a:prstGeom prst="rect">
+                <a:avLst/>
+              </a:prstGeom>
+            </p:spPr>
+          </p:pic>
+        </mc:Fallback>
+      </mc:AlternateContent>
+    </p:spTree>
+    <p:extLst>
+      <p:ext uri="{BB962C8B-B14F-4D97-AF65-F5344CB8AC3E}">
+        <p14:creationId xmlns:p14="http://schemas.microsoft.com/office/powerpoint/2010/main" val="570136996"/>
+      </p:ext>
+    </p:extLst>
+  </p:cSld>
+  <p:clrMapOvr>
+    <a:overrideClrMapping bg1="dk1" tx1="lt1" bg2="dk2" tx2="lt2" accent1="accent1" accent2="accent2" accent3="accent3" accent4="accent4" accent5="accent5" accent6="accent6" hlink="hlink" folHlink="folHlink"/>
+  </p:clrMapOvr>
+</p:sld>
+</file>
+
+<file path=ppt/slides/slide43.xml><?xml version="1.0" encoding="utf-8"?>
 <p:sld xmlns:a="http://schemas.openxmlformats.org/drawingml/2006/main" xmlns:r="http://schemas.openxmlformats.org/officeDocument/2006/relationships" xmlns:p="http://schemas.openxmlformats.org/presentationml/2006/main">
   <p:cSld>
     <p:bg>
@@ -37639,219 +37054,10 @@
           <a:p>
             <a:pPr algn="ctr"/>
             <a:r>
-              <a:rPr lang="en-US" dirty="0"/>
-              <a:t>Best Performers</a:t>
+              <a:rPr lang="en-US" b="1" dirty="0"/>
+              <a:t>Balanced Bagging Classifier</a:t>
             </a:r>
-          </a:p>
-        </p:txBody>
-      </p:sp>
-      <p:graphicFrame>
-        <p:nvGraphicFramePr>
-          <p:cNvPr id="10" name="Content Placeholder 9">
-            <a:extLst>
-              <a:ext uri="{FF2B5EF4-FFF2-40B4-BE49-F238E27FC236}">
-                <a16:creationId xmlns:a16="http://schemas.microsoft.com/office/drawing/2014/main" id="{D98445A4-A96C-48EE-9562-D23C3508F2A4}"/>
-              </a:ext>
-            </a:extLst>
-          </p:cNvPr>
-          <p:cNvGraphicFramePr>
-            <a:graphicFrameLocks noGrp="1"/>
-          </p:cNvGraphicFramePr>
-          <p:nvPr>
-            <p:ph idx="1"/>
-            <p:extLst>
-              <p:ext uri="{D42A27DB-BD31-4B8C-83A1-F6EECF244321}">
-                <p14:modId xmlns:p14="http://schemas.microsoft.com/office/powerpoint/2010/main" val="1769695817"/>
-              </p:ext>
-            </p:extLst>
-          </p:nvPr>
-        </p:nvGraphicFramePr>
-        <p:xfrm>
-          <a:off x="1066800" y="2103438"/>
-          <a:ext cx="10058400" cy="3849687"/>
-        </p:xfrm>
-        <a:graphic>
-          <a:graphicData uri="http://schemas.openxmlformats.org/drawingml/2006/chart">
-            <c:chart xmlns:c="http://schemas.openxmlformats.org/drawingml/2006/chart" xmlns:r="http://schemas.openxmlformats.org/officeDocument/2006/relationships" r:id="rId3"/>
-          </a:graphicData>
-        </a:graphic>
-      </p:graphicFrame>
-    </p:spTree>
-    <p:extLst>
-      <p:ext uri="{BB962C8B-B14F-4D97-AF65-F5344CB8AC3E}">
-        <p14:creationId xmlns:p14="http://schemas.microsoft.com/office/powerpoint/2010/main" val="3421202065"/>
-      </p:ext>
-    </p:extLst>
-  </p:cSld>
-  <p:clrMapOvr>
-    <a:overrideClrMapping bg1="dk1" tx1="lt1" bg2="dk2" tx2="lt2" accent1="accent1" accent2="accent2" accent3="accent3" accent4="accent4" accent5="accent5" accent6="accent6" hlink="hlink" folHlink="folHlink"/>
-  </p:clrMapOvr>
-</p:sld>
-</file>
-
-<file path=ppt/slides/slide37.xml><?xml version="1.0" encoding="utf-8"?>
-<p:sld xmlns:a="http://schemas.openxmlformats.org/drawingml/2006/main" xmlns:r="http://schemas.openxmlformats.org/officeDocument/2006/relationships" xmlns:p="http://schemas.openxmlformats.org/presentationml/2006/main">
-  <p:cSld>
-    <p:bg>
-      <p:bgPr>
-        <a:solidFill>
-          <a:schemeClr val="bg1"/>
-        </a:solidFill>
-        <a:effectLst/>
-      </p:bgPr>
-    </p:bg>
-    <p:spTree>
-      <p:nvGrpSpPr>
-        <p:cNvPr id="1" name=""/>
-        <p:cNvGrpSpPr/>
-        <p:nvPr/>
-      </p:nvGrpSpPr>
-      <p:grpSpPr>
-        <a:xfrm>
-          <a:off x="0" y="0"/>
-          <a:ext cx="0" cy="0"/>
-          <a:chOff x="0" y="0"/>
-          <a:chExt cx="0" cy="0"/>
-        </a:xfrm>
-      </p:grpSpPr>
-      <p:sp>
-        <p:nvSpPr>
-          <p:cNvPr id="5" name="Title 4">
-            <a:extLst>
-              <a:ext uri="{FF2B5EF4-FFF2-40B4-BE49-F238E27FC236}">
-                <a16:creationId xmlns:a16="http://schemas.microsoft.com/office/drawing/2014/main" id="{AA08A0B3-953E-44F5-8D4A-A3F2E75EDD6C}"/>
-              </a:ext>
-            </a:extLst>
-          </p:cNvPr>
-          <p:cNvSpPr>
-            <a:spLocks noGrp="1"/>
-          </p:cNvSpPr>
-          <p:nvPr>
-            <p:ph type="title"/>
-          </p:nvPr>
-        </p:nvSpPr>
-        <p:spPr>
-          <a:xfrm>
-            <a:off x="1066800" y="642594"/>
-            <a:ext cx="10058400" cy="1371600"/>
-          </a:xfrm>
-        </p:spPr>
-        <p:txBody>
-          <a:bodyPr>
-            <a:normAutofit/>
-          </a:bodyPr>
-          <a:lstStyle/>
-          <a:p>
-            <a:pPr algn="ctr"/>
-            <a:r>
-              <a:rPr lang="en-US" dirty="0"/>
-              <a:t>Timing</a:t>
-            </a:r>
-          </a:p>
-        </p:txBody>
-      </p:sp>
-      <p:graphicFrame>
-        <p:nvGraphicFramePr>
-          <p:cNvPr id="10" name="Content Placeholder 9">
-            <a:extLst>
-              <a:ext uri="{FF2B5EF4-FFF2-40B4-BE49-F238E27FC236}">
-                <a16:creationId xmlns:a16="http://schemas.microsoft.com/office/drawing/2014/main" id="{D98445A4-A96C-48EE-9562-D23C3508F2A4}"/>
-              </a:ext>
-            </a:extLst>
-          </p:cNvPr>
-          <p:cNvGraphicFramePr>
-            <a:graphicFrameLocks noGrp="1"/>
-          </p:cNvGraphicFramePr>
-          <p:nvPr>
-            <p:ph idx="1"/>
-            <p:extLst>
-              <p:ext uri="{D42A27DB-BD31-4B8C-83A1-F6EECF244321}">
-                <p14:modId xmlns:p14="http://schemas.microsoft.com/office/powerpoint/2010/main" val="2669486786"/>
-              </p:ext>
-            </p:extLst>
-          </p:nvPr>
-        </p:nvGraphicFramePr>
-        <p:xfrm>
-          <a:off x="1066800" y="2103438"/>
-          <a:ext cx="10058400" cy="3849687"/>
-        </p:xfrm>
-        <a:graphic>
-          <a:graphicData uri="http://schemas.openxmlformats.org/drawingml/2006/chart">
-            <c:chart xmlns:c="http://schemas.openxmlformats.org/drawingml/2006/chart" xmlns:r="http://schemas.openxmlformats.org/officeDocument/2006/relationships" r:id="rId3"/>
-          </a:graphicData>
-        </a:graphic>
-      </p:graphicFrame>
-    </p:spTree>
-    <p:extLst>
-      <p:ext uri="{BB962C8B-B14F-4D97-AF65-F5344CB8AC3E}">
-        <p14:creationId xmlns:p14="http://schemas.microsoft.com/office/powerpoint/2010/main" val="491268935"/>
-      </p:ext>
-    </p:extLst>
-  </p:cSld>
-  <p:clrMapOvr>
-    <a:overrideClrMapping bg1="dk1" tx1="lt1" bg2="dk2" tx2="lt2" accent1="accent1" accent2="accent2" accent3="accent3" accent4="accent4" accent5="accent5" accent6="accent6" hlink="hlink" folHlink="folHlink"/>
-  </p:clrMapOvr>
-</p:sld>
-</file>
-
-<file path=ppt/slides/slide38.xml><?xml version="1.0" encoding="utf-8"?>
-<p:sld xmlns:a="http://schemas.openxmlformats.org/drawingml/2006/main" xmlns:r="http://schemas.openxmlformats.org/officeDocument/2006/relationships" xmlns:p="http://schemas.openxmlformats.org/presentationml/2006/main">
-  <p:cSld>
-    <p:bg>
-      <p:bgPr>
-        <a:solidFill>
-          <a:schemeClr val="bg1"/>
-        </a:solidFill>
-        <a:effectLst/>
-      </p:bgPr>
-    </p:bg>
-    <p:spTree>
-      <p:nvGrpSpPr>
-        <p:cNvPr id="1" name=""/>
-        <p:cNvGrpSpPr/>
-        <p:nvPr/>
-      </p:nvGrpSpPr>
-      <p:grpSpPr>
-        <a:xfrm>
-          <a:off x="0" y="0"/>
-          <a:ext cx="0" cy="0"/>
-          <a:chOff x="0" y="0"/>
-          <a:chExt cx="0" cy="0"/>
-        </a:xfrm>
-      </p:grpSpPr>
-      <p:sp>
-        <p:nvSpPr>
-          <p:cNvPr id="5" name="Title 4">
-            <a:extLst>
-              <a:ext uri="{FF2B5EF4-FFF2-40B4-BE49-F238E27FC236}">
-                <a16:creationId xmlns:a16="http://schemas.microsoft.com/office/drawing/2014/main" id="{AA08A0B3-953E-44F5-8D4A-A3F2E75EDD6C}"/>
-              </a:ext>
-            </a:extLst>
-          </p:cNvPr>
-          <p:cNvSpPr>
-            <a:spLocks noGrp="1"/>
-          </p:cNvSpPr>
-          <p:nvPr>
-            <p:ph type="title"/>
-          </p:nvPr>
-        </p:nvSpPr>
-        <p:spPr>
-          <a:xfrm>
-            <a:off x="1066800" y="642594"/>
-            <a:ext cx="10058400" cy="1371600"/>
-          </a:xfrm>
-        </p:spPr>
-        <p:txBody>
-          <a:bodyPr>
-            <a:normAutofit/>
-          </a:bodyPr>
-          <a:lstStyle/>
-          <a:p>
-            <a:pPr algn="ctr"/>
-            <a:r>
-              <a:rPr lang="en-US" dirty="0"/>
-              <a:t>LightGBM Classifier</a:t>
-            </a:r>
+            <a:endParaRPr lang="en-US" dirty="0"/>
           </a:p>
         </p:txBody>
       </p:sp>
@@ -37873,91 +37079,23 @@
         </p:nvSpPr>
         <p:spPr>
           <a:xfrm>
-            <a:off x="1152525" y="2286418"/>
+            <a:off x="1066800" y="2551113"/>
             <a:ext cx="10058400" cy="3849624"/>
           </a:xfrm>
         </p:spPr>
         <p:txBody>
           <a:bodyPr>
-            <a:normAutofit fontScale="92500" lnSpcReduction="10000"/>
+            <a:normAutofit/>
           </a:bodyPr>
           <a:lstStyle/>
           <a:p>
+            <a:pPr marL="0" indent="0">
+              <a:buNone/>
+            </a:pPr>
             <a:r>
               <a:rPr lang="en-US" b="1" dirty="0"/>
-              <a:t>LightGBM</a:t>
+              <a:t>Based on the visualizations above, Balanced Bagging Classifier from imblearn is the algorithm of choice for this data. While some of the scores may have been close, Balanced Bagging Classifier had higher scores in Accuracy, Cross Validation, and Specificity. The algorithm also had the lower Error Rate and False Positive Rates of the group. It’s prediction of Serious accidents was close to being overall inaccurate but in the end,  I was comfortable with the findings. </a:t>
             </a:r>
-            <a:r>
-              <a:rPr lang="en-US" dirty="0"/>
-              <a:t> is a gradient boosting framework that uses tree based learning algorithms. It is designed to be distributed and efficient with the following advantages:</a:t>
-            </a:r>
-          </a:p>
-          <a:p>
-            <a:pPr lvl="1"/>
-            <a:r>
-              <a:rPr lang="en-US" dirty="0"/>
-              <a:t>Faster training speed and higher efficiency.</a:t>
-            </a:r>
-          </a:p>
-          <a:p>
-            <a:pPr lvl="1"/>
-            <a:r>
-              <a:rPr lang="en-US" dirty="0"/>
-              <a:t>Lower memory usage.</a:t>
-            </a:r>
-          </a:p>
-          <a:p>
-            <a:pPr lvl="1"/>
-            <a:r>
-              <a:rPr lang="en-US" dirty="0"/>
-              <a:t>Better accuracy.</a:t>
-            </a:r>
-          </a:p>
-          <a:p>
-            <a:pPr lvl="1"/>
-            <a:r>
-              <a:rPr lang="en-US" dirty="0"/>
-              <a:t>Support of parallel and GPU learning.</a:t>
-            </a:r>
-          </a:p>
-          <a:p>
-            <a:pPr lvl="1"/>
-            <a:r>
-              <a:rPr lang="en-US" dirty="0"/>
-              <a:t>Capable of handling large-scale data.</a:t>
-            </a:r>
-          </a:p>
-          <a:p>
-            <a:r>
-              <a:rPr lang="en-US" dirty="0"/>
-              <a:t>After completing the chosen algorithms and tuning some of their parameters, the algorithm chose for this data was LightGBM Classifier. </a:t>
-            </a:r>
-          </a:p>
-          <a:p>
-            <a:r>
-              <a:rPr lang="en-US" dirty="0"/>
-              <a:t>When modeling the data I monitored the scores for all of them ranged around the same however, LightGBM performed the fastest for the amount of data being used. </a:t>
-            </a:r>
-          </a:p>
-          <a:p>
-            <a:r>
-              <a:rPr lang="en-US" dirty="0"/>
-              <a:t>The size of the data was medium to large and Light GBM’s algorithm is set up to handle such things. </a:t>
-            </a:r>
-          </a:p>
-          <a:p>
-            <a:r>
-              <a:rPr lang="en-US" dirty="0"/>
-              <a:t>***insert times and score for each*** in chart</a:t>
-            </a:r>
-          </a:p>
-          <a:p>
-            <a:endParaRPr lang="en-US" dirty="0"/>
-          </a:p>
-          <a:p>
-            <a:endParaRPr lang="en-US" dirty="0"/>
-          </a:p>
-          <a:p>
             <a:endParaRPr lang="en-US" dirty="0"/>
           </a:p>
         </p:txBody>
@@ -37975,7 +37113,7 @@
 </p:sld>
 </file>
 
-<file path=ppt/slides/slide39.xml><?xml version="1.0" encoding="utf-8"?>
+<file path=ppt/slides/slide44.xml><?xml version="1.0" encoding="utf-8"?>
 <p:sld xmlns:a="http://schemas.openxmlformats.org/drawingml/2006/main" xmlns:r="http://schemas.openxmlformats.org/officeDocument/2006/relationships" xmlns:p="http://schemas.openxmlformats.org/presentationml/2006/main">
   <p:cSld>
     <p:bg>
@@ -38114,111 +37252,6 @@
     <p:extLst>
       <p:ext uri="{BB962C8B-B14F-4D97-AF65-F5344CB8AC3E}">
         <p14:creationId xmlns:p14="http://schemas.microsoft.com/office/powerpoint/2010/main" val="3002648614"/>
-      </p:ext>
-    </p:extLst>
-  </p:cSld>
-  <p:clrMapOvr>
-    <a:overrideClrMapping bg1="dk1" tx1="lt1" bg2="dk2" tx2="lt2" accent1="accent1" accent2="accent2" accent3="accent3" accent4="accent4" accent5="accent5" accent6="accent6" hlink="hlink" folHlink="folHlink"/>
-  </p:clrMapOvr>
-</p:sld>
-</file>
-
-<file path=ppt/slides/slide4.xml><?xml version="1.0" encoding="utf-8"?>
-<p:sld xmlns:a="http://schemas.openxmlformats.org/drawingml/2006/main" xmlns:r="http://schemas.openxmlformats.org/officeDocument/2006/relationships" xmlns:p="http://schemas.openxmlformats.org/presentationml/2006/main">
-  <p:cSld>
-    <p:bg>
-      <p:bgPr>
-        <a:solidFill>
-          <a:schemeClr val="bg1"/>
-        </a:solidFill>
-        <a:effectLst/>
-      </p:bgPr>
-    </p:bg>
-    <p:spTree>
-      <p:nvGrpSpPr>
-        <p:cNvPr id="1" name=""/>
-        <p:cNvGrpSpPr/>
-        <p:nvPr/>
-      </p:nvGrpSpPr>
-      <p:grpSpPr>
-        <a:xfrm>
-          <a:off x="0" y="0"/>
-          <a:ext cx="0" cy="0"/>
-          <a:chOff x="0" y="0"/>
-          <a:chExt cx="0" cy="0"/>
-        </a:xfrm>
-      </p:grpSpPr>
-      <p:sp>
-        <p:nvSpPr>
-          <p:cNvPr id="2" name="Title 1">
-            <a:extLst>
-              <a:ext uri="{FF2B5EF4-FFF2-40B4-BE49-F238E27FC236}">
-                <a16:creationId xmlns:a16="http://schemas.microsoft.com/office/drawing/2014/main" id="{143EAAB9-59B6-4659-A247-60A1FEF92E7C}"/>
-              </a:ext>
-            </a:extLst>
-          </p:cNvPr>
-          <p:cNvSpPr>
-            <a:spLocks noGrp="1"/>
-          </p:cNvSpPr>
-          <p:nvPr>
-            <p:ph type="title"/>
-          </p:nvPr>
-        </p:nvSpPr>
-        <p:spPr>
-          <a:xfrm>
-            <a:off x="1066800" y="642594"/>
-            <a:ext cx="10058400" cy="1371600"/>
-          </a:xfrm>
-        </p:spPr>
-        <p:txBody>
-          <a:bodyPr>
-            <a:normAutofit/>
-          </a:bodyPr>
-          <a:lstStyle/>
-          <a:p>
-            <a:pPr algn="ctr"/>
-            <a:r>
-              <a:rPr lang="en-US" dirty="0"/>
-              <a:t>Agenda</a:t>
-            </a:r>
-          </a:p>
-        </p:txBody>
-      </p:sp>
-      <p:graphicFrame>
-        <p:nvGraphicFramePr>
-          <p:cNvPr id="12" name="Content Placeholder 2">
-            <a:extLst>
-              <a:ext uri="{FF2B5EF4-FFF2-40B4-BE49-F238E27FC236}">
-                <a16:creationId xmlns:a16="http://schemas.microsoft.com/office/drawing/2014/main" id="{1083753C-4043-475E-BE81-A2A85F1F3FA2}"/>
-              </a:ext>
-            </a:extLst>
-          </p:cNvPr>
-          <p:cNvGraphicFramePr>
-            <a:graphicFrameLocks noGrp="1"/>
-          </p:cNvGraphicFramePr>
-          <p:nvPr>
-            <p:ph idx="1"/>
-            <p:extLst>
-              <p:ext uri="{D42A27DB-BD31-4B8C-83A1-F6EECF244321}">
-                <p14:modId xmlns:p14="http://schemas.microsoft.com/office/powerpoint/2010/main" val="2303361362"/>
-              </p:ext>
-            </p:extLst>
-          </p:nvPr>
-        </p:nvGraphicFramePr>
-        <p:xfrm>
-          <a:off x="1066800" y="2310063"/>
-          <a:ext cx="10058400" cy="3725612"/>
-        </p:xfrm>
-        <a:graphic>
-          <a:graphicData uri="http://schemas.openxmlformats.org/drawingml/2006/diagram">
-            <dgm:relIds xmlns:dgm="http://schemas.openxmlformats.org/drawingml/2006/diagram" xmlns:r="http://schemas.openxmlformats.org/officeDocument/2006/relationships" r:dm="rId2" r:lo="rId3" r:qs="rId4" r:cs="rId5"/>
-          </a:graphicData>
-        </a:graphic>
-      </p:graphicFrame>
-    </p:spTree>
-    <p:extLst>
-      <p:ext uri="{BB962C8B-B14F-4D97-AF65-F5344CB8AC3E}">
-        <p14:creationId xmlns:p14="http://schemas.microsoft.com/office/powerpoint/2010/main" val="197820216"/>
       </p:ext>
     </p:extLst>
   </p:cSld>
@@ -39304,7 +38337,7 @@
   <a:extraClrSchemeLst/>
   <a:extLst>
     <a:ext uri="{05A4C25C-085E-4340-85A3-A5531E510DB2}">
-      <thm15:themeFamily xmlns:thm15="http://schemas.microsoft.com/office/thememl/2012/main" name="SavonVTI" id="{A72E8C35-66DD-49F8-AF66-813F19B983AE}" vid="{93CCBC76-B7A1-4C3D-93EA-5CE34C4670F9}"/>
+      <thm15:themeFamily xmlns:thm15="http://schemas.microsoft.com/office/thememl/2012/main" name="Traffic_Analysis_and_Severity_Prediction" id="{E15918B2-3F35-491A-9C8F-B1E1D8939746}" vid="{6B30AE64-234B-4CB9-9A2F-314C378A77C2}"/>
     </a:ext>
   </a:extLst>
 </a:theme>
@@ -39603,4 +38636,80 @@
     </a:ext>
   </a:extLst>
 </a:theme>
+</file>
+
+<file path=ppt/webextensions/taskpanes.xml><?xml version="1.0" encoding="utf-8"?>
+<wetp:taskpanes xmlns:wetp="http://schemas.microsoft.com/office/webextensions/taskpanes/2010/11">
+  <wetp:taskpane dockstate="right" visibility="0" width="350" row="9">
+    <wetp:webextensionref xmlns:r="http://schemas.openxmlformats.org/officeDocument/2006/relationships" r:id="rId1"/>
+  </wetp:taskpane>
+</wetp:taskpanes>
+</file>
+
+<file path=ppt/webextensions/webextension1.xml><?xml version="1.0" encoding="utf-8"?>
+<we:webextension xmlns:we="http://schemas.microsoft.com/office/webextensions/webextension/2010/11" id="{3A6D72D4-3125-4661-A610-2EF58BEE3CA5}">
+  <we:reference id="wa104380862" version="1.5.0.0" store="en-US" storeType="OMEX"/>
+  <we:alternateReferences>
+    <we:reference id="wa104380862" version="1.5.0.0" store="WA104380862" storeType="OMEX"/>
+  </we:alternateReferences>
+  <we:properties/>
+  <we:bindings/>
+  <we:snapshot xmlns:r="http://schemas.openxmlformats.org/officeDocument/2006/relationships"/>
+</we:webextension>
+</file>
+
+<file path=ppt/webextensions/webextension2.xml><?xml version="1.0" encoding="utf-8"?>
+<we:webextension xmlns:we="http://schemas.microsoft.com/office/webextensions/webextension/2010/11" id="{3AC889F3-6AFF-455B-99C9-0D3A90C6213C}">
+  <we:reference id="wa104295828" version="1.6.0.0" store="en-US" storeType="OMEX"/>
+  <we:alternateReferences>
+    <we:reference id="wa104295828" version="1.6.0.0" store="wa104295828" storeType="OMEX"/>
+  </we:alternateReferences>
+  <we:properties>
+    <we:property name="__labs__" value="{&quot;configuration&quot;:{&quot;appVersion&quot;:{&quot;major&quot;:1,&quot;minor&quot;:0},&quot;components&quot;:[{&quot;type&quot;:&quot;Labs.Components.ActivityComponent&quot;,&quot;name&quot;:&quot;public.tableau.com/shared/43FDWZTYG?:display_count=yes&amp;:origin=viz_share_link&quot;,&quot;values&quot;:{},&quot;data&quot;:{&quot;uri&quot;:&quot;public.tableau.com/shared/43FDWZTYG?:display_count=yes&amp;:origin=viz_share_link&quot;},&quot;secure&quot;:false}],&quot;name&quot;:&quot;public.tableau.com/shared/43FDWZTYG?:display_count=yes&amp;:origin=viz_share_link&quot;,&quot;timeline&quot;:null,&quot;analytics&quot;:null},&quot;hostVersion&quot;:{&quot;major&quot;:0,&quot;minor&quot;:1}}"/>
+  </we:properties>
+  <we:bindings/>
+  <we:snapshot xmlns:r="http://schemas.openxmlformats.org/officeDocument/2006/relationships" r:embed="rId1"/>
+</we:webextension>
+</file>
+
+<file path=ppt/webextensions/webextension3.xml><?xml version="1.0" encoding="utf-8"?>
+<we:webextension xmlns:we="http://schemas.microsoft.com/office/webextensions/webextension/2010/11" id="{4AB05448-E3FC-4246-9A45-DB071ACD48D1}">
+  <we:reference id="wa104295828" version="1.6.0.0" store="en-US" storeType="OMEX"/>
+  <we:alternateReferences>
+    <we:reference id="wa104295828" version="1.6.0.0" store="wa104295828" storeType="OMEX"/>
+  </we:alternateReferences>
+  <we:properties>
+    <we:property name="__labs__" value="{&quot;configuration&quot;:{&quot;appVersion&quot;:{&quot;major&quot;:1,&quot;minor&quot;:0},&quot;components&quot;:[{&quot;type&quot;:&quot;Labs.Components.ActivityComponent&quot;,&quot;name&quot;:&quot;public.tableau.com/views/LearningAlgorithmResults/LearningAlgorithmsScores?:embed=y&amp;:display_count=yes&amp;:origin=viz_share_link&quot;,&quot;values&quot;:{},&quot;data&quot;:{&quot;uri&quot;:&quot;public.tableau.com/views/LearningAlgorithmResults/LearningAlgorithmsScores?:embed=y&amp;:display_count=yes&amp;:origin=viz_share_link&quot;},&quot;secure&quot;:false}],&quot;name&quot;:&quot;public.tableau.com/views/LearningAlgorithmResults/LearningAlgorithmsScores?:embed=y&amp;:display_count=yes&amp;:origin=viz_share_link&quot;,&quot;timeline&quot;:null,&quot;analytics&quot;:null},&quot;hostVersion&quot;:{&quot;major&quot;:0,&quot;minor&quot;:1}}"/>
+  </we:properties>
+  <we:bindings/>
+  <we:snapshot xmlns:r="http://schemas.openxmlformats.org/officeDocument/2006/relationships" r:embed="rId1"/>
+</we:webextension>
+</file>
+
+<file path=ppt/webextensions/webextension4.xml><?xml version="1.0" encoding="utf-8"?>
+<we:webextension xmlns:we="http://schemas.microsoft.com/office/webextensions/webextension/2010/11" id="{FC9733CA-15F8-4427-B6D3-E812E97F64B8}">
+  <we:reference id="wa104295828" version="1.6.0.0" store="en-US" storeType="OMEX"/>
+  <we:alternateReferences>
+    <we:reference id="wa104295828" version="1.6.0.0" store="wa104295828" storeType="OMEX"/>
+  </we:alternateReferences>
+  <we:properties>
+    <we:property name="__labs__" value="{&quot;configuration&quot;:{&quot;appVersion&quot;:{&quot;major&quot;:1,&quot;minor&quot;:0},&quot;components&quot;:[{&quot;type&quot;:&quot;Labs.Components.ActivityComponent&quot;,&quot;name&quot;:&quot;public.tableau.com/views/LearningAlgorithmResults/LearningAlgorithmsRates?:embed=y&amp;:display_count=yes&amp;:origin=viz_share_link&quot;,&quot;values&quot;:{},&quot;data&quot;:{&quot;uri&quot;:&quot;public.tableau.com/views/LearningAlgorithmResults/LearningAlgorithmsRates?:embed=y&amp;:display_count=yes&amp;:origin=viz_share_link&quot;},&quot;secure&quot;:false}],&quot;name&quot;:&quot;public.tableau.com/views/LearningAlgorithmResults/LearningAlgorithmsRates?:embed=y&amp;:display_count=yes&amp;:origin=viz_share_link&quot;,&quot;timeline&quot;:null,&quot;analytics&quot;:null},&quot;hostVersion&quot;:{&quot;major&quot;:0,&quot;minor&quot;:1}}"/>
+  </we:properties>
+  <we:bindings/>
+  <we:snapshot xmlns:r="http://schemas.openxmlformats.org/officeDocument/2006/relationships" r:embed="rId1"/>
+</we:webextension>
+</file>
+
+<file path=ppt/webextensions/webextension5.xml><?xml version="1.0" encoding="utf-8"?>
+<we:webextension xmlns:we="http://schemas.microsoft.com/office/webextensions/webextension/2010/11" id="{FC9733CA-15F8-4427-B6D3-E812E97F64B8}">
+  <we:reference id="wa104295828" version="1.6.0.0" store="en-US" storeType="OMEX"/>
+  <we:alternateReferences>
+    <we:reference id="wa104295828" version="1.6.0.0" store="wa104295828" storeType="OMEX"/>
+  </we:alternateReferences>
+  <we:properties>
+    <we:property name="__labs__" value="{&quot;configuration&quot;:{&quot;appVersion&quot;:{&quot;major&quot;:1,&quot;minor&quot;:0},&quot;components&quot;:[{&quot;type&quot;:&quot;Labs.Components.ActivityComponent&quot;,&quot;name&quot;:&quot;public.tableau.com/views/LearningAlgorithmResults/LearningAlgorithmsTime?:embed=y&amp;:display_count=yes&amp;:origin=viz_share_link&quot;,&quot;values&quot;:{},&quot;data&quot;:{&quot;uri&quot;:&quot;public.tableau.com/views/LearningAlgorithmResults/LearningAlgorithmsTime?:embed=y&amp;:display_count=yes&amp;:origin=viz_share_link&quot;},&quot;secure&quot;:false}],&quot;name&quot;:&quot;public.tableau.com/views/LearningAlgorithmResults/LearningAlgorithmsTime?:embed=y&amp;:display_count=yes&amp;:origin=viz_share_link&quot;,&quot;timeline&quot;:null,&quot;analytics&quot;:null},&quot;hostVersion&quot;:{&quot;major&quot;:0,&quot;minor&quot;:1}}"/>
+  </we:properties>
+  <we:bindings/>
+  <we:snapshot xmlns:r="http://schemas.openxmlformats.org/officeDocument/2006/relationships" r:embed="rId1"/>
+</we:webextension>
 </file>
--- a/Traffic_Analysis_and_Severity_Prediction.pptx
+++ b/Traffic_Analysis_and_Severity_Prediction.pptx
@@ -5,7 +5,7 @@
     <p:sldMasterId id="2147483705" r:id="rId1"/>
   </p:sldMasterIdLst>
   <p:notesMasterIdLst>
-    <p:notesMasterId r:id="rId46"/>
+    <p:notesMasterId r:id="rId48"/>
   </p:notesMasterIdLst>
   <p:sldIdLst>
     <p:sldId id="256" r:id="rId2"/>
@@ -51,7 +51,9 @@
     <p:sldId id="306" r:id="rId42"/>
     <p:sldId id="313" r:id="rId43"/>
     <p:sldId id="303" r:id="rId44"/>
-    <p:sldId id="304" r:id="rId45"/>
+    <p:sldId id="315" r:id="rId45"/>
+    <p:sldId id="304" r:id="rId46"/>
+    <p:sldId id="316" r:id="rId47"/>
   </p:sldIdLst>
   <p:sldSz cx="12192000" cy="6858000"/>
   <p:notesSz cx="6858000" cy="9144000"/>
@@ -26284,7 +26286,7 @@
           <a:p>
             <a:fld id="{6E777CD1-961A-4E12-BBE0-00C5286F4421}" type="datetimeFigureOut">
               <a:rPr lang="en-US" smtClean="0"/>
-              <a:t>10/27/2019</a:t>
+              <a:t>10/30/2019</a:t>
             </a:fld>
             <a:endParaRPr lang="en-US" dirty="0"/>
           </a:p>
@@ -27440,7 +27442,7 @@
           <a:p>
             <a:fld id="{EA0C0817-A112-4847-8014-A94B7D2A4EA3}" type="datetime1">
               <a:rPr lang="en-US" smtClean="0"/>
-              <a:t>10/27/2019</a:t>
+              <a:t>10/30/2019</a:t>
             </a:fld>
             <a:endParaRPr lang="en-US" dirty="0"/>
           </a:p>
@@ -27642,7 +27644,7 @@
           <a:p>
             <a:fld id="{134F40B7-36AB-4376-BE14-EF7004D79BB9}" type="datetime1">
               <a:rPr lang="en-US" smtClean="0"/>
-              <a:t>10/27/2019</a:t>
+              <a:t>10/30/2019</a:t>
             </a:fld>
             <a:endParaRPr lang="en-US" dirty="0"/>
           </a:p>
@@ -27822,7 +27824,7 @@
           <a:p>
             <a:fld id="{FF87CAB8-DCAE-46A5-AADA-B3FAD11A54E0}" type="datetime1">
               <a:rPr lang="en-US" smtClean="0"/>
-              <a:t>10/27/2019</a:t>
+              <a:t>10/30/2019</a:t>
             </a:fld>
             <a:endParaRPr lang="en-US" dirty="0"/>
           </a:p>
@@ -27992,7 +27994,7 @@
           <a:p>
             <a:fld id="{7332B432-ACDA-4023-A761-2BAB76577B62}" type="datetime1">
               <a:rPr lang="en-US" smtClean="0"/>
-              <a:t>10/27/2019</a:t>
+              <a:t>10/30/2019</a:t>
             </a:fld>
             <a:endParaRPr lang="en-US" dirty="0"/>
           </a:p>
@@ -28591,7 +28593,7 @@
           <a:p>
             <a:fld id="{D9C646AA-F36E-4540-911D-FFFC0A0EF24A}" type="datetime1">
               <a:rPr lang="en-US" smtClean="0"/>
-              <a:t>10/27/2019</a:t>
+              <a:t>10/30/2019</a:t>
             </a:fld>
             <a:endParaRPr lang="en-US" dirty="0"/>
           </a:p>
@@ -28911,7 +28913,7 @@
           <a:p>
             <a:fld id="{69186D26-FA5F-4637-B602-B7C2DC34CFD4}" type="datetime1">
               <a:rPr lang="en-US" smtClean="0"/>
-              <a:t>10/27/2019</a:t>
+              <a:t>10/30/2019</a:t>
             </a:fld>
             <a:endParaRPr lang="en-US" dirty="0"/>
           </a:p>
@@ -29346,7 +29348,7 @@
           <a:p>
             <a:fld id="{8A7F15D8-96D1-4781-BC50-CA8A088B2FE4}" type="datetime1">
               <a:rPr lang="en-US" smtClean="0"/>
-              <a:t>10/27/2019</a:t>
+              <a:t>10/30/2019</a:t>
             </a:fld>
             <a:endParaRPr lang="en-US" dirty="0"/>
           </a:p>
@@ -29464,7 +29466,7 @@
           <a:p>
             <a:fld id="{F9A96C99-B8F8-4528-BD05-0E16E943DC09}" type="datetime1">
               <a:rPr lang="en-US" smtClean="0"/>
-              <a:t>10/27/2019</a:t>
+              <a:t>10/30/2019</a:t>
             </a:fld>
             <a:endParaRPr lang="en-US" dirty="0"/>
           </a:p>
@@ -29559,7 +29561,7 @@
           <a:p>
             <a:fld id="{03636942-C211-4B28-8DBD-C953E00AF71B}" type="datetime1">
               <a:rPr lang="en-US" smtClean="0"/>
-              <a:t>10/27/2019</a:t>
+              <a:t>10/30/2019</a:t>
             </a:fld>
             <a:endParaRPr lang="en-US" dirty="0"/>
           </a:p>
@@ -29976,7 +29978,7 @@
           <a:p>
             <a:fld id="{7E8D12A6-918A-48BD-8CB9-CA713993B0EA}" type="datetime1">
               <a:rPr lang="en-US" smtClean="0"/>
-              <a:t>10/27/2019</a:t>
+              <a:t>10/30/2019</a:t>
             </a:fld>
             <a:endParaRPr lang="en-US" dirty="0"/>
           </a:p>
@@ -30237,7 +30239,7 @@
             <a:fld id="{E778CE86-875F-4587-BCF6-FA054AFC0D53}" type="datetime1">
               <a:rPr lang="en-US" smtClean="0"/>
               <a:pPr/>
-              <a:t>10/27/2019</a:t>
+              <a:t>10/30/2019</a:t>
             </a:fld>
             <a:endParaRPr lang="en-US" dirty="0"/>
           </a:p>
@@ -30756,7 +30758,7 @@
           <a:p>
             <a:fld id="{F6FA2B21-3FCD-4721-B95C-427943F61125}" type="datetime1">
               <a:rPr lang="en-US" smtClean="0"/>
-              <a:t>10/27/2019</a:t>
+              <a:t>10/30/2019</a:t>
             </a:fld>
             <a:endParaRPr lang="en-US" dirty="0"/>
           </a:p>
@@ -32258,7 +32260,7 @@
           <a:p>
             <a:r>
               <a:rPr lang="en-US" dirty="0"/>
-              <a:t>After getting these correlations, I ran them through a Chi-Squared test to check for relevancy. Above are screenshots of the coding, and the results. With a requirement of p being  &lt; 0.05, all features were deemed important enough for prediction, so I continued with my visualization comparisons.</a:t>
+              <a:t>After getting these correlations, I ran them through a Chi-Squared test to check for relevance. Above are screenshots of the coding, and the results. With a requirement of p being  &lt; 0.05, all features were deemed important enough for prediction, so I continued with my visualization comparisons.</a:t>
             </a:r>
           </a:p>
         </p:txBody>
@@ -36331,8 +36333,8 @@
           <a:chExt cx="0" cy="0"/>
         </a:xfrm>
       </p:grpSpPr>
-      <mc:AlternateContent xmlns:mc="http://schemas.openxmlformats.org/markup-compatibility/2006">
-        <mc:Choice xmlns:we="http://schemas.microsoft.com/office/webextensions/webextension/2010/11" xmlns:pca="http://schemas.microsoft.com/office/powerpoint/2013/contentapp" Requires="we pca">
+      <mc:AlternateContent xmlns:mc="http://schemas.openxmlformats.org/markup-compatibility/2006" xmlns:we="http://schemas.microsoft.com/office/webextensions/webextension/2010/11" xmlns:pca="http://schemas.microsoft.com/office/powerpoint/2013/contentapp">
+        <mc:Choice Requires="we pca">
           <p:graphicFrame>
             <p:nvGraphicFramePr>
               <p:cNvPr id="2" name="Add-in 1" title="Web Viewer">
@@ -36364,7 +36366,7 @@
             </a:graphic>
           </p:graphicFrame>
         </mc:Choice>
-        <mc:Fallback>
+        <mc:Fallback xmlns="">
           <p:pic>
             <p:nvPicPr>
               <p:cNvPr id="2" name="Add-in 1" title="Web Viewer">
@@ -36453,19 +36455,19 @@
         </p:nvSpPr>
         <p:spPr>
           <a:xfrm>
-            <a:off x="1066800" y="642594"/>
-            <a:ext cx="10058400" cy="1371600"/>
+            <a:off x="1152525" y="721958"/>
+            <a:ext cx="10058400" cy="852831"/>
           </a:xfrm>
         </p:spPr>
         <p:txBody>
           <a:bodyPr>
-            <a:normAutofit fontScale="90000"/>
+            <a:noAutofit/>
           </a:bodyPr>
           <a:lstStyle/>
           <a:p>
             <a:pPr algn="ctr"/>
             <a:r>
-              <a:rPr lang="en-US" dirty="0"/>
+              <a:rPr lang="en-US" sz="4000" dirty="0"/>
               <a:t>Can we create a machine learning algorithm that correctly predicts the severity of accidents?</a:t>
             </a:r>
           </a:p>
@@ -36489,22 +36491,25 @@
         </p:nvSpPr>
         <p:spPr>
           <a:xfrm>
-            <a:off x="1152525" y="2286418"/>
-            <a:ext cx="10058400" cy="3849624"/>
+            <a:off x="1152525" y="1895893"/>
+            <a:ext cx="10058400" cy="4400132"/>
           </a:xfrm>
         </p:spPr>
         <p:txBody>
           <a:bodyPr>
-            <a:normAutofit lnSpcReduction="10000"/>
+            <a:normAutofit/>
           </a:bodyPr>
           <a:lstStyle/>
           <a:p>
             <a:r>
               <a:rPr lang="en-US" dirty="0"/>
-              <a:t>The data in this dataset is extremely imbalanced for what we are trying to predict. We resampled the data as undersampling, where we reduce the number of majority (Not Serious Accidents) samples</a:t>
+              <a:t>The data in this dataset is extremely imbalanced for what we are trying to predict (see graph). We resampled the data as undersampling, where we reduce the number of majority (Not Serious Accidents) samples.</a:t>
             </a:r>
           </a:p>
           <a:p>
+            <a:pPr marL="0" indent="0">
+              <a:buNone/>
+            </a:pPr>
             <a:endParaRPr lang="en-US" dirty="0"/>
           </a:p>
           <a:p>
@@ -36575,6 +36580,36 @@
           </a:p>
         </p:txBody>
       </p:sp>
+      <p:pic>
+        <p:nvPicPr>
+          <p:cNvPr id="9" name="Picture 8" descr="A screenshot of a cell phone&#10;&#10;Description automatically generated">
+            <a:extLst>
+              <a:ext uri="{FF2B5EF4-FFF2-40B4-BE49-F238E27FC236}">
+                <a16:creationId xmlns:a16="http://schemas.microsoft.com/office/drawing/2014/main" id="{92EC5E18-F6C7-4065-8F3C-53D574463EE4}"/>
+              </a:ext>
+            </a:extLst>
+          </p:cNvPr>
+          <p:cNvPicPr>
+            <a:picLocks noChangeAspect="1"/>
+          </p:cNvPicPr>
+          <p:nvPr/>
+        </p:nvPicPr>
+        <p:blipFill>
+          <a:blip r:embed="rId2"/>
+          <a:stretch>
+            <a:fillRect/>
+          </a:stretch>
+        </p:blipFill>
+        <p:spPr>
+          <a:xfrm>
+            <a:off x="6248400" y="3676650"/>
+            <a:ext cx="4686298" cy="2105649"/>
+          </a:xfrm>
+          <a:prstGeom prst="rect">
+            <a:avLst/>
+          </a:prstGeom>
+        </p:spPr>
+      </p:pic>
     </p:spTree>
     <p:extLst>
       <p:ext uri="{BB962C8B-B14F-4D97-AF65-F5344CB8AC3E}">
@@ -37079,7 +37114,7 @@
         </p:nvSpPr>
         <p:spPr>
           <a:xfrm>
-            <a:off x="1066800" y="2551113"/>
+            <a:off x="1066800" y="2014194"/>
             <a:ext cx="10058400" cy="3849624"/>
           </a:xfrm>
         </p:spPr>
@@ -37089,14 +37124,16 @@
           </a:bodyPr>
           <a:lstStyle/>
           <a:p>
-            <a:pPr marL="0" indent="0">
-              <a:buNone/>
-            </a:pPr>
             <a:r>
               <a:rPr lang="en-US" b="1" dirty="0"/>
-              <a:t>Based on the visualizations above, Balanced Bagging Classifier from imblearn is the algorithm of choice for this data. While some of the scores may have been close, Balanced Bagging Classifier had higher scores in Accuracy, Cross Validation, and Specificity. The algorithm also had the lower Error Rate and False Positive Rates of the group. It’s prediction of Serious accidents was close to being overall inaccurate but in the end,  I was comfortable with the findings. </a:t>
+              <a:t>Based on the previous visualizations, Balanced Bagging Classifier from imblearn is the algorithm of choice for this data. While some of the scores may have been close, Balanced Bagging Classifier had higher scores in Accuracy, Cross Validation, and Specificity. The algorithm also had the lower Error Rate and False Positive Rates of the group. </a:t>
             </a:r>
-            <a:endParaRPr lang="en-US" dirty="0"/>
+          </a:p>
+          <a:p>
+            <a:r>
+              <a:rPr lang="en-US" dirty="0"/>
+              <a:t>Balanced Bagging Classifier performed the best of the classifiers, however, I was not comfortable with how close  its predictions were for Serious Accidents in the confusion matrix. Due to this, I decided to combine Balanced Bagging Classifier with the second highest performing algorithm, LightGBM to see what results I would get.</a:t>
+            </a:r>
           </a:p>
         </p:txBody>
       </p:sp>
@@ -37114,6 +37151,361 @@
 </file>
 
 <file path=ppt/slides/slide44.xml><?xml version="1.0" encoding="utf-8"?>
+<p:sld xmlns:a="http://schemas.openxmlformats.org/drawingml/2006/main" xmlns:r="http://schemas.openxmlformats.org/officeDocument/2006/relationships" xmlns:p="http://schemas.openxmlformats.org/presentationml/2006/main">
+  <p:cSld>
+    <p:bg>
+      <p:bgPr>
+        <a:solidFill>
+          <a:schemeClr val="bg1"/>
+        </a:solidFill>
+        <a:effectLst/>
+      </p:bgPr>
+    </p:bg>
+    <p:spTree>
+      <p:nvGrpSpPr>
+        <p:cNvPr id="1" name=""/>
+        <p:cNvGrpSpPr/>
+        <p:nvPr/>
+      </p:nvGrpSpPr>
+      <p:grpSpPr>
+        <a:xfrm>
+          <a:off x="0" y="0"/>
+          <a:ext cx="0" cy="0"/>
+          <a:chOff x="0" y="0"/>
+          <a:chExt cx="0" cy="0"/>
+        </a:xfrm>
+      </p:grpSpPr>
+      <p:sp>
+        <p:nvSpPr>
+          <p:cNvPr id="5" name="Title 4">
+            <a:extLst>
+              <a:ext uri="{FF2B5EF4-FFF2-40B4-BE49-F238E27FC236}">
+                <a16:creationId xmlns:a16="http://schemas.microsoft.com/office/drawing/2014/main" id="{AA08A0B3-953E-44F5-8D4A-A3F2E75EDD6C}"/>
+              </a:ext>
+            </a:extLst>
+          </p:cNvPr>
+          <p:cNvSpPr>
+            <a:spLocks noGrp="1"/>
+          </p:cNvSpPr>
+          <p:nvPr>
+            <p:ph type="title"/>
+          </p:nvPr>
+        </p:nvSpPr>
+        <p:spPr>
+          <a:xfrm>
+            <a:off x="1066800" y="642594"/>
+            <a:ext cx="10058400" cy="1371600"/>
+          </a:xfrm>
+        </p:spPr>
+        <p:txBody>
+          <a:bodyPr>
+            <a:normAutofit fontScale="90000"/>
+          </a:bodyPr>
+          <a:lstStyle/>
+          <a:p>
+            <a:pPr algn="ctr"/>
+            <a:r>
+              <a:rPr lang="en-US" b="1" dirty="0"/>
+              <a:t>Balanced Bagging Classifiers Comparison</a:t>
+            </a:r>
+            <a:endParaRPr lang="en-US" dirty="0"/>
+          </a:p>
+        </p:txBody>
+      </p:sp>
+      <p:pic>
+        <p:nvPicPr>
+          <p:cNvPr id="10" name="Picture 9" descr="A close up of a logo&#10;&#10;Description automatically generated">
+            <a:extLst>
+              <a:ext uri="{FF2B5EF4-FFF2-40B4-BE49-F238E27FC236}">
+                <a16:creationId xmlns:a16="http://schemas.microsoft.com/office/drawing/2014/main" id="{F5E62790-6272-46BB-A979-319143DB714C}"/>
+              </a:ext>
+            </a:extLst>
+          </p:cNvPr>
+          <p:cNvPicPr>
+            <a:picLocks noChangeAspect="1"/>
+          </p:cNvPicPr>
+          <p:nvPr/>
+        </p:nvPicPr>
+        <p:blipFill rotWithShape="1">
+          <a:blip r:embed="rId2"/>
+          <a:srcRect b="1198"/>
+          <a:stretch/>
+        </p:blipFill>
+        <p:spPr>
+          <a:xfrm>
+            <a:off x="856744" y="1764537"/>
+            <a:ext cx="10268456" cy="3659720"/>
+          </a:xfrm>
+          <a:prstGeom prst="rect">
+            <a:avLst/>
+          </a:prstGeom>
+        </p:spPr>
+      </p:pic>
+      <p:sp>
+        <p:nvSpPr>
+          <p:cNvPr id="11" name="TextBox 10">
+            <a:extLst>
+              <a:ext uri="{FF2B5EF4-FFF2-40B4-BE49-F238E27FC236}">
+                <a16:creationId xmlns:a16="http://schemas.microsoft.com/office/drawing/2014/main" id="{6B07B6B5-4BB6-4A77-A8CE-FA6BFC07E365}"/>
+              </a:ext>
+            </a:extLst>
+          </p:cNvPr>
+          <p:cNvSpPr txBox="1"/>
+          <p:nvPr/>
+        </p:nvSpPr>
+        <p:spPr>
+          <a:xfrm>
+            <a:off x="719091" y="5539666"/>
+            <a:ext cx="10406109" cy="830997"/>
+          </a:xfrm>
+          <a:prstGeom prst="rect">
+            <a:avLst/>
+          </a:prstGeom>
+          <a:noFill/>
+        </p:spPr>
+        <p:txBody>
+          <a:bodyPr wrap="square" rtlCol="0">
+            <a:spAutoFit/>
+          </a:bodyPr>
+          <a:lstStyle/>
+          <a:p>
+            <a:r>
+              <a:rPr lang="en-US" sz="1200" dirty="0"/>
+              <a:t>The results were better than the other learning algorithms but lower accuracy wise than the previous Balanced Bagging Algorithm. It also took longer than any other algorithm used. Taking all of that into consideration, I have decided that depending on what was the goal, either Balanced Bagging Classifier algorithm could be used. If I were more concerned with overall accuracy, the regular Balanced Bagging Classifier would be used. If I were more concerned with making sure "Serious" predictions were achieved, Balanced Bagging Classifier with LightGBM would be used.</a:t>
+            </a:r>
+          </a:p>
+        </p:txBody>
+      </p:sp>
+    </p:spTree>
+    <p:extLst>
+      <p:ext uri="{BB962C8B-B14F-4D97-AF65-F5344CB8AC3E}">
+        <p14:creationId xmlns:p14="http://schemas.microsoft.com/office/powerpoint/2010/main" val="3810555266"/>
+      </p:ext>
+    </p:extLst>
+  </p:cSld>
+  <p:clrMapOvr>
+    <a:overrideClrMapping bg1="dk1" tx1="lt1" bg2="dk2" tx2="lt2" accent1="accent1" accent2="accent2" accent3="accent3" accent4="accent4" accent5="accent5" accent6="accent6" hlink="hlink" folHlink="folHlink"/>
+  </p:clrMapOvr>
+</p:sld>
+</file>
+
+<file path=ppt/slides/slide45.xml><?xml version="1.0" encoding="utf-8"?>
+<p:sld xmlns:a="http://schemas.openxmlformats.org/drawingml/2006/main" xmlns:r="http://schemas.openxmlformats.org/officeDocument/2006/relationships" xmlns:p="http://schemas.openxmlformats.org/presentationml/2006/main">
+  <p:cSld>
+    <p:bg>
+      <p:bgPr>
+        <a:solidFill>
+          <a:schemeClr val="bg1"/>
+        </a:solidFill>
+        <a:effectLst/>
+      </p:bgPr>
+    </p:bg>
+    <p:spTree>
+      <p:nvGrpSpPr>
+        <p:cNvPr id="1" name=""/>
+        <p:cNvGrpSpPr/>
+        <p:nvPr/>
+      </p:nvGrpSpPr>
+      <p:grpSpPr>
+        <a:xfrm>
+          <a:off x="0" y="0"/>
+          <a:ext cx="0" cy="0"/>
+          <a:chOff x="0" y="0"/>
+          <a:chExt cx="0" cy="0"/>
+        </a:xfrm>
+      </p:grpSpPr>
+      <p:sp>
+        <p:nvSpPr>
+          <p:cNvPr id="5" name="Title 4">
+            <a:extLst>
+              <a:ext uri="{FF2B5EF4-FFF2-40B4-BE49-F238E27FC236}">
+                <a16:creationId xmlns:a16="http://schemas.microsoft.com/office/drawing/2014/main" id="{AA08A0B3-953E-44F5-8D4A-A3F2E75EDD6C}"/>
+              </a:ext>
+            </a:extLst>
+          </p:cNvPr>
+          <p:cNvSpPr>
+            <a:spLocks noGrp="1"/>
+          </p:cNvSpPr>
+          <p:nvPr>
+            <p:ph type="title"/>
+          </p:nvPr>
+        </p:nvSpPr>
+        <p:spPr/>
+        <p:txBody>
+          <a:bodyPr>
+            <a:normAutofit/>
+          </a:bodyPr>
+          <a:lstStyle/>
+          <a:p>
+            <a:pPr algn="ctr"/>
+            <a:r>
+              <a:rPr lang="en-US" dirty="0"/>
+              <a:t>Expectations vs Reality</a:t>
+            </a:r>
+          </a:p>
+        </p:txBody>
+      </p:sp>
+      <p:sp>
+        <p:nvSpPr>
+          <p:cNvPr id="3" name="Text Placeholder 2">
+            <a:extLst>
+              <a:ext uri="{FF2B5EF4-FFF2-40B4-BE49-F238E27FC236}">
+                <a16:creationId xmlns:a16="http://schemas.microsoft.com/office/drawing/2014/main" id="{DEE5EFC5-C4DD-44EF-B9F6-D0E3482BEA8E}"/>
+              </a:ext>
+            </a:extLst>
+          </p:cNvPr>
+          <p:cNvSpPr>
+            <a:spLocks noGrp="1"/>
+          </p:cNvSpPr>
+          <p:nvPr>
+            <p:ph type="body" idx="1"/>
+          </p:nvPr>
+        </p:nvSpPr>
+        <p:spPr/>
+        <p:txBody>
+          <a:bodyPr/>
+          <a:lstStyle/>
+          <a:p>
+            <a:r>
+              <a:rPr lang="en-US" dirty="0"/>
+              <a:t>Expectation</a:t>
+            </a:r>
+          </a:p>
+        </p:txBody>
+      </p:sp>
+      <p:sp>
+        <p:nvSpPr>
+          <p:cNvPr id="2" name="Content Placeholder 1">
+            <a:extLst>
+              <a:ext uri="{FF2B5EF4-FFF2-40B4-BE49-F238E27FC236}">
+                <a16:creationId xmlns:a16="http://schemas.microsoft.com/office/drawing/2014/main" id="{79E447AD-F5C2-4130-9DC0-DE470DC63F89}"/>
+              </a:ext>
+            </a:extLst>
+          </p:cNvPr>
+          <p:cNvSpPr>
+            <a:spLocks noGrp="1"/>
+          </p:cNvSpPr>
+          <p:nvPr>
+            <p:ph sz="half" idx="2"/>
+          </p:nvPr>
+        </p:nvSpPr>
+        <p:spPr/>
+        <p:txBody>
+          <a:bodyPr>
+            <a:normAutofit/>
+          </a:bodyPr>
+          <a:lstStyle/>
+          <a:p>
+            <a:r>
+              <a:rPr lang="en-US" dirty="0"/>
+              <a:t>Overall I thought there would be certain features that had a high impact on the severity of accidents.</a:t>
+            </a:r>
+          </a:p>
+          <a:p>
+            <a:pPr lvl="1"/>
+            <a:r>
+              <a:rPr lang="en-US" dirty="0"/>
+              <a:t>skidding_and_overturning</a:t>
+            </a:r>
+          </a:p>
+          <a:p>
+            <a:pPr lvl="1"/>
+            <a:r>
+              <a:rPr lang="en-US" dirty="0"/>
+              <a:t>time_of_day</a:t>
+            </a:r>
+          </a:p>
+          <a:p>
+            <a:pPr lvl="1"/>
+            <a:r>
+              <a:rPr lang="en-US" dirty="0"/>
+              <a:t>weather_conditions</a:t>
+            </a:r>
+          </a:p>
+          <a:p>
+            <a:pPr lvl="1"/>
+            <a:r>
+              <a:rPr lang="en-US" dirty="0"/>
+              <a:t>day_of_week </a:t>
+            </a:r>
+          </a:p>
+        </p:txBody>
+      </p:sp>
+      <p:sp>
+        <p:nvSpPr>
+          <p:cNvPr id="4" name="Text Placeholder 3">
+            <a:extLst>
+              <a:ext uri="{FF2B5EF4-FFF2-40B4-BE49-F238E27FC236}">
+                <a16:creationId xmlns:a16="http://schemas.microsoft.com/office/drawing/2014/main" id="{C2949571-0CC8-480B-9710-1EFF9E1818A6}"/>
+              </a:ext>
+            </a:extLst>
+          </p:cNvPr>
+          <p:cNvSpPr>
+            <a:spLocks noGrp="1"/>
+          </p:cNvSpPr>
+          <p:nvPr>
+            <p:ph type="body" sz="quarter" idx="3"/>
+          </p:nvPr>
+        </p:nvSpPr>
+        <p:spPr/>
+        <p:txBody>
+          <a:bodyPr/>
+          <a:lstStyle/>
+          <a:p>
+            <a:r>
+              <a:rPr lang="en-US" dirty="0"/>
+              <a:t>Reality</a:t>
+            </a:r>
+          </a:p>
+        </p:txBody>
+      </p:sp>
+      <p:sp>
+        <p:nvSpPr>
+          <p:cNvPr id="6" name="Content Placeholder 5">
+            <a:extLst>
+              <a:ext uri="{FF2B5EF4-FFF2-40B4-BE49-F238E27FC236}">
+                <a16:creationId xmlns:a16="http://schemas.microsoft.com/office/drawing/2014/main" id="{F94BFFF7-5A18-46DC-BB53-CB607CB491AD}"/>
+              </a:ext>
+            </a:extLst>
+          </p:cNvPr>
+          <p:cNvSpPr>
+            <a:spLocks noGrp="1"/>
+          </p:cNvSpPr>
+          <p:nvPr>
+            <p:ph sz="quarter" idx="4"/>
+          </p:nvPr>
+        </p:nvSpPr>
+        <p:spPr/>
+        <p:txBody>
+          <a:bodyPr>
+            <a:normAutofit/>
+          </a:bodyPr>
+          <a:lstStyle/>
+          <a:p>
+            <a:r>
+              <a:rPr lang="en-US" dirty="0"/>
+              <a:t>There were very low correlations among features and accident severity. The highest correlation was vehicle_type at 0.134. </a:t>
+            </a:r>
+          </a:p>
+          <a:p>
+            <a:endParaRPr lang="en-US" dirty="0"/>
+          </a:p>
+        </p:txBody>
+      </p:sp>
+    </p:spTree>
+    <p:extLst>
+      <p:ext uri="{BB962C8B-B14F-4D97-AF65-F5344CB8AC3E}">
+        <p14:creationId xmlns:p14="http://schemas.microsoft.com/office/powerpoint/2010/main" val="3002648614"/>
+      </p:ext>
+    </p:extLst>
+  </p:cSld>
+  <p:clrMapOvr>
+    <a:overrideClrMapping bg1="dk1" tx1="lt1" bg2="dk2" tx2="lt2" accent1="accent1" accent2="accent2" accent3="accent3" accent4="accent4" accent5="accent5" accent6="accent6" hlink="hlink" folHlink="folHlink"/>
+  </p:clrMapOvr>
+</p:sld>
+</file>
+
+<file path=ppt/slides/slide46.xml><?xml version="1.0" encoding="utf-8"?>
 <p:sld xmlns:a="http://schemas.openxmlformats.org/drawingml/2006/main" xmlns:r="http://schemas.openxmlformats.org/officeDocument/2006/relationships" xmlns:p="http://schemas.openxmlformats.org/presentationml/2006/main">
   <p:cSld>
     <p:bg>
@@ -37192,8 +37584,8 @@
         </p:nvSpPr>
         <p:spPr>
           <a:xfrm>
-            <a:off x="1152525" y="2286418"/>
-            <a:ext cx="10058400" cy="3849624"/>
+            <a:off x="1152525" y="2014194"/>
+            <a:ext cx="10058400" cy="4121848"/>
           </a:xfrm>
         </p:spPr>
         <p:txBody>
@@ -37204,7 +37596,7 @@
           <a:p>
             <a:r>
               <a:rPr lang="en-US" dirty="0"/>
-              <a:t>Not able to obtain accuracy over 70% without causing other issues such as overfitting</a:t>
+              <a:t>Not able to obtain accuracy over 70% without causing other issues such as overfitting and bias. </a:t>
             </a:r>
           </a:p>
           <a:p>
@@ -37237,7 +37629,27 @@
             <a:pPr lvl="1"/>
             <a:r>
               <a:rPr lang="en-US" dirty="0"/>
-              <a:t>Rural areas had a higher rate of serious accidents which could be correlation to emergency vehicle arrival or distances from hospitals but this information was also not available</a:t>
+              <a:t>Rural areas had a higher rate of serious accidents which could be correlation to emergency vehicle arrival or distances from hospitals, but this information was also not available</a:t>
+            </a:r>
+          </a:p>
+          <a:p>
+            <a:pPr lvl="1"/>
+            <a:r>
+              <a:rPr lang="en-US" dirty="0"/>
+              <a:t>No time of arrival for emergency units</a:t>
+            </a:r>
+          </a:p>
+          <a:p>
+            <a:pPr lvl="1"/>
+            <a:r>
+              <a:rPr lang="en-US" dirty="0"/>
+              <a:t>No info on passengers</a:t>
+            </a:r>
+          </a:p>
+          <a:p>
+            <a:r>
+              <a:rPr lang="en-US" dirty="0"/>
+              <a:t>Low correlations</a:t>
             </a:r>
           </a:p>
           <a:p>
@@ -37251,7 +37663,7 @@
     </p:spTree>
     <p:extLst>
       <p:ext uri="{BB962C8B-B14F-4D97-AF65-F5344CB8AC3E}">
-        <p14:creationId xmlns:p14="http://schemas.microsoft.com/office/powerpoint/2010/main" val="3002648614"/>
+        <p14:creationId xmlns:p14="http://schemas.microsoft.com/office/powerpoint/2010/main" val="3195058806"/>
       </p:ext>
     </p:extLst>
   </p:cSld>
@@ -38707,7 +39119,7 @@
     <we:reference id="wa104295828" version="1.6.0.0" store="wa104295828" storeType="OMEX"/>
   </we:alternateReferences>
   <we:properties>
-    <we:property name="__labs__" value="{&quot;configuration&quot;:{&quot;appVersion&quot;:{&quot;major&quot;:1,&quot;minor&quot;:0},&quot;components&quot;:[{&quot;type&quot;:&quot;Labs.Components.ActivityComponent&quot;,&quot;name&quot;:&quot;public.tableau.com/views/LearningAlgorithmResults/LearningAlgorithmsTime?:embed=y&amp;:display_count=yes&amp;:origin=viz_share_link&quot;,&quot;values&quot;:{},&quot;data&quot;:{&quot;uri&quot;:&quot;public.tableau.com/views/LearningAlgorithmResults/LearningAlgorithmsTime?:embed=y&amp;:display_count=yes&amp;:origin=viz_share_link&quot;},&quot;secure&quot;:false}],&quot;name&quot;:&quot;public.tableau.com/views/LearningAlgorithmResults/LearningAlgorithmsTime?:embed=y&amp;:display_count=yes&amp;:origin=viz_share_link&quot;,&quot;timeline&quot;:null,&quot;analytics&quot;:null},&quot;hostVersion&quot;:{&quot;major&quot;:0,&quot;minor&quot;:1}}"/>
+    <we:property name="__labs__" value="{&quot;configuration&quot;:{&quot;appVersion&quot;:{&quot;major&quot;:1,&quot;minor&quot;:0},&quot;components&quot;:[{&quot;type&quot;:&quot;Labs.Components.ActivityComponent&quot;,&quot;name&quot;:&quot;public.tableau.com/views/LearningAlgorithmResults/LearningAlgorithmsRates?:embed=y&amp;:display_count=yes&amp;:origin=viz_share_link&quot;,&quot;values&quot;:{},&quot;data&quot;:{&quot;uri&quot;:&quot;public.tableau.com/views/LearningAlgorithmResults/LearningAlgorithmsRates?:embed=y&amp;:display_count=yes&amp;:origin=viz_share_link&quot;},&quot;secure&quot;:false}],&quot;name&quot;:&quot;public.tableau.com/views/LearningAlgorithmResults/LearningAlgorithmsRates?:embed=y&amp;:display_count=yes&amp;:origin=viz_share_link&quot;,&quot;timeline&quot;:null,&quot;analytics&quot;:null},&quot;hostVersion&quot;:{&quot;major&quot;:0,&quot;minor&quot;:1}}"/>
   </we:properties>
   <we:bindings/>
   <we:snapshot xmlns:r="http://schemas.openxmlformats.org/officeDocument/2006/relationships" r:embed="rId1"/>

--- a/Traffic_Analysis_and_Severity_Prediction.pptx
+++ b/Traffic_Analysis_and_Severity_Prediction.pptx
@@ -26286,7 +26286,7 @@
           <a:p>
             <a:fld id="{6E777CD1-961A-4E12-BBE0-00C5286F4421}" type="datetimeFigureOut">
               <a:rPr lang="en-US" smtClean="0"/>
-              <a:t>10/30/2019</a:t>
+              <a:t>11/13/2019</a:t>
             </a:fld>
             <a:endParaRPr lang="en-US" dirty="0"/>
           </a:p>
@@ -27442,7 +27442,7 @@
           <a:p>
             <a:fld id="{EA0C0817-A112-4847-8014-A94B7D2A4EA3}" type="datetime1">
               <a:rPr lang="en-US" smtClean="0"/>
-              <a:t>10/30/2019</a:t>
+              <a:t>11/13/2019</a:t>
             </a:fld>
             <a:endParaRPr lang="en-US" dirty="0"/>
           </a:p>
@@ -27644,7 +27644,7 @@
           <a:p>
             <a:fld id="{134F40B7-36AB-4376-BE14-EF7004D79BB9}" type="datetime1">
               <a:rPr lang="en-US" smtClean="0"/>
-              <a:t>10/30/2019</a:t>
+              <a:t>11/13/2019</a:t>
             </a:fld>
             <a:endParaRPr lang="en-US" dirty="0"/>
           </a:p>
@@ -27824,7 +27824,7 @@
           <a:p>
             <a:fld id="{FF87CAB8-DCAE-46A5-AADA-B3FAD11A54E0}" type="datetime1">
               <a:rPr lang="en-US" smtClean="0"/>
-              <a:t>10/30/2019</a:t>
+              <a:t>11/13/2019</a:t>
             </a:fld>
             <a:endParaRPr lang="en-US" dirty="0"/>
           </a:p>
@@ -27994,7 +27994,7 @@
           <a:p>
             <a:fld id="{7332B432-ACDA-4023-A761-2BAB76577B62}" type="datetime1">
               <a:rPr lang="en-US" smtClean="0"/>
-              <a:t>10/30/2019</a:t>
+              <a:t>11/13/2019</a:t>
             </a:fld>
             <a:endParaRPr lang="en-US" dirty="0"/>
           </a:p>
@@ -28593,7 +28593,7 @@
           <a:p>
             <a:fld id="{D9C646AA-F36E-4540-911D-FFFC0A0EF24A}" type="datetime1">
               <a:rPr lang="en-US" smtClean="0"/>
-              <a:t>10/30/2019</a:t>
+              <a:t>11/13/2019</a:t>
             </a:fld>
             <a:endParaRPr lang="en-US" dirty="0"/>
           </a:p>
@@ -28913,7 +28913,7 @@
           <a:p>
             <a:fld id="{69186D26-FA5F-4637-B602-B7C2DC34CFD4}" type="datetime1">
               <a:rPr lang="en-US" smtClean="0"/>
-              <a:t>10/30/2019</a:t>
+              <a:t>11/13/2019</a:t>
             </a:fld>
             <a:endParaRPr lang="en-US" dirty="0"/>
           </a:p>
@@ -29348,7 +29348,7 @@
           <a:p>
             <a:fld id="{8A7F15D8-96D1-4781-BC50-CA8A088B2FE4}" type="datetime1">
               <a:rPr lang="en-US" smtClean="0"/>
-              <a:t>10/30/2019</a:t>
+              <a:t>11/13/2019</a:t>
             </a:fld>
             <a:endParaRPr lang="en-US" dirty="0"/>
           </a:p>
@@ -29466,7 +29466,7 @@
           <a:p>
             <a:fld id="{F9A96C99-B8F8-4528-BD05-0E16E943DC09}" type="datetime1">
               <a:rPr lang="en-US" smtClean="0"/>
-              <a:t>10/30/2019</a:t>
+              <a:t>11/13/2019</a:t>
             </a:fld>
             <a:endParaRPr lang="en-US" dirty="0"/>
           </a:p>
@@ -29561,7 +29561,7 @@
           <a:p>
             <a:fld id="{03636942-C211-4B28-8DBD-C953E00AF71B}" type="datetime1">
               <a:rPr lang="en-US" smtClean="0"/>
-              <a:t>10/30/2019</a:t>
+              <a:t>11/13/2019</a:t>
             </a:fld>
             <a:endParaRPr lang="en-US" dirty="0"/>
           </a:p>
@@ -29978,7 +29978,7 @@
           <a:p>
             <a:fld id="{7E8D12A6-918A-48BD-8CB9-CA713993B0EA}" type="datetime1">
               <a:rPr lang="en-US" smtClean="0"/>
-              <a:t>10/30/2019</a:t>
+              <a:t>11/13/2019</a:t>
             </a:fld>
             <a:endParaRPr lang="en-US" dirty="0"/>
           </a:p>
@@ -30239,7 +30239,7 @@
             <a:fld id="{E778CE86-875F-4587-BCF6-FA054AFC0D53}" type="datetime1">
               <a:rPr lang="en-US" smtClean="0"/>
               <a:pPr/>
-              <a:t>10/30/2019</a:t>
+              <a:t>11/13/2019</a:t>
             </a:fld>
             <a:endParaRPr lang="en-US" dirty="0"/>
           </a:p>
@@ -30758,7 +30758,7 @@
           <a:p>
             <a:fld id="{F6FA2B21-3FCD-4721-B95C-427943F61125}" type="datetime1">
               <a:rPr lang="en-US" smtClean="0"/>
-              <a:t>10/30/2019</a:t>
+              <a:t>11/13/2019</a:t>
             </a:fld>
             <a:endParaRPr lang="en-US" dirty="0"/>
           </a:p>
@@ -36333,8 +36333,8 @@
           <a:chExt cx="0" cy="0"/>
         </a:xfrm>
       </p:grpSpPr>
-      <mc:AlternateContent xmlns:mc="http://schemas.openxmlformats.org/markup-compatibility/2006" xmlns:we="http://schemas.microsoft.com/office/webextensions/webextension/2010/11" xmlns:pca="http://schemas.microsoft.com/office/powerpoint/2013/contentapp">
-        <mc:Choice Requires="we pca">
+      <mc:AlternateContent xmlns:mc="http://schemas.openxmlformats.org/markup-compatibility/2006">
+        <mc:Choice xmlns:we="http://schemas.microsoft.com/office/webextensions/webextension/2010/11" xmlns:pca="http://schemas.microsoft.com/office/powerpoint/2013/contentapp" Requires="we pca">
           <p:graphicFrame>
             <p:nvGraphicFramePr>
               <p:cNvPr id="2" name="Add-in 1" title="Web Viewer">
@@ -36366,7 +36366,7 @@
             </a:graphic>
           </p:graphicFrame>
         </mc:Choice>
-        <mc:Fallback xmlns="">
+        <mc:Fallback>
           <p:pic>
             <p:nvPicPr>
               <p:cNvPr id="2" name="Add-in 1" title="Web Viewer">

--- a/Traffic_Analysis_and_Severity_Prediction.pptx
+++ b/Traffic_Analysis_and_Severity_Prediction.pptx
@@ -6686,7 +6686,7 @@
         <a:p>
           <a:r>
             <a:rPr lang="en-US" dirty="0"/>
-            <a:t>It can also be beneficial to insurance companies looking to changer their rates in different areas. </a:t>
+            <a:t>It can also be beneficial to insurance companies looking to change their rates in different areas. </a:t>
           </a:r>
         </a:p>
       </dgm:t>
@@ -10246,7 +10246,7 @@
           </a:pPr>
           <a:r>
             <a:rPr lang="en-US" sz="1200" kern="1200" dirty="0"/>
-            <a:t>It can also be beneficial to insurance companies looking to changer their rates in different areas. </a:t>
+            <a:t>It can also be beneficial to insurance companies looking to change their rates in different areas. </a:t>
           </a:r>
         </a:p>
       </dsp:txBody>
@@ -34312,10 +34312,10 @@
       </p:pic>
       <p:pic>
         <p:nvPicPr>
-          <p:cNvPr id="12" name="Content Placeholder 11" descr="A screenshot of a cell phone&#10;&#10;Description automatically generated">
+          <p:cNvPr id="5" name="Content Placeholder 4" descr="A screenshot of a cell phone&#10;&#10;Description automatically generated">
             <a:extLst>
               <a:ext uri="{FF2B5EF4-FFF2-40B4-BE49-F238E27FC236}">
-                <a16:creationId xmlns:a16="http://schemas.microsoft.com/office/drawing/2014/main" id="{4556CE85-A9D3-4261-93F2-230DC6DB3762}"/>
+                <a16:creationId xmlns:a16="http://schemas.microsoft.com/office/drawing/2014/main" id="{132185ED-86F5-4FB7-8026-2516B3C79686}"/>
               </a:ext>
             </a:extLst>
           </p:cNvPr>
@@ -34334,8 +34334,8 @@
         </p:blipFill>
         <p:spPr>
           <a:xfrm>
-            <a:off x="6324600" y="1651000"/>
-            <a:ext cx="5105399" cy="4075508"/>
+            <a:off x="6324603" y="1651000"/>
+            <a:ext cx="4800598" cy="4075509"/>
           </a:xfrm>
         </p:spPr>
       </p:pic>
@@ -35455,7 +35455,7 @@
           <p:nvPr>
             <p:extLst>
               <p:ext uri="{D42A27DB-BD31-4B8C-83A1-F6EECF244321}">
-                <p14:modId xmlns:p14="http://schemas.microsoft.com/office/powerpoint/2010/main" val="279155778"/>
+                <p14:modId xmlns:p14="http://schemas.microsoft.com/office/powerpoint/2010/main" val="501216823"/>
               </p:ext>
             </p:extLst>
           </p:nvPr>
@@ -36333,8 +36333,8 @@
           <a:chExt cx="0" cy="0"/>
         </a:xfrm>
       </p:grpSpPr>
-      <mc:AlternateContent xmlns:mc="http://schemas.openxmlformats.org/markup-compatibility/2006">
-        <mc:Choice xmlns:we="http://schemas.microsoft.com/office/webextensions/webextension/2010/11" xmlns:pca="http://schemas.microsoft.com/office/powerpoint/2013/contentapp" Requires="we pca">
+      <mc:AlternateContent xmlns:mc="http://schemas.openxmlformats.org/markup-compatibility/2006" xmlns:we="http://schemas.microsoft.com/office/webextensions/webextension/2010/11" xmlns:pca="http://schemas.microsoft.com/office/powerpoint/2013/contentapp">
+        <mc:Choice Requires="we pca">
           <p:graphicFrame>
             <p:nvGraphicFramePr>
               <p:cNvPr id="2" name="Add-in 1" title="Web Viewer">
@@ -36366,7 +36366,7 @@
             </a:graphic>
           </p:graphicFrame>
         </mc:Choice>
-        <mc:Fallback>
+        <mc:Fallback xmlns="">
           <p:pic>
             <p:nvPicPr>
               <p:cNvPr id="2" name="Add-in 1" title="Web Viewer">
@@ -36753,8 +36753,8 @@
           <a:chExt cx="0" cy="0"/>
         </a:xfrm>
       </p:grpSpPr>
-      <mc:AlternateContent xmlns:mc="http://schemas.openxmlformats.org/markup-compatibility/2006">
-        <mc:Choice xmlns:we="http://schemas.microsoft.com/office/webextensions/webextension/2010/11" xmlns:pca="http://schemas.microsoft.com/office/powerpoint/2013/contentapp" Requires="we pca">
+      <mc:AlternateContent xmlns:mc="http://schemas.openxmlformats.org/markup-compatibility/2006" xmlns:we="http://schemas.microsoft.com/office/webextensions/webextension/2010/11" xmlns:pca="http://schemas.microsoft.com/office/powerpoint/2013/contentapp">
+        <mc:Choice Requires="we pca">
           <p:graphicFrame>
             <p:nvGraphicFramePr>
               <p:cNvPr id="3" name="Add-in 2" title="Web Viewer">
@@ -36786,7 +36786,7 @@
             </a:graphic>
           </p:graphicFrame>
         </mc:Choice>
-        <mc:Fallback>
+        <mc:Fallback xmlns="">
           <p:pic>
             <p:nvPicPr>
               <p:cNvPr id="3" name="Add-in 2" title="Web Viewer">
@@ -36857,8 +36857,8 @@
           <a:chExt cx="0" cy="0"/>
         </a:xfrm>
       </p:grpSpPr>
-      <mc:AlternateContent xmlns:mc="http://schemas.openxmlformats.org/markup-compatibility/2006">
-        <mc:Choice xmlns:we="http://schemas.microsoft.com/office/webextensions/webextension/2010/11" xmlns:pca="http://schemas.microsoft.com/office/powerpoint/2013/contentapp" Requires="we pca">
+      <mc:AlternateContent xmlns:mc="http://schemas.openxmlformats.org/markup-compatibility/2006" xmlns:we="http://schemas.microsoft.com/office/webextensions/webextension/2010/11" xmlns:pca="http://schemas.microsoft.com/office/powerpoint/2013/contentapp">
+        <mc:Choice Requires="we pca">
           <p:graphicFrame>
             <p:nvGraphicFramePr>
               <p:cNvPr id="6" name="Add-in 5" title="Web Viewer">
@@ -36890,7 +36890,7 @@
             </a:graphic>
           </p:graphicFrame>
         </mc:Choice>
-        <mc:Fallback>
+        <mc:Fallback xmlns="">
           <p:pic>
             <p:nvPicPr>
               <p:cNvPr id="6" name="Add-in 5" title="Web Viewer">
@@ -36961,8 +36961,8 @@
           <a:chExt cx="0" cy="0"/>
         </a:xfrm>
       </p:grpSpPr>
-      <mc:AlternateContent xmlns:mc="http://schemas.openxmlformats.org/markup-compatibility/2006">
-        <mc:Choice xmlns:we="http://schemas.microsoft.com/office/webextensions/webextension/2010/11" xmlns:pca="http://schemas.microsoft.com/office/powerpoint/2013/contentapp" Requires="we pca">
+      <mc:AlternateContent xmlns:mc="http://schemas.openxmlformats.org/markup-compatibility/2006" xmlns:we="http://schemas.microsoft.com/office/webextensions/webextension/2010/11" xmlns:pca="http://schemas.microsoft.com/office/powerpoint/2013/contentapp">
+        <mc:Choice Requires="we pca">
           <p:graphicFrame>
             <p:nvGraphicFramePr>
               <p:cNvPr id="6" name="Add-in 5" title="Web Viewer">
@@ -36988,7 +36988,7 @@
             </a:graphic>
           </p:graphicFrame>
         </mc:Choice>
-        <mc:Fallback>
+        <mc:Fallback xmlns="">
           <p:pic>
             <p:nvPicPr>
               <p:cNvPr id="6" name="Add-in 5" title="Web Viewer">
